--- a/webpayment.resources/docs/webpay-account-2-account-direct-debit-statediagram.pptx
+++ b/webpayment.resources/docs/webpay-account-2-account-direct-debit-statediagram.pptx
@@ -192,7 +192,7 @@
           <a:p>
             <a:fld id="{EC8C8056-B549-4FBF-9C23-C3E3767DB98D}" type="datetimeFigureOut">
               <a:rPr lang="en-US" smtClean="0"/>
-              <a:t>2015-09-27</a:t>
+              <a:t>2015-09-28</a:t>
             </a:fld>
             <a:endParaRPr lang="en-US"/>
           </a:p>
@@ -12972,6 +12972,9 @@
               </a:br>
               <a:r>
                 <a:rPr lang="en-US" sz="800" b="1" dirty="0" smtClean="0">
+                  <a:solidFill>
+                    <a:schemeClr val="accent2"/>
+                  </a:solidFill>
                   <a:latin typeface="Arial" panose="020B0604020202020204" pitchFamily="34" charset="0"/>
                   <a:cs typeface="Arial" panose="020B0604020202020204" pitchFamily="34" charset="0"/>
                 </a:rPr>
@@ -12979,10 +12982,20 @@
               </a:r>
               <a:r>
                 <a:rPr lang="en-US" sz="800" dirty="0" smtClean="0">
+                  <a:solidFill>
+                    <a:schemeClr val="accent2"/>
+                  </a:solidFill>
                   <a:latin typeface="Arial" panose="020B0604020202020204" pitchFamily="34" charset="0"/>
                   <a:cs typeface="Arial" panose="020B0604020202020204" pitchFamily="34" charset="0"/>
                 </a:rPr>
-                <a:t> {}</a:t>
+                <a:t> </a:t>
+              </a:r>
+              <a:r>
+                <a:rPr lang="en-US" sz="800" dirty="0" smtClean="0">
+                  <a:latin typeface="Arial" panose="020B0604020202020204" pitchFamily="34" charset="0"/>
+                  <a:cs typeface="Arial" panose="020B0604020202020204" pitchFamily="34" charset="0"/>
+                </a:rPr>
+                <a:t>{}</a:t>
               </a:r>
               <a:endParaRPr lang="en-US" sz="800" dirty="0">
                 <a:latin typeface="Arial" panose="020B0604020202020204" pitchFamily="34" charset="0"/>
@@ -13264,14 +13277,7 @@
                 <a:latin typeface="Arial" panose="020B0604020202020204" pitchFamily="34" charset="0"/>
                 <a:cs typeface="Arial" panose="020B0604020202020204" pitchFamily="34" charset="0"/>
               </a:rPr>
-              <a:t> </a:t>
-            </a:r>
-            <a:r>
-              <a:rPr lang="en-US" sz="800" dirty="0" smtClean="0">
-                <a:latin typeface="Arial" panose="020B0604020202020204" pitchFamily="34" charset="0"/>
-                <a:cs typeface="Arial" panose="020B0604020202020204" pitchFamily="34" charset="0"/>
-              </a:rPr>
-              <a:t>◄</a:t>
+              <a:t> ◄</a:t>
             </a:r>
           </a:p>
           <a:p>
@@ -13461,9 +13467,9 @@
         <p:spPr>
           <a:xfrm>
             <a:off x="7159525" y="9258002"/>
-            <a:ext cx="1534380" cy="374571"/>
+            <a:ext cx="1534380" cy="404039"/>
           </a:xfrm>
-          <a:prstGeom prst="roundRect">
+          <a:prstGeom prst="snip2DiagRect">
             <a:avLst/>
           </a:prstGeom>
           <a:solidFill>
@@ -14115,10 +14121,10 @@
         </p:nvSpPr>
         <p:spPr>
           <a:xfrm>
-            <a:off x="6042957" y="5795884"/>
-            <a:ext cx="1548616" cy="459700"/>
+            <a:off x="5999397" y="5764088"/>
+            <a:ext cx="1627466" cy="495866"/>
           </a:xfrm>
-          <a:prstGeom prst="roundRect">
+          <a:prstGeom prst="snip2DiagRect">
             <a:avLst/>
           </a:prstGeom>
           <a:solidFill>
@@ -15257,6 +15263,9 @@
               </a:pPr>
               <a:r>
                 <a:rPr lang="en-US" sz="800" b="1" dirty="0" smtClean="0">
+                  <a:solidFill>
+                    <a:schemeClr val="accent2"/>
+                  </a:solidFill>
                   <a:latin typeface="Arial" panose="020B0604020202020204" pitchFamily="34" charset="0"/>
                   <a:cs typeface="Arial" panose="020B0604020202020204" pitchFamily="34" charset="0"/>
                 </a:rPr>
@@ -15661,6 +15670,9 @@
             <a:p>
               <a:r>
                 <a:rPr lang="en-US" sz="800" b="1" dirty="0" smtClean="0">
+                  <a:solidFill>
+                    <a:schemeClr val="accent2"/>
+                  </a:solidFill>
                   <a:latin typeface="Arial" panose="020B0604020202020204" pitchFamily="34" charset="0"/>
                   <a:cs typeface="Arial" panose="020B0604020202020204" pitchFamily="34" charset="0"/>
                 </a:rPr>
@@ -15887,6 +15899,9 @@
           <a:p>
             <a:r>
               <a:rPr lang="en-US" sz="800" b="1" dirty="0" smtClean="0">
+                <a:solidFill>
+                  <a:schemeClr val="accent2"/>
+                </a:solidFill>
                 <a:latin typeface="Arial" panose="020B0604020202020204" pitchFamily="34" charset="0"/>
                 <a:cs typeface="Arial" panose="020B0604020202020204" pitchFamily="34" charset="0"/>
               </a:rPr>
@@ -16165,6 +16180,9 @@
             <a:p>
               <a:r>
                 <a:rPr lang="en-US" sz="800" b="1" dirty="0" smtClean="0">
+                  <a:solidFill>
+                    <a:schemeClr val="accent2"/>
+                  </a:solidFill>
                   <a:latin typeface="Arial" panose="020B0604020202020204" pitchFamily="34" charset="0"/>
                   <a:cs typeface="Arial" panose="020B0604020202020204" pitchFamily="34" charset="0"/>
                 </a:rPr>
@@ -16172,10 +16190,20 @@
               </a:r>
               <a:r>
                 <a:rPr lang="en-US" sz="800" dirty="0" smtClean="0">
+                  <a:solidFill>
+                    <a:schemeClr val="accent2"/>
+                  </a:solidFill>
                   <a:latin typeface="Arial" panose="020B0604020202020204" pitchFamily="34" charset="0"/>
                   <a:cs typeface="Arial" panose="020B0604020202020204" pitchFamily="34" charset="0"/>
                 </a:rPr>
-                <a:t> {} </a:t>
+                <a:t> </a:t>
+              </a:r>
+              <a:r>
+                <a:rPr lang="en-US" sz="800" dirty="0" smtClean="0">
+                  <a:latin typeface="Arial" panose="020B0604020202020204" pitchFamily="34" charset="0"/>
+                  <a:cs typeface="Arial" panose="020B0604020202020204" pitchFamily="34" charset="0"/>
+                </a:rPr>
+                <a:t>{} </a:t>
               </a:r>
               <a:endParaRPr lang="en-US" sz="800" dirty="0">
                 <a:latin typeface="Arial" panose="020B0604020202020204" pitchFamily="34" charset="0"/>
@@ -17039,10 +17067,6 @@
               </a:rPr>
               <a:t>2</a:t>
             </a:r>
-            <a:endParaRPr lang="en-US" sz="1000" dirty="0">
-              <a:latin typeface="Courier New" panose="02070309020205020404" pitchFamily="49" charset="0"/>
-              <a:cs typeface="Courier New" panose="02070309020205020404" pitchFamily="49" charset="0"/>
-            </a:endParaRPr>
           </a:p>
         </p:txBody>
       </p:sp>
@@ -17086,10 +17110,6 @@
               </a:rPr>
               <a:t>6</a:t>
             </a:r>
-            <a:endParaRPr lang="en-US" sz="1000" dirty="0">
-              <a:latin typeface="Courier New" panose="02070309020205020404" pitchFamily="49" charset="0"/>
-              <a:cs typeface="Courier New" panose="02070309020205020404" pitchFamily="49" charset="0"/>
-            </a:endParaRPr>
           </a:p>
         </p:txBody>
       </p:sp>
@@ -17133,10 +17153,6 @@
               </a:rPr>
               <a:t>3</a:t>
             </a:r>
-            <a:endParaRPr lang="en-US" sz="1000" dirty="0">
-              <a:latin typeface="Courier New" panose="02070309020205020404" pitchFamily="49" charset="0"/>
-              <a:cs typeface="Courier New" panose="02070309020205020404" pitchFamily="49" charset="0"/>
-            </a:endParaRPr>
           </a:p>
         </p:txBody>
       </p:sp>
@@ -17180,10 +17196,6 @@
               </a:rPr>
               <a:t>4</a:t>
             </a:r>
-            <a:endParaRPr lang="en-US" sz="1000" dirty="0">
-              <a:latin typeface="Courier New" panose="02070309020205020404" pitchFamily="49" charset="0"/>
-              <a:cs typeface="Courier New" panose="02070309020205020404" pitchFamily="49" charset="0"/>
-            </a:endParaRPr>
           </a:p>
         </p:txBody>
       </p:sp>
@@ -17227,10 +17239,6 @@
               </a:rPr>
               <a:t>5</a:t>
             </a:r>
-            <a:endParaRPr lang="en-US" sz="1000" dirty="0">
-              <a:latin typeface="Courier New" panose="02070309020205020404" pitchFamily="49" charset="0"/>
-              <a:cs typeface="Courier New" panose="02070309020205020404" pitchFamily="49" charset="0"/>
-            </a:endParaRPr>
           </a:p>
         </p:txBody>
       </p:sp>
@@ -17274,10 +17282,6 @@
               </a:rPr>
               <a:t>7</a:t>
             </a:r>
-            <a:endParaRPr lang="en-US" sz="1000" dirty="0">
-              <a:latin typeface="Courier New" panose="02070309020205020404" pitchFamily="49" charset="0"/>
-              <a:cs typeface="Courier New" panose="02070309020205020404" pitchFamily="49" charset="0"/>
-            </a:endParaRPr>
           </a:p>
         </p:txBody>
       </p:sp>
@@ -17321,10 +17325,6 @@
               </a:rPr>
               <a:t>8</a:t>
             </a:r>
-            <a:endParaRPr lang="en-US" sz="1000" dirty="0">
-              <a:latin typeface="Courier New" panose="02070309020205020404" pitchFamily="49" charset="0"/>
-              <a:cs typeface="Courier New" panose="02070309020205020404" pitchFamily="49" charset="0"/>
-            </a:endParaRPr>
           </a:p>
         </p:txBody>
       </p:sp>
@@ -17368,10 +17368,6 @@
               </a:rPr>
               <a:t>9</a:t>
             </a:r>
-            <a:endParaRPr lang="en-US" sz="1000" dirty="0">
-              <a:latin typeface="Courier New" panose="02070309020205020404" pitchFamily="49" charset="0"/>
-              <a:cs typeface="Courier New" panose="02070309020205020404" pitchFamily="49" charset="0"/>
-            </a:endParaRPr>
           </a:p>
         </p:txBody>
       </p:sp>

--- a/webpayment.resources/docs/webpay-account-2-account-direct-debit-statediagram.pptx
+++ b/webpayment.resources/docs/webpay-account-2-account-direct-debit-statediagram.pptx
@@ -973,7 +973,7 @@
         </p:nvCxnSpPr>
         <p:spPr>
           <a:xfrm flipH="1">
-            <a:off x="2479005" y="10717230"/>
+            <a:off x="2479005" y="10782813"/>
             <a:ext cx="4680000" cy="0"/>
           </a:xfrm>
           <a:prstGeom prst="straightConnector1">
@@ -11656,7 +11656,7 @@
         </p:nvCxnSpPr>
         <p:spPr>
           <a:xfrm>
-            <a:off x="1328880" y="11325722"/>
+            <a:off x="1328880" y="11300919"/>
             <a:ext cx="1131700" cy="216"/>
           </a:xfrm>
           <a:prstGeom prst="straightConnector1">
@@ -13306,7 +13306,7 @@
         </p:nvCxnSpPr>
         <p:spPr>
           <a:xfrm flipH="1">
-            <a:off x="2465443" y="8147950"/>
+            <a:off x="2470206" y="8147950"/>
             <a:ext cx="4629083" cy="0"/>
           </a:xfrm>
           <a:prstGeom prst="straightConnector1">
@@ -13379,7 +13379,7 @@
         </p:nvSpPr>
         <p:spPr>
           <a:xfrm>
-            <a:off x="1356728" y="11124346"/>
+            <a:off x="1356728" y="11099543"/>
             <a:ext cx="1043876" cy="195814"/>
           </a:xfrm>
           <a:prstGeom prst="rect">
@@ -13466,8 +13466,8 @@
         </p:nvSpPr>
         <p:spPr>
           <a:xfrm>
-            <a:off x="7159525" y="9258002"/>
-            <a:ext cx="1534380" cy="404039"/>
+            <a:off x="7039392" y="9258002"/>
+            <a:ext cx="1775195" cy="550962"/>
           </a:xfrm>
           <a:prstGeom prst="snip2DiagRect">
             <a:avLst/>
@@ -13497,11 +13497,107 @@
           <a:lstStyle/>
           <a:p>
             <a:r>
+              <a:rPr lang="en-US" sz="800" dirty="0">
+                <a:latin typeface="Lucida Sans Unicode"/>
+                <a:cs typeface="Lucida Sans Unicode"/>
+              </a:rPr>
+              <a:t>∙</a:t>
+            </a:r>
+            <a:r>
+              <a:rPr lang="en-US" sz="800" i="1" dirty="0">
+                <a:latin typeface="Lucida Sans Unicode"/>
+                <a:cs typeface="Lucida Sans Unicode"/>
+              </a:rPr>
+              <a:t> </a:t>
+            </a:r>
+            <a:r>
               <a:rPr lang="en-US" sz="800" i="1" dirty="0" smtClean="0">
                 <a:latin typeface="Arial" panose="020B0604020202020204" pitchFamily="34" charset="0"/>
                 <a:cs typeface="Arial" panose="020B0604020202020204" pitchFamily="34" charset="0"/>
               </a:rPr>
-              <a:t>Hooking into the local bank payment backend</a:t>
+              <a:t>Decryptin</a:t>
+            </a:r>
+            <a:r>
+              <a:rPr lang="en-US" sz="800" i="1" dirty="0" smtClean="0">
+                <a:latin typeface="Arial" panose="020B0604020202020204" pitchFamily="34" charset="0"/>
+                <a:cs typeface="Arial" panose="020B0604020202020204" pitchFamily="34" charset="0"/>
+              </a:rPr>
+              <a:t>g </a:t>
+            </a:r>
+            <a:r>
+              <a:rPr lang="en-US" sz="800" dirty="0" err="1" smtClean="0">
+                <a:latin typeface="Arial" panose="020B0604020202020204" pitchFamily="34" charset="0"/>
+                <a:cs typeface="Arial" panose="020B0604020202020204" pitchFamily="34" charset="0"/>
+              </a:rPr>
+              <a:t>authorizationData</a:t>
+            </a:r>
+            <a:r>
+              <a:rPr lang="en-US" sz="800" i="1" dirty="0" smtClean="0">
+                <a:latin typeface="Arial" panose="020B0604020202020204" pitchFamily="34" charset="0"/>
+                <a:cs typeface="Arial" panose="020B0604020202020204" pitchFamily="34" charset="0"/>
+              </a:rPr>
+              <a:t/>
+            </a:r>
+            <a:br>
+              <a:rPr lang="en-US" sz="800" i="1" dirty="0" smtClean="0">
+                <a:latin typeface="Arial" panose="020B0604020202020204" pitchFamily="34" charset="0"/>
+                <a:cs typeface="Arial" panose="020B0604020202020204" pitchFamily="34" charset="0"/>
+              </a:rPr>
+            </a:br>
+            <a:r>
+              <a:rPr lang="en-US" sz="800" dirty="0">
+                <a:latin typeface="Lucida Sans Unicode"/>
+                <a:cs typeface="Lucida Sans Unicode"/>
+              </a:rPr>
+              <a:t>∙</a:t>
+            </a:r>
+            <a:r>
+              <a:rPr lang="en-US" sz="800" i="1" dirty="0">
+                <a:latin typeface="Lucida Sans Unicode"/>
+                <a:cs typeface="Lucida Sans Unicode"/>
+              </a:rPr>
+              <a:t> </a:t>
+            </a:r>
+            <a:r>
+              <a:rPr lang="en-US" sz="800" i="1" dirty="0" smtClean="0">
+                <a:latin typeface="Arial" panose="020B0604020202020204" pitchFamily="34" charset="0"/>
+                <a:cs typeface="Arial" panose="020B0604020202020204" pitchFamily="34" charset="0"/>
+              </a:rPr>
+              <a:t>Hooking </a:t>
+            </a:r>
+            <a:r>
+              <a:rPr lang="en-US" sz="800" i="1" dirty="0" smtClean="0">
+                <a:latin typeface="Arial" panose="020B0604020202020204" pitchFamily="34" charset="0"/>
+                <a:cs typeface="Arial" panose="020B0604020202020204" pitchFamily="34" charset="0"/>
+              </a:rPr>
+              <a:t>into the local </a:t>
+            </a:r>
+            <a:r>
+              <a:rPr lang="en-US" sz="800" i="1" dirty="0" smtClean="0">
+                <a:latin typeface="Arial" panose="020B0604020202020204" pitchFamily="34" charset="0"/>
+                <a:cs typeface="Arial" panose="020B0604020202020204" pitchFamily="34" charset="0"/>
+              </a:rPr>
+              <a:t>bank</a:t>
+            </a:r>
+            <a:br>
+              <a:rPr lang="en-US" sz="800" i="1" dirty="0" smtClean="0">
+                <a:latin typeface="Arial" panose="020B0604020202020204" pitchFamily="34" charset="0"/>
+                <a:cs typeface="Arial" panose="020B0604020202020204" pitchFamily="34" charset="0"/>
+              </a:rPr>
+            </a:br>
+            <a:r>
+              <a:rPr lang="en-US" sz="800" i="1" dirty="0" smtClean="0">
+                <a:latin typeface="Arial" panose="020B0604020202020204" pitchFamily="34" charset="0"/>
+                <a:cs typeface="Arial" panose="020B0604020202020204" pitchFamily="34" charset="0"/>
+              </a:rPr>
+              <a:t>   </a:t>
+            </a:r>
+            <a:r>
+              <a:rPr lang="en-US" sz="800" i="1" dirty="0" smtClean="0">
+                <a:latin typeface="Arial" panose="020B0604020202020204" pitchFamily="34" charset="0"/>
+                <a:cs typeface="Arial" panose="020B0604020202020204" pitchFamily="34" charset="0"/>
+              </a:rPr>
+              <a:t>payment backend</a:t>
             </a:r>
             <a:r>
               <a:rPr lang="en-US" sz="800" dirty="0" smtClean="0">
@@ -13556,7 +13652,7 @@
         </p:nvCxnSpPr>
         <p:spPr>
           <a:xfrm>
-            <a:off x="2466889" y="7884116"/>
+            <a:off x="2462126" y="7884116"/>
             <a:ext cx="4620628" cy="0"/>
           </a:xfrm>
           <a:prstGeom prst="straightConnector1">
@@ -14156,41 +14252,27 @@
                 <a:latin typeface="Arial" panose="020B0604020202020204" pitchFamily="34" charset="0"/>
                 <a:cs typeface="Arial" panose="020B0604020202020204" pitchFamily="34" charset="0"/>
               </a:rPr>
-              <a:t>Encrypt</a:t>
+              <a:t>Encrypt the authorized request</a:t>
+            </a:r>
+            <a:br>
+              <a:rPr lang="en-US" sz="700" i="1" dirty="0" smtClean="0">
+                <a:latin typeface="Arial" panose="020B0604020202020204" pitchFamily="34" charset="0"/>
+                <a:cs typeface="Arial" panose="020B0604020202020204" pitchFamily="34" charset="0"/>
+              </a:rPr>
+            </a:br>
+            <a:r>
+              <a:rPr lang="en-US" sz="700" i="1" dirty="0" smtClean="0">
+                <a:latin typeface="Arial" panose="020B0604020202020204" pitchFamily="34" charset="0"/>
+                <a:cs typeface="Arial" panose="020B0604020202020204" pitchFamily="34" charset="0"/>
+              </a:rPr>
+              <a:t>above using a Payment Provider public RSA or ECDH key </a:t>
             </a:r>
             <a:r>
               <a:rPr lang="en-US" sz="700" dirty="0" smtClean="0">
                 <a:latin typeface="Arial" panose="020B0604020202020204" pitchFamily="34" charset="0"/>
                 <a:cs typeface="Arial" panose="020B0604020202020204" pitchFamily="34" charset="0"/>
               </a:rPr>
-              <a:t> the </a:t>
-            </a:r>
-            <a:r>
-              <a:rPr lang="en-US" sz="700" i="1" dirty="0" smtClean="0">
-                <a:latin typeface="Arial" panose="020B0604020202020204" pitchFamily="34" charset="0"/>
-                <a:cs typeface="Arial" panose="020B0604020202020204" pitchFamily="34" charset="0"/>
-              </a:rPr>
-              <a:t>authorized</a:t>
-            </a:r>
-            <a:r>
-              <a:rPr lang="en-US" sz="700" dirty="0" smtClean="0">
-                <a:latin typeface="Arial" panose="020B0604020202020204" pitchFamily="34" charset="0"/>
-                <a:cs typeface="Arial" panose="020B0604020202020204" pitchFamily="34" charset="0"/>
-              </a:rPr>
-              <a:t> request</a:t>
-            </a:r>
-            <a:br>
-              <a:rPr lang="en-US" sz="700" dirty="0" smtClean="0">
-                <a:latin typeface="Arial" panose="020B0604020202020204" pitchFamily="34" charset="0"/>
-                <a:cs typeface="Arial" panose="020B0604020202020204" pitchFamily="34" charset="0"/>
-              </a:rPr>
-            </a:br>
-            <a:r>
-              <a:rPr lang="en-US" sz="700" dirty="0" smtClean="0">
-                <a:latin typeface="Arial" panose="020B0604020202020204" pitchFamily="34" charset="0"/>
-                <a:cs typeface="Arial" panose="020B0604020202020204" pitchFamily="34" charset="0"/>
-              </a:rPr>
-              <a:t>above using a Payment Provider public RSA or ECDH key ◄</a:t>
+              <a:t>◄</a:t>
             </a:r>
             <a:endParaRPr lang="en-US" sz="700" dirty="0">
               <a:latin typeface="Arial" panose="020B0604020202020204" pitchFamily="34" charset="0"/>
@@ -14893,7 +14975,7 @@
         </p:nvCxnSpPr>
         <p:spPr>
           <a:xfrm flipV="1">
-            <a:off x="2459903" y="11325091"/>
+            <a:off x="2459903" y="11300288"/>
             <a:ext cx="1690332" cy="756"/>
           </a:xfrm>
           <a:prstGeom prst="line">
@@ -14930,7 +15012,7 @@
         </p:nvSpPr>
         <p:spPr>
           <a:xfrm>
-            <a:off x="4124593" y="11280657"/>
+            <a:off x="4124593" y="11255854"/>
             <a:ext cx="85326" cy="90380"/>
           </a:xfrm>
           <a:prstGeom prst="ellipse">
@@ -14974,7 +15056,7 @@
         </p:nvSpPr>
         <p:spPr>
           <a:xfrm>
-            <a:off x="2665429" y="11164838"/>
+            <a:off x="2665429" y="11140035"/>
             <a:ext cx="1324080" cy="123111"/>
           </a:xfrm>
           <a:prstGeom prst="rect">
@@ -15701,7 +15783,7 @@
         </p:nvSpPr>
         <p:spPr>
           <a:xfrm>
-            <a:off x="2639400" y="10531138"/>
+            <a:off x="2639400" y="10596721"/>
             <a:ext cx="1279765" cy="153888"/>
           </a:xfrm>
           <a:prstGeom prst="rect">
@@ -15744,7 +15826,7 @@
         </p:nvCxnSpPr>
         <p:spPr>
           <a:xfrm>
-            <a:off x="2911053" y="8836384"/>
+            <a:off x="2925342" y="8836384"/>
             <a:ext cx="4968000" cy="0"/>
           </a:xfrm>
           <a:prstGeom prst="straightConnector1">
@@ -15780,8 +15862,8 @@
         </p:nvSpPr>
         <p:spPr>
           <a:xfrm>
-            <a:off x="1807755" y="8599434"/>
-            <a:ext cx="1295512" cy="606264"/>
+            <a:off x="1807755" y="8599433"/>
+            <a:ext cx="1295512" cy="854129"/>
           </a:xfrm>
           <a:prstGeom prst="rect">
             <a:avLst/>
@@ -15834,8 +15916,8 @@
         </p:nvSpPr>
         <p:spPr>
           <a:xfrm>
-            <a:off x="1799402" y="8608114"/>
-            <a:ext cx="1296144" cy="584775"/>
+            <a:off x="1821407" y="8608114"/>
+            <a:ext cx="1296144" cy="830997"/>
           </a:xfrm>
           <a:prstGeom prst="rect">
             <a:avLst/>
@@ -15860,7 +15942,46 @@
                 <a:latin typeface="Arial" panose="020B0604020202020204" pitchFamily="34" charset="0"/>
                 <a:cs typeface="Arial" panose="020B0604020202020204" pitchFamily="34" charset="0"/>
               </a:rPr>
+              <a:t> </a:t>
+            </a:r>
+            <a:r>
+              <a:rPr lang="en-US" sz="800" dirty="0" smtClean="0">
+                <a:latin typeface="Arial" panose="020B0604020202020204" pitchFamily="34" charset="0"/>
+                <a:cs typeface="Arial" panose="020B0604020202020204" pitchFamily="34" charset="0"/>
+              </a:rPr>
+              <a:t>{}</a:t>
+            </a:r>
+          </a:p>
+          <a:p>
+            <a:r>
+              <a:rPr lang="en-US" sz="800" dirty="0" err="1" smtClean="0">
+                <a:latin typeface="Arial" panose="020B0604020202020204" pitchFamily="34" charset="0"/>
+                <a:cs typeface="Arial" panose="020B0604020202020204" pitchFamily="34" charset="0"/>
+              </a:rPr>
+              <a:t>requestHash</a:t>
+            </a:r>
+            <a:r>
+              <a:rPr lang="en-US" sz="800" dirty="0" smtClean="0">
+                <a:latin typeface="Arial" panose="020B0604020202020204" pitchFamily="34" charset="0"/>
+                <a:cs typeface="Arial" panose="020B0604020202020204" pitchFamily="34" charset="0"/>
+              </a:rPr>
               <a:t> {}</a:t>
+            </a:r>
+          </a:p>
+          <a:p>
+            <a:r>
+              <a:rPr lang="en-US" sz="800" dirty="0" err="1" smtClean="0">
+                <a:latin typeface="Arial" panose="020B0604020202020204" pitchFamily="34" charset="0"/>
+                <a:cs typeface="Arial" panose="020B0604020202020204" pitchFamily="34" charset="0"/>
+              </a:rPr>
+              <a:t>accountType</a:t>
+            </a:r>
+            <a:r>
+              <a:rPr lang="en-US" sz="800" dirty="0" smtClean="0">
+                <a:latin typeface="Arial" panose="020B0604020202020204" pitchFamily="34" charset="0"/>
+                <a:cs typeface="Arial" panose="020B0604020202020204" pitchFamily="34" charset="0"/>
+              </a:rPr>
+              <a:t/>
             </a:r>
             <a:br>
               <a:rPr lang="en-US" sz="800" dirty="0" smtClean="0">
@@ -15978,7 +16099,7 @@
         </p:nvSpPr>
         <p:spPr>
           <a:xfrm>
-            <a:off x="5323321" y="10649372"/>
+            <a:off x="5323321" y="10714955"/>
             <a:ext cx="834130" cy="123111"/>
           </a:xfrm>
           <a:prstGeom prst="rect">
@@ -16066,7 +16187,7 @@
         </p:nvGrpSpPr>
         <p:grpSpPr>
           <a:xfrm>
-            <a:off x="7154720" y="10062955"/>
+            <a:off x="7154720" y="10200546"/>
             <a:ext cx="1588981" cy="1433720"/>
             <a:chOff x="6938696" y="9735771"/>
             <a:chExt cx="1588981" cy="1433721"/>
@@ -17336,7 +17457,7 @@
         </p:nvSpPr>
         <p:spPr>
           <a:xfrm>
-            <a:off x="2142853" y="10626154"/>
+            <a:off x="2142853" y="10691737"/>
             <a:ext cx="165567" cy="172758"/>
           </a:xfrm>
           <a:prstGeom prst="roundRect">

--- a/webpayment.resources/docs/webpay-account-2-account-direct-debit-statediagram.pptx
+++ b/webpayment.resources/docs/webpay-account-2-account-direct-debit-statediagram.pptx
@@ -10,7 +10,7 @@
   <p:sldIdLst>
     <p:sldId id="256" r:id="rId2"/>
   </p:sldIdLst>
-  <p:sldSz cx="9134475" cy="12179300" type="ledger"/>
+  <p:sldSz cx="9134475" cy="12349163"/>
   <p:notesSz cx="6858000" cy="9144000"/>
   <p:defaultTextStyle>
     <a:defPPr>
@@ -210,8 +210,8 @@
         </p:nvSpPr>
         <p:spPr>
           <a:xfrm>
-            <a:off x="2143125" y="685800"/>
-            <a:ext cx="2571750" cy="3429000"/>
+            <a:off x="2160588" y="685800"/>
+            <a:ext cx="2536825" cy="3429000"/>
           </a:xfrm>
           <a:prstGeom prst="rect">
             <a:avLst/>
@@ -489,8 +489,8 @@
         </p:nvSpPr>
         <p:spPr>
           <a:xfrm>
-            <a:off x="2143125" y="685800"/>
-            <a:ext cx="2571750" cy="3429000"/>
+            <a:off x="2160588" y="685800"/>
+            <a:ext cx="2536825" cy="3429000"/>
           </a:xfrm>
         </p:spPr>
       </p:sp>
@@ -898,9 +898,9 @@
       </p:grpSpPr>
       <p:cxnSp>
         <p:nvCxnSpPr>
-          <p:cNvPr id="10" name="Straight Connector 9"/>
+          <p:cNvPr id="264" name="Straight Connector 263"/>
           <p:cNvCxnSpPr>
-            <a:stCxn id="135" idx="2"/>
+            <a:stCxn id="372" idx="2"/>
           </p:cNvCxnSpPr>
           <p:nvPr/>
         </p:nvCxnSpPr>
@@ -936,7 +936,7 @@
       </p:cxnSp>
       <p:cxnSp>
         <p:nvCxnSpPr>
-          <p:cNvPr id="57" name="Straight Connector 56"/>
+          <p:cNvPr id="265" name="Straight Connector 264"/>
           <p:cNvCxnSpPr/>
           <p:nvPr/>
         </p:nvCxnSpPr>
@@ -967,7 +967,7 @@
       </p:cxnSp>
       <p:cxnSp>
         <p:nvCxnSpPr>
-          <p:cNvPr id="161" name="Straight Arrow Connector 160"/>
+          <p:cNvPr id="266" name="Straight Arrow Connector 265"/>
           <p:cNvCxnSpPr/>
           <p:nvPr/>
         </p:nvCxnSpPr>
@@ -1003,14 +1003,14 @@
       </p:cxnSp>
       <p:cxnSp>
         <p:nvCxnSpPr>
-          <p:cNvPr id="108" name="Straight Connector 107"/>
+          <p:cNvPr id="267" name="Straight Connector 266"/>
           <p:cNvCxnSpPr/>
           <p:nvPr/>
         </p:nvCxnSpPr>
         <p:spPr>
           <a:xfrm flipH="1">
             <a:off x="2449959" y="846036"/>
-            <a:ext cx="2428" cy="10980000"/>
+            <a:ext cx="2428" cy="11160000"/>
           </a:xfrm>
           <a:prstGeom prst="line">
             <a:avLst/>
@@ -1034,7 +1034,7 @@
       </p:cxnSp>
       <p:sp>
         <p:nvSpPr>
-          <p:cNvPr id="99" name="TextBox 98"/>
+          <p:cNvPr id="268" name="TextBox 267"/>
           <p:cNvSpPr txBox="1"/>
           <p:nvPr/>
         </p:nvSpPr>
@@ -1077,7 +1077,7 @@
       </p:sp>
       <p:cxnSp>
         <p:nvCxnSpPr>
-          <p:cNvPr id="42" name="Straight Connector 41"/>
+          <p:cNvPr id="269" name="Straight Connector 268"/>
           <p:cNvCxnSpPr/>
           <p:nvPr/>
         </p:nvCxnSpPr>
@@ -1114,7 +1114,7 @@
       </p:cxnSp>
       <p:cxnSp>
         <p:nvCxnSpPr>
-          <p:cNvPr id="66" name="Straight Arrow Connector 65"/>
+          <p:cNvPr id="270" name="Straight Arrow Connector 269"/>
           <p:cNvCxnSpPr/>
           <p:nvPr/>
         </p:nvCxnSpPr>
@@ -1151,7 +1151,7 @@
       </p:cxnSp>
       <p:cxnSp>
         <p:nvCxnSpPr>
-          <p:cNvPr id="96" name="Straight Arrow Connector 95"/>
+          <p:cNvPr id="271" name="Straight Arrow Connector 270"/>
           <p:cNvCxnSpPr/>
           <p:nvPr/>
         </p:nvCxnSpPr>
@@ -1188,7 +1188,7 @@
       </p:cxnSp>
       <p:sp>
         <p:nvSpPr>
-          <p:cNvPr id="40" name="Freeform 39"/>
+          <p:cNvPr id="272" name="Freeform 271"/>
           <p:cNvSpPr/>
           <p:nvPr/>
         </p:nvSpPr>
@@ -11650,7 +11650,7 @@
       </p:sp>
       <p:cxnSp>
         <p:nvCxnSpPr>
-          <p:cNvPr id="97" name="Straight Arrow Connector 96"/>
+          <p:cNvPr id="273" name="Straight Arrow Connector 272"/>
           <p:cNvCxnSpPr/>
           <p:nvPr/>
         </p:nvCxnSpPr>
@@ -11687,7 +11687,7 @@
       </p:cxnSp>
       <p:cxnSp>
         <p:nvCxnSpPr>
-          <p:cNvPr id="86" name="Straight Arrow Connector 85"/>
+          <p:cNvPr id="274" name="Straight Arrow Connector 273"/>
           <p:cNvCxnSpPr/>
           <p:nvPr/>
         </p:nvCxnSpPr>
@@ -11723,7 +11723,7 @@
       </p:cxnSp>
       <p:sp>
         <p:nvSpPr>
-          <p:cNvPr id="36" name="Freeform 35"/>
+          <p:cNvPr id="275" name="Freeform 274"/>
           <p:cNvSpPr/>
           <p:nvPr/>
         </p:nvSpPr>
@@ -11927,7 +11927,7 @@
       </p:sp>
       <p:cxnSp>
         <p:nvCxnSpPr>
-          <p:cNvPr id="70" name="Straight Arrow Connector 69"/>
+          <p:cNvPr id="276" name="Straight Arrow Connector 275"/>
           <p:cNvCxnSpPr/>
           <p:nvPr/>
         </p:nvCxnSpPr>
@@ -11963,7 +11963,7 @@
       </p:cxnSp>
       <p:cxnSp>
         <p:nvCxnSpPr>
-          <p:cNvPr id="100" name="Straight Arrow Connector 99"/>
+          <p:cNvPr id="277" name="Straight Arrow Connector 276"/>
           <p:cNvCxnSpPr/>
           <p:nvPr/>
         </p:nvCxnSpPr>
@@ -11999,7 +11999,7 @@
       </p:cxnSp>
       <p:grpSp>
         <p:nvGrpSpPr>
-          <p:cNvPr id="43" name="Group 42"/>
+          <p:cNvPr id="278" name="Group 277"/>
           <p:cNvGrpSpPr/>
           <p:nvPr/>
         </p:nvGrpSpPr>
@@ -12013,7 +12013,7 @@
         </p:grpSpPr>
         <p:sp>
           <p:nvSpPr>
-            <p:cNvPr id="44" name="Oval 43"/>
+            <p:cNvPr id="279" name="Oval 278"/>
             <p:cNvSpPr/>
             <p:nvPr/>
           </p:nvSpPr>
@@ -12059,9 +12059,9 @@
         </p:sp>
         <p:cxnSp>
           <p:nvCxnSpPr>
-            <p:cNvPr id="45" name="Straight Connector 44"/>
+            <p:cNvPr id="280" name="Straight Connector 279"/>
             <p:cNvCxnSpPr>
-              <a:stCxn id="44" idx="4"/>
+              <a:stCxn id="279" idx="4"/>
             </p:cNvCxnSpPr>
             <p:nvPr/>
           </p:nvCxnSpPr>
@@ -12096,7 +12096,7 @@
         </p:cxnSp>
         <p:cxnSp>
           <p:nvCxnSpPr>
-            <p:cNvPr id="46" name="Straight Connector 45"/>
+            <p:cNvPr id="281" name="Straight Connector 280"/>
             <p:cNvCxnSpPr/>
             <p:nvPr/>
           </p:nvCxnSpPr>
@@ -12131,7 +12131,7 @@
         </p:cxnSp>
         <p:cxnSp>
           <p:nvCxnSpPr>
-            <p:cNvPr id="47" name="Straight Connector 46"/>
+            <p:cNvPr id="282" name="Straight Connector 281"/>
             <p:cNvCxnSpPr/>
             <p:nvPr/>
           </p:nvCxnSpPr>
@@ -12166,7 +12166,7 @@
         </p:cxnSp>
         <p:cxnSp>
           <p:nvCxnSpPr>
-            <p:cNvPr id="48" name="Straight Connector 47"/>
+            <p:cNvPr id="283" name="Straight Connector 282"/>
             <p:cNvCxnSpPr/>
             <p:nvPr/>
           </p:nvCxnSpPr>
@@ -12201,7 +12201,7 @@
         </p:cxnSp>
         <p:cxnSp>
           <p:nvCxnSpPr>
-            <p:cNvPr id="49" name="Straight Connector 48"/>
+            <p:cNvPr id="284" name="Straight Connector 283"/>
             <p:cNvCxnSpPr/>
             <p:nvPr/>
           </p:nvCxnSpPr>
@@ -12237,14 +12237,14 @@
       </p:grpSp>
       <p:cxnSp>
         <p:nvCxnSpPr>
-          <p:cNvPr id="55" name="Straight Connector 54"/>
+          <p:cNvPr id="285" name="Straight Connector 284"/>
           <p:cNvCxnSpPr/>
           <p:nvPr/>
         </p:nvCxnSpPr>
         <p:spPr>
           <a:xfrm>
             <a:off x="1308578" y="846036"/>
-            <a:ext cx="567" cy="10980000"/>
+            <a:ext cx="567" cy="11160000"/>
           </a:xfrm>
           <a:prstGeom prst="line">
             <a:avLst/>
@@ -12268,14 +12268,14 @@
       </p:cxnSp>
       <p:cxnSp>
         <p:nvCxnSpPr>
-          <p:cNvPr id="58" name="Straight Connector 57"/>
+          <p:cNvPr id="286" name="Straight Connector 285"/>
           <p:cNvCxnSpPr/>
           <p:nvPr/>
         </p:nvCxnSpPr>
         <p:spPr>
           <a:xfrm>
             <a:off x="7909302" y="846037"/>
-            <a:ext cx="6302" cy="10980000"/>
+            <a:ext cx="6302" cy="11160000"/>
           </a:xfrm>
           <a:prstGeom prst="line">
             <a:avLst/>
@@ -12299,7 +12299,7 @@
       </p:cxnSp>
       <p:sp>
         <p:nvSpPr>
-          <p:cNvPr id="60" name="Rounded Rectangle 59"/>
+          <p:cNvPr id="287" name="Rounded Rectangle 286"/>
           <p:cNvSpPr/>
           <p:nvPr/>
         </p:nvSpPr>
@@ -12405,7 +12405,7 @@
       </p:sp>
       <p:sp>
         <p:nvSpPr>
-          <p:cNvPr id="62" name="Rounded Rectangle 61"/>
+          <p:cNvPr id="288" name="Rounded Rectangle 287"/>
           <p:cNvSpPr/>
           <p:nvPr/>
         </p:nvSpPr>
@@ -12507,7 +12507,7 @@
       </p:sp>
       <p:cxnSp>
         <p:nvCxnSpPr>
-          <p:cNvPr id="64" name="Straight Arrow Connector 63"/>
+          <p:cNvPr id="289" name="Straight Arrow Connector 288"/>
           <p:cNvCxnSpPr/>
           <p:nvPr/>
         </p:nvCxnSpPr>
@@ -12543,7 +12543,7 @@
       </p:cxnSp>
       <p:sp>
         <p:nvSpPr>
-          <p:cNvPr id="65" name="TextBox 64"/>
+          <p:cNvPr id="290" name="TextBox 289"/>
           <p:cNvSpPr txBox="1"/>
           <p:nvPr/>
         </p:nvSpPr>
@@ -12580,7 +12580,7 @@
       </p:sp>
       <p:sp>
         <p:nvSpPr>
-          <p:cNvPr id="68" name="TextBox 67"/>
+          <p:cNvPr id="291" name="TextBox 290"/>
           <p:cNvSpPr txBox="1"/>
           <p:nvPr/>
         </p:nvSpPr>
@@ -12625,7 +12625,7 @@
       </p:sp>
       <p:cxnSp>
         <p:nvCxnSpPr>
-          <p:cNvPr id="72" name="Straight Arrow Connector 71"/>
+          <p:cNvPr id="292" name="Straight Arrow Connector 291"/>
           <p:cNvCxnSpPr/>
           <p:nvPr/>
         </p:nvCxnSpPr>
@@ -12661,7 +12661,7 @@
       </p:cxnSp>
       <p:sp>
         <p:nvSpPr>
-          <p:cNvPr id="73" name="TextBox 72"/>
+          <p:cNvPr id="293" name="TextBox 292"/>
           <p:cNvSpPr txBox="1"/>
           <p:nvPr/>
         </p:nvSpPr>
@@ -12700,7 +12700,7 @@
       </p:sp>
       <p:sp>
         <p:nvSpPr>
-          <p:cNvPr id="20" name="Rectangle 19"/>
+          <p:cNvPr id="294" name="Rectangle 293"/>
           <p:cNvSpPr/>
           <p:nvPr/>
         </p:nvSpPr>
@@ -12757,7 +12757,7 @@
       </p:sp>
       <p:sp>
         <p:nvSpPr>
-          <p:cNvPr id="21" name="TextBox 20"/>
+          <p:cNvPr id="295" name="TextBox 294"/>
           <p:cNvSpPr txBox="1"/>
           <p:nvPr/>
         </p:nvSpPr>
@@ -12820,7 +12820,7 @@
       </p:sp>
       <p:grpSp>
         <p:nvGrpSpPr>
-          <p:cNvPr id="25" name="Group 24"/>
+          <p:cNvPr id="296" name="Group 295"/>
           <p:cNvGrpSpPr/>
           <p:nvPr/>
         </p:nvGrpSpPr>
@@ -12834,7 +12834,7 @@
         </p:grpSpPr>
         <p:sp>
           <p:nvSpPr>
-            <p:cNvPr id="18" name="Rectangle 17"/>
+            <p:cNvPr id="297" name="Rectangle 296"/>
             <p:cNvSpPr/>
             <p:nvPr/>
           </p:nvSpPr>
@@ -12881,7 +12881,7 @@
         </p:sp>
         <p:sp>
           <p:nvSpPr>
-            <p:cNvPr id="19" name="TextBox 18"/>
+            <p:cNvPr id="298" name="TextBox 297"/>
             <p:cNvSpPr txBox="1"/>
             <p:nvPr/>
           </p:nvSpPr>
@@ -13007,7 +13007,7 @@
       </p:grpSp>
       <p:cxnSp>
         <p:nvCxnSpPr>
-          <p:cNvPr id="74" name="Straight Arrow Connector 73"/>
+          <p:cNvPr id="299" name="Straight Arrow Connector 298"/>
           <p:cNvCxnSpPr/>
           <p:nvPr/>
         </p:nvCxnSpPr>
@@ -13044,7 +13044,7 @@
       </p:cxnSp>
       <p:sp>
         <p:nvSpPr>
-          <p:cNvPr id="75" name="TextBox 74"/>
+          <p:cNvPr id="300" name="TextBox 299"/>
           <p:cNvSpPr txBox="1"/>
           <p:nvPr/>
         </p:nvSpPr>
@@ -13081,7 +13081,7 @@
       </p:sp>
       <p:sp>
         <p:nvSpPr>
-          <p:cNvPr id="83" name="TextBox 82"/>
+          <p:cNvPr id="301" name="TextBox 300"/>
           <p:cNvSpPr txBox="1"/>
           <p:nvPr/>
         </p:nvSpPr>
@@ -13118,7 +13118,7 @@
       </p:sp>
       <p:sp>
         <p:nvSpPr>
-          <p:cNvPr id="84" name="TextBox 83"/>
+          <p:cNvPr id="302" name="TextBox 301"/>
           <p:cNvSpPr txBox="1"/>
           <p:nvPr/>
         </p:nvSpPr>
@@ -13169,7 +13169,7 @@
       </p:sp>
       <p:sp>
         <p:nvSpPr>
-          <p:cNvPr id="12" name="Rectangle 11"/>
+          <p:cNvPr id="303" name="Rectangle 302"/>
           <p:cNvSpPr/>
           <p:nvPr/>
         </p:nvSpPr>
@@ -13226,7 +13226,7 @@
       </p:sp>
       <p:sp>
         <p:nvSpPr>
-          <p:cNvPr id="13" name="TextBox 12"/>
+          <p:cNvPr id="304" name="TextBox 303"/>
           <p:cNvSpPr txBox="1"/>
           <p:nvPr/>
         </p:nvSpPr>
@@ -13300,7 +13300,7 @@
       </p:sp>
       <p:cxnSp>
         <p:nvCxnSpPr>
-          <p:cNvPr id="106" name="Straight Arrow Connector 105"/>
+          <p:cNvPr id="305" name="Straight Arrow Connector 304"/>
           <p:cNvCxnSpPr/>
           <p:nvPr/>
         </p:nvCxnSpPr>
@@ -13336,7 +13336,7 @@
       </p:cxnSp>
       <p:sp>
         <p:nvSpPr>
-          <p:cNvPr id="111" name="TextBox 110"/>
+          <p:cNvPr id="306" name="TextBox 305"/>
           <p:cNvSpPr txBox="1"/>
           <p:nvPr/>
         </p:nvSpPr>
@@ -13373,7 +13373,7 @@
       </p:sp>
       <p:sp>
         <p:nvSpPr>
-          <p:cNvPr id="113" name="TextBox 112"/>
+          <p:cNvPr id="307" name="TextBox 306"/>
           <p:cNvSpPr txBox="1"/>
           <p:nvPr/>
         </p:nvSpPr>
@@ -13410,7 +13410,7 @@
       </p:sp>
       <p:sp>
         <p:nvSpPr>
-          <p:cNvPr id="114" name="TextBox 113"/>
+          <p:cNvPr id="308" name="TextBox 307"/>
           <p:cNvSpPr txBox="1"/>
           <p:nvPr/>
         </p:nvSpPr>
@@ -13460,13 +13460,13 @@
       </p:sp>
       <p:sp>
         <p:nvSpPr>
-          <p:cNvPr id="115" name="TextBox 114"/>
+          <p:cNvPr id="309" name="TextBox 308"/>
           <p:cNvSpPr txBox="1"/>
           <p:nvPr/>
         </p:nvSpPr>
         <p:spPr>
           <a:xfrm>
-            <a:off x="7039392" y="9258002"/>
+            <a:off x="7039392" y="9229424"/>
             <a:ext cx="1775195" cy="550962"/>
           </a:xfrm>
           <a:prstGeom prst="snip2DiagRect">
@@ -13515,14 +13515,7 @@
                 <a:latin typeface="Arial" panose="020B0604020202020204" pitchFamily="34" charset="0"/>
                 <a:cs typeface="Arial" panose="020B0604020202020204" pitchFamily="34" charset="0"/>
               </a:rPr>
-              <a:t>Decryptin</a:t>
-            </a:r>
-            <a:r>
-              <a:rPr lang="en-US" sz="800" i="1" dirty="0" smtClean="0">
-                <a:latin typeface="Arial" panose="020B0604020202020204" pitchFamily="34" charset="0"/>
-                <a:cs typeface="Arial" panose="020B0604020202020204" pitchFamily="34" charset="0"/>
-              </a:rPr>
-              <a:t>g </a:t>
+              <a:t>Decrypting </a:t>
             </a:r>
             <a:r>
               <a:rPr lang="en-US" sz="800" dirty="0" err="1" smtClean="0">
@@ -13563,21 +13556,7 @@
                 <a:latin typeface="Arial" panose="020B0604020202020204" pitchFamily="34" charset="0"/>
                 <a:cs typeface="Arial" panose="020B0604020202020204" pitchFamily="34" charset="0"/>
               </a:rPr>
-              <a:t>Hooking </a:t>
-            </a:r>
-            <a:r>
-              <a:rPr lang="en-US" sz="800" i="1" dirty="0" smtClean="0">
-                <a:latin typeface="Arial" panose="020B0604020202020204" pitchFamily="34" charset="0"/>
-                <a:cs typeface="Arial" panose="020B0604020202020204" pitchFamily="34" charset="0"/>
-              </a:rPr>
-              <a:t>into the local </a:t>
-            </a:r>
-            <a:r>
-              <a:rPr lang="en-US" sz="800" i="1" dirty="0" smtClean="0">
-                <a:latin typeface="Arial" panose="020B0604020202020204" pitchFamily="34" charset="0"/>
-                <a:cs typeface="Arial" panose="020B0604020202020204" pitchFamily="34" charset="0"/>
-              </a:rPr>
-              <a:t>bank</a:t>
+              <a:t>Hooking into the local bank</a:t>
             </a:r>
             <a:br>
               <a:rPr lang="en-US" sz="800" i="1" dirty="0" smtClean="0">
@@ -13590,14 +13569,7 @@
                 <a:latin typeface="Arial" panose="020B0604020202020204" pitchFamily="34" charset="0"/>
                 <a:cs typeface="Arial" panose="020B0604020202020204" pitchFamily="34" charset="0"/>
               </a:rPr>
-              <a:t>   </a:t>
-            </a:r>
-            <a:r>
-              <a:rPr lang="en-US" sz="800" i="1" dirty="0" smtClean="0">
-                <a:latin typeface="Arial" panose="020B0604020202020204" pitchFamily="34" charset="0"/>
-                <a:cs typeface="Arial" panose="020B0604020202020204" pitchFamily="34" charset="0"/>
-              </a:rPr>
-              <a:t>payment backend</a:t>
+              <a:t>   payment backend</a:t>
             </a:r>
             <a:r>
               <a:rPr lang="en-US" sz="800" dirty="0" smtClean="0">
@@ -13615,14 +13587,14 @@
       </p:sp>
       <p:cxnSp>
         <p:nvCxnSpPr>
-          <p:cNvPr id="50" name="Straight Connector 49"/>
+          <p:cNvPr id="310" name="Straight Connector 309"/>
           <p:cNvCxnSpPr/>
           <p:nvPr/>
         </p:nvCxnSpPr>
         <p:spPr>
           <a:xfrm>
             <a:off x="472023" y="906290"/>
-            <a:ext cx="0" cy="10944000"/>
+            <a:ext cx="0" cy="11124000"/>
           </a:xfrm>
           <a:prstGeom prst="line">
             <a:avLst/>
@@ -13646,7 +13618,7 @@
       </p:cxnSp>
       <p:cxnSp>
         <p:nvCxnSpPr>
-          <p:cNvPr id="85" name="Straight Arrow Connector 84"/>
+          <p:cNvPr id="311" name="Straight Arrow Connector 310"/>
           <p:cNvCxnSpPr/>
           <p:nvPr/>
         </p:nvCxnSpPr>
@@ -13682,7 +13654,7 @@
       </p:cxnSp>
       <p:sp>
         <p:nvSpPr>
-          <p:cNvPr id="87" name="TextBox 86"/>
+          <p:cNvPr id="312" name="TextBox 311"/>
           <p:cNvSpPr txBox="1"/>
           <p:nvPr/>
         </p:nvSpPr>
@@ -13725,7 +13697,7 @@
       </p:sp>
       <p:sp>
         <p:nvSpPr>
-          <p:cNvPr id="102" name="TextBox 101"/>
+          <p:cNvPr id="313" name="TextBox 312"/>
           <p:cNvSpPr txBox="1"/>
           <p:nvPr/>
         </p:nvSpPr>
@@ -13766,7 +13738,7 @@
       </p:sp>
       <p:sp>
         <p:nvSpPr>
-          <p:cNvPr id="103" name="TextBox 102"/>
+          <p:cNvPr id="314" name="TextBox 313"/>
           <p:cNvSpPr txBox="1"/>
           <p:nvPr/>
         </p:nvSpPr>
@@ -13808,7 +13780,7 @@
       </p:sp>
       <p:sp>
         <p:nvSpPr>
-          <p:cNvPr id="104" name="Oval 103"/>
+          <p:cNvPr id="315" name="Oval 314"/>
           <p:cNvSpPr/>
           <p:nvPr/>
         </p:nvSpPr>
@@ -13852,7 +13824,7 @@
       </p:sp>
       <p:sp>
         <p:nvSpPr>
-          <p:cNvPr id="127" name="TextBox 126"/>
+          <p:cNvPr id="316" name="TextBox 315"/>
           <p:cNvSpPr txBox="1"/>
           <p:nvPr/>
         </p:nvSpPr>
@@ -13889,7 +13861,7 @@
       </p:sp>
       <p:grpSp>
         <p:nvGrpSpPr>
-          <p:cNvPr id="17" name="Group 16"/>
+          <p:cNvPr id="317" name="Group 316"/>
           <p:cNvGrpSpPr/>
           <p:nvPr/>
         </p:nvGrpSpPr>
@@ -13903,7 +13875,7 @@
         </p:grpSpPr>
         <p:sp>
           <p:nvSpPr>
-            <p:cNvPr id="89" name="Rectangle 88"/>
+            <p:cNvPr id="318" name="Rectangle 317"/>
             <p:cNvSpPr/>
             <p:nvPr/>
           </p:nvSpPr>
@@ -13952,7 +13924,7 @@
         </p:sp>
         <p:sp>
           <p:nvSpPr>
-            <p:cNvPr id="90" name="TextBox 89"/>
+            <p:cNvPr id="319" name="TextBox 318"/>
             <p:cNvSpPr txBox="1"/>
             <p:nvPr/>
           </p:nvSpPr>
@@ -13988,7 +13960,7 @@
         </p:sp>
         <p:sp>
           <p:nvSpPr>
-            <p:cNvPr id="91" name="TextBox 90"/>
+            <p:cNvPr id="320" name="TextBox 319"/>
             <p:cNvSpPr txBox="1"/>
             <p:nvPr/>
           </p:nvSpPr>
@@ -14025,7 +13997,7 @@
         </p:sp>
         <p:sp>
           <p:nvSpPr>
-            <p:cNvPr id="92" name="TextBox 91"/>
+            <p:cNvPr id="321" name="TextBox 320"/>
             <p:cNvSpPr txBox="1"/>
             <p:nvPr/>
           </p:nvSpPr>
@@ -14061,7 +14033,7 @@
         </p:sp>
         <p:cxnSp>
           <p:nvCxnSpPr>
-            <p:cNvPr id="93" name="Straight Connector 92"/>
+            <p:cNvPr id="322" name="Straight Connector 321"/>
             <p:cNvCxnSpPr/>
             <p:nvPr/>
           </p:nvCxnSpPr>
@@ -14098,7 +14070,7 @@
       </p:grpSp>
       <p:sp>
         <p:nvSpPr>
-          <p:cNvPr id="2" name="TextBox 1"/>
+          <p:cNvPr id="323" name="TextBox 322"/>
           <p:cNvSpPr txBox="1"/>
           <p:nvPr/>
         </p:nvSpPr>
@@ -14165,7 +14137,7 @@
       </p:sp>
       <p:sp>
         <p:nvSpPr>
-          <p:cNvPr id="37" name="Oval 36"/>
+          <p:cNvPr id="324" name="Oval 323"/>
           <p:cNvSpPr/>
           <p:nvPr/>
         </p:nvSpPr>
@@ -14211,7 +14183,7 @@
       </p:sp>
       <p:sp>
         <p:nvSpPr>
-          <p:cNvPr id="14" name="TextBox 13"/>
+          <p:cNvPr id="325" name="TextBox 324"/>
           <p:cNvSpPr txBox="1"/>
           <p:nvPr/>
         </p:nvSpPr>
@@ -14283,7 +14255,7 @@
       </p:sp>
       <p:sp>
         <p:nvSpPr>
-          <p:cNvPr id="32" name="TextBox 31"/>
+          <p:cNvPr id="326" name="TextBox 325"/>
           <p:cNvSpPr txBox="1"/>
           <p:nvPr/>
         </p:nvSpPr>
@@ -14315,7 +14287,7 @@
       </p:sp>
       <p:sp>
         <p:nvSpPr>
-          <p:cNvPr id="101" name="Rounded Rectangle 100"/>
+          <p:cNvPr id="327" name="Rounded Rectangle 326"/>
           <p:cNvSpPr/>
           <p:nvPr/>
         </p:nvSpPr>
@@ -14418,7 +14390,7 @@
       </p:sp>
       <p:sp>
         <p:nvSpPr>
-          <p:cNvPr id="105" name="TextBox 104"/>
+          <p:cNvPr id="328" name="TextBox 327"/>
           <p:cNvSpPr txBox="1"/>
           <p:nvPr/>
         </p:nvSpPr>
@@ -14462,7 +14434,7 @@
       </p:sp>
       <p:sp>
         <p:nvSpPr>
-          <p:cNvPr id="56" name="Rounded Rectangle 55"/>
+          <p:cNvPr id="329" name="Rounded Rectangle 328"/>
           <p:cNvSpPr/>
           <p:nvPr/>
         </p:nvSpPr>
@@ -14549,7 +14521,7 @@
       </p:sp>
       <p:sp>
         <p:nvSpPr>
-          <p:cNvPr id="61" name="Rounded Rectangle 60"/>
+          <p:cNvPr id="330" name="Rounded Rectangle 329"/>
           <p:cNvSpPr/>
           <p:nvPr/>
         </p:nvSpPr>
@@ -14615,7 +14587,7 @@
       </p:sp>
       <p:sp>
         <p:nvSpPr>
-          <p:cNvPr id="112" name="Rounded Rectangle 111"/>
+          <p:cNvPr id="331" name="Rounded Rectangle 330"/>
           <p:cNvSpPr/>
           <p:nvPr/>
         </p:nvSpPr>
@@ -14681,7 +14653,7 @@
       </p:sp>
       <p:sp>
         <p:nvSpPr>
-          <p:cNvPr id="116" name="Rounded Rectangle 115"/>
+          <p:cNvPr id="332" name="Rounded Rectangle 331"/>
           <p:cNvSpPr/>
           <p:nvPr/>
         </p:nvSpPr>
@@ -14768,7 +14740,7 @@
       </p:sp>
       <p:sp>
         <p:nvSpPr>
-          <p:cNvPr id="128" name="Rectangle 127"/>
+          <p:cNvPr id="333" name="Rectangle 332"/>
           <p:cNvSpPr/>
           <p:nvPr/>
         </p:nvSpPr>
@@ -14825,7 +14797,7 @@
       </p:sp>
       <p:sp>
         <p:nvSpPr>
-          <p:cNvPr id="129" name="TextBox 128"/>
+          <p:cNvPr id="334" name="TextBox 333"/>
           <p:cNvSpPr txBox="1"/>
           <p:nvPr/>
         </p:nvSpPr>
@@ -14867,7 +14839,7 @@
       </p:sp>
       <p:sp>
         <p:nvSpPr>
-          <p:cNvPr id="109" name="TextBox 108"/>
+          <p:cNvPr id="335" name="TextBox 334"/>
           <p:cNvSpPr txBox="1"/>
           <p:nvPr/>
         </p:nvSpPr>
@@ -14903,7 +14875,7 @@
       </p:sp>
       <p:sp>
         <p:nvSpPr>
-          <p:cNvPr id="110" name="Rounded Rectangle 109"/>
+          <p:cNvPr id="336" name="Rounded Rectangle 335"/>
           <p:cNvSpPr/>
           <p:nvPr/>
         </p:nvSpPr>
@@ -14969,7 +14941,7 @@
       </p:sp>
       <p:cxnSp>
         <p:nvCxnSpPr>
-          <p:cNvPr id="124" name="Straight Connector 123"/>
+          <p:cNvPr id="337" name="Straight Connector 336"/>
           <p:cNvCxnSpPr/>
           <p:nvPr/>
         </p:nvCxnSpPr>
@@ -15006,7 +14978,7 @@
       </p:cxnSp>
       <p:sp>
         <p:nvSpPr>
-          <p:cNvPr id="130" name="Oval 129"/>
+          <p:cNvPr id="338" name="Oval 337"/>
           <p:cNvSpPr/>
           <p:nvPr/>
         </p:nvSpPr>
@@ -15050,7 +15022,7 @@
       </p:sp>
       <p:sp>
         <p:nvSpPr>
-          <p:cNvPr id="131" name="TextBox 130"/>
+          <p:cNvPr id="339" name="TextBox 338"/>
           <p:cNvSpPr txBox="1"/>
           <p:nvPr/>
         </p:nvSpPr>
@@ -15086,7 +15058,7 @@
       </p:sp>
       <p:sp>
         <p:nvSpPr>
-          <p:cNvPr id="138" name="TextBox 137"/>
+          <p:cNvPr id="340" name="TextBox 339"/>
           <p:cNvSpPr txBox="1"/>
           <p:nvPr/>
         </p:nvSpPr>
@@ -15130,7 +15102,7 @@
       </p:sp>
       <p:sp>
         <p:nvSpPr>
-          <p:cNvPr id="98" name="TextBox 97"/>
+          <p:cNvPr id="341" name="TextBox 340"/>
           <p:cNvSpPr txBox="1"/>
           <p:nvPr/>
         </p:nvSpPr>
@@ -15174,7 +15146,7 @@
       </p:sp>
       <p:pic>
         <p:nvPicPr>
-          <p:cNvPr id="28" name="Picture 27"/>
+          <p:cNvPr id="342" name="Picture 341"/>
           <p:cNvPicPr>
             <a:picLocks noChangeAspect="1"/>
           </p:cNvPicPr>
@@ -15211,7 +15183,7 @@
       </p:pic>
       <p:grpSp>
         <p:nvGrpSpPr>
-          <p:cNvPr id="30" name="Group 29"/>
+          <p:cNvPr id="343" name="Group 342"/>
           <p:cNvGrpSpPr/>
           <p:nvPr/>
         </p:nvGrpSpPr>
@@ -15225,7 +15197,7 @@
         </p:grpSpPr>
         <p:sp>
           <p:nvSpPr>
-            <p:cNvPr id="5" name="Rectangle 4"/>
+            <p:cNvPr id="344" name="Rectangle 343"/>
             <p:cNvSpPr/>
             <p:nvPr/>
           </p:nvSpPr>
@@ -15282,7 +15254,7 @@
         </p:sp>
         <p:sp>
           <p:nvSpPr>
-            <p:cNvPr id="6" name="TextBox 5"/>
+            <p:cNvPr id="345" name="TextBox 344"/>
             <p:cNvSpPr txBox="1"/>
             <p:nvPr/>
           </p:nvSpPr>
@@ -15369,7 +15341,7 @@
         </p:sp>
         <p:sp>
           <p:nvSpPr>
-            <p:cNvPr id="8" name="TextBox 7"/>
+            <p:cNvPr id="346" name="TextBox 345"/>
             <p:cNvSpPr txBox="1"/>
             <p:nvPr/>
           </p:nvSpPr>
@@ -15419,7 +15391,7 @@
         </p:sp>
         <p:grpSp>
           <p:nvGrpSpPr>
-            <p:cNvPr id="145" name="Group 144"/>
+            <p:cNvPr id="347" name="Group 346"/>
             <p:cNvGrpSpPr/>
             <p:nvPr/>
           </p:nvGrpSpPr>
@@ -15433,7 +15405,7 @@
           </p:grpSpPr>
           <p:sp>
             <p:nvSpPr>
-              <p:cNvPr id="146" name="Rectangle 145"/>
+              <p:cNvPr id="348" name="Rectangle 347"/>
               <p:cNvSpPr/>
               <p:nvPr/>
             </p:nvSpPr>
@@ -15480,7 +15452,7 @@
           </p:sp>
           <p:sp>
             <p:nvSpPr>
-              <p:cNvPr id="147" name="TextBox 146"/>
+              <p:cNvPr id="349" name="TextBox 348"/>
               <p:cNvSpPr txBox="1"/>
               <p:nvPr/>
             </p:nvSpPr>
@@ -15594,7 +15566,7 @@
       </p:grpSp>
       <p:grpSp>
         <p:nvGrpSpPr>
-          <p:cNvPr id="34" name="Group 33"/>
+          <p:cNvPr id="350" name="Group 349"/>
           <p:cNvGrpSpPr/>
           <p:nvPr/>
         </p:nvGrpSpPr>
@@ -15608,7 +15580,7 @@
         </p:grpSpPr>
         <p:sp>
           <p:nvSpPr>
-            <p:cNvPr id="155" name="Rectangle 154"/>
+            <p:cNvPr id="351" name="Rectangle 350"/>
             <p:cNvSpPr/>
             <p:nvPr/>
           </p:nvSpPr>
@@ -15665,7 +15637,7 @@
         </p:sp>
         <p:sp>
           <p:nvSpPr>
-            <p:cNvPr id="157" name="TextBox 156"/>
+            <p:cNvPr id="352" name="TextBox 351"/>
             <p:cNvSpPr txBox="1"/>
             <p:nvPr/>
           </p:nvSpPr>
@@ -15777,7 +15749,7 @@
       </p:grpSp>
       <p:sp>
         <p:nvSpPr>
-          <p:cNvPr id="162" name="TextBox 161"/>
+          <p:cNvPr id="353" name="TextBox 352"/>
           <p:cNvSpPr txBox="1"/>
           <p:nvPr/>
         </p:nvSpPr>
@@ -15820,7 +15792,7 @@
       </p:sp>
       <p:cxnSp>
         <p:nvCxnSpPr>
-          <p:cNvPr id="163" name="Straight Arrow Connector 162"/>
+          <p:cNvPr id="354" name="Straight Arrow Connector 353"/>
           <p:cNvCxnSpPr/>
           <p:nvPr/>
         </p:nvCxnSpPr>
@@ -15856,7 +15828,7 @@
       </p:cxnSp>
       <p:sp>
         <p:nvSpPr>
-          <p:cNvPr id="164" name="Rectangle 163"/>
+          <p:cNvPr id="355" name="Rectangle 354"/>
           <p:cNvSpPr/>
           <p:nvPr/>
         </p:nvSpPr>
@@ -15910,7 +15882,7 @@
       </p:sp>
       <p:sp>
         <p:nvSpPr>
-          <p:cNvPr id="165" name="TextBox 164"/>
+          <p:cNvPr id="356" name="TextBox 355"/>
           <p:cNvSpPr txBox="1"/>
           <p:nvPr/>
         </p:nvSpPr>
@@ -15942,14 +15914,7 @@
                 <a:latin typeface="Arial" panose="020B0604020202020204" pitchFamily="34" charset="0"/>
                 <a:cs typeface="Arial" panose="020B0604020202020204" pitchFamily="34" charset="0"/>
               </a:rPr>
-              <a:t> </a:t>
-            </a:r>
-            <a:r>
-              <a:rPr lang="en-US" sz="800" dirty="0" smtClean="0">
-                <a:latin typeface="Arial" panose="020B0604020202020204" pitchFamily="34" charset="0"/>
-                <a:cs typeface="Arial" panose="020B0604020202020204" pitchFamily="34" charset="0"/>
-              </a:rPr>
-              <a:t>{}</a:t>
+              <a:t> {}</a:t>
             </a:r>
           </a:p>
           <a:p>
@@ -16044,7 +16009,7 @@
       </p:sp>
       <p:sp>
         <p:nvSpPr>
-          <p:cNvPr id="166" name="TextBox 165"/>
+          <p:cNvPr id="357" name="TextBox 356"/>
           <p:cNvSpPr txBox="1"/>
           <p:nvPr/>
         </p:nvSpPr>
@@ -16093,7 +16058,7 @@
       </p:sp>
       <p:sp>
         <p:nvSpPr>
-          <p:cNvPr id="167" name="TextBox 166"/>
+          <p:cNvPr id="358" name="TextBox 357"/>
           <p:cNvSpPr txBox="1"/>
           <p:nvPr/>
         </p:nvSpPr>
@@ -16137,7 +16102,7 @@
       </p:sp>
       <p:sp>
         <p:nvSpPr>
-          <p:cNvPr id="168" name="TextBox 167"/>
+          <p:cNvPr id="359" name="TextBox 358"/>
           <p:cNvSpPr txBox="1"/>
           <p:nvPr/>
         </p:nvSpPr>
@@ -16181,28 +16146,28 @@
       </p:sp>
       <p:grpSp>
         <p:nvGrpSpPr>
-          <p:cNvPr id="67" name="Group 66"/>
+          <p:cNvPr id="3" name="Group 2"/>
           <p:cNvGrpSpPr/>
           <p:nvPr/>
         </p:nvGrpSpPr>
         <p:grpSpPr>
           <a:xfrm>
-            <a:off x="7154720" y="10200546"/>
-            <a:ext cx="1588981" cy="1433720"/>
-            <a:chOff x="6938696" y="9735771"/>
-            <a:chExt cx="1588981" cy="1433721"/>
+            <a:off x="7154720" y="10135021"/>
+            <a:ext cx="1588981" cy="1672367"/>
+            <a:chOff x="7154720" y="10200545"/>
+            <a:chExt cx="1588981" cy="1672367"/>
           </a:xfrm>
         </p:grpSpPr>
         <p:sp>
           <p:nvSpPr>
-            <p:cNvPr id="26" name="Rectangle 25"/>
+            <p:cNvPr id="361" name="Rectangle 360"/>
             <p:cNvSpPr/>
             <p:nvPr/>
           </p:nvSpPr>
           <p:spPr>
             <a:xfrm>
-              <a:off x="6940476" y="9735771"/>
-              <a:ext cx="1587201" cy="1433721"/>
+              <a:off x="7156500" y="10200545"/>
+              <a:ext cx="1587201" cy="1672367"/>
             </a:xfrm>
             <a:prstGeom prst="rect">
               <a:avLst/>
@@ -16252,14 +16217,14 @@
         </p:sp>
         <p:sp>
           <p:nvSpPr>
-            <p:cNvPr id="27" name="TextBox 26"/>
+            <p:cNvPr id="362" name="TextBox 361"/>
             <p:cNvSpPr txBox="1"/>
             <p:nvPr/>
           </p:nvSpPr>
           <p:spPr>
             <a:xfrm>
-              <a:off x="6938696" y="10678059"/>
-              <a:ext cx="840295" cy="461665"/>
+              <a:off x="7154720" y="11142833"/>
+              <a:ext cx="1023037" cy="707886"/>
             </a:xfrm>
             <a:prstGeom prst="rect">
               <a:avLst/>
@@ -16277,6 +16242,32 @@
                   <a:spcPts val="300"/>
                 </a:spcBef>
               </a:pPr>
+              <a:r>
+                <a:rPr lang="en-US" sz="800" dirty="0" err="1" smtClean="0">
+                  <a:latin typeface="Arial" panose="020B0604020202020204" pitchFamily="34" charset="0"/>
+                  <a:cs typeface="Arial" panose="020B0604020202020204" pitchFamily="34" charset="0"/>
+                </a:rPr>
+                <a:t>accountType</a:t>
+              </a:r>
+              <a:endParaRPr lang="en-US" sz="800" dirty="0" smtClean="0">
+                <a:latin typeface="Arial" panose="020B0604020202020204" pitchFamily="34" charset="0"/>
+                <a:cs typeface="Arial" panose="020B0604020202020204" pitchFamily="34" charset="0"/>
+              </a:endParaRPr>
+            </a:p>
+            <a:p>
+              <a:r>
+                <a:rPr lang="en-US" sz="800" dirty="0" err="1" smtClean="0">
+                  <a:latin typeface="Arial" panose="020B0604020202020204" pitchFamily="34" charset="0"/>
+                  <a:cs typeface="Arial" panose="020B0604020202020204" pitchFamily="34" charset="0"/>
+                </a:rPr>
+                <a:t>accountReference</a:t>
+              </a:r>
+              <a:endParaRPr lang="en-US" sz="800" dirty="0" smtClean="0">
+                <a:latin typeface="Arial" panose="020B0604020202020204" pitchFamily="34" charset="0"/>
+                <a:cs typeface="Arial" panose="020B0604020202020204" pitchFamily="34" charset="0"/>
+              </a:endParaRPr>
+            </a:p>
+            <a:p>
               <a:r>
                 <a:rPr lang="en-US" sz="800" dirty="0" err="1" smtClean="0">
                   <a:latin typeface="Arial" panose="020B0604020202020204" pitchFamily="34" charset="0"/>
@@ -16335,13 +16326,13 @@
         </p:sp>
         <p:sp>
           <p:nvSpPr>
-            <p:cNvPr id="29" name="TextBox 28"/>
+            <p:cNvPr id="363" name="TextBox 362"/>
             <p:cNvSpPr txBox="1"/>
             <p:nvPr/>
           </p:nvSpPr>
           <p:spPr>
             <a:xfrm>
-              <a:off x="6940477" y="9743398"/>
+              <a:off x="7156501" y="10208173"/>
               <a:ext cx="1027845" cy="215444"/>
             </a:xfrm>
             <a:prstGeom prst="rect">
@@ -16385,21 +16376,21 @@
         </p:sp>
         <p:grpSp>
           <p:nvGrpSpPr>
-            <p:cNvPr id="170" name="Group 169"/>
+            <p:cNvPr id="364" name="Group 363"/>
             <p:cNvGrpSpPr/>
             <p:nvPr/>
           </p:nvGrpSpPr>
           <p:grpSpPr>
             <a:xfrm>
-              <a:off x="7106003" y="9965821"/>
-              <a:ext cx="845610" cy="724495"/>
+              <a:off x="7322027" y="10430596"/>
+              <a:ext cx="845610" cy="724494"/>
               <a:chOff x="625283" y="3209330"/>
               <a:chExt cx="845610" cy="724495"/>
             </a:xfrm>
           </p:grpSpPr>
           <p:sp>
             <p:nvSpPr>
-              <p:cNvPr id="171" name="Rectangle 170"/>
+              <p:cNvPr id="365" name="Rectangle 364"/>
               <p:cNvSpPr/>
               <p:nvPr/>
             </p:nvSpPr>
@@ -16446,7 +16437,7 @@
           </p:sp>
           <p:sp>
             <p:nvSpPr>
-              <p:cNvPr id="172" name="TextBox 171"/>
+              <p:cNvPr id="366" name="TextBox 365"/>
               <p:cNvSpPr txBox="1"/>
               <p:nvPr/>
             </p:nvSpPr>
@@ -16560,7 +16551,7 @@
       </p:grpSp>
       <p:sp>
         <p:nvSpPr>
-          <p:cNvPr id="63" name="Freeform 62"/>
+          <p:cNvPr id="367" name="Freeform 366"/>
           <p:cNvSpPr/>
           <p:nvPr/>
         </p:nvSpPr>
@@ -17103,7 +17094,7 @@
       </p:sp>
       <p:sp>
         <p:nvSpPr>
-          <p:cNvPr id="7" name="TextBox 6"/>
+          <p:cNvPr id="368" name="TextBox 367"/>
           <p:cNvSpPr txBox="1"/>
           <p:nvPr/>
         </p:nvSpPr>
@@ -17150,7 +17141,7 @@
       </p:sp>
       <p:sp>
         <p:nvSpPr>
-          <p:cNvPr id="132" name="TextBox 131"/>
+          <p:cNvPr id="369" name="TextBox 368"/>
           <p:cNvSpPr txBox="1"/>
           <p:nvPr/>
         </p:nvSpPr>
@@ -17193,7 +17184,7 @@
       </p:sp>
       <p:sp>
         <p:nvSpPr>
-          <p:cNvPr id="133" name="TextBox 132"/>
+          <p:cNvPr id="370" name="TextBox 369"/>
           <p:cNvSpPr txBox="1"/>
           <p:nvPr/>
         </p:nvSpPr>
@@ -17236,7 +17227,7 @@
       </p:sp>
       <p:sp>
         <p:nvSpPr>
-          <p:cNvPr id="134" name="TextBox 133"/>
+          <p:cNvPr id="371" name="TextBox 370"/>
           <p:cNvSpPr txBox="1"/>
           <p:nvPr/>
         </p:nvSpPr>
@@ -17279,7 +17270,7 @@
       </p:sp>
       <p:sp>
         <p:nvSpPr>
-          <p:cNvPr id="135" name="TextBox 134"/>
+          <p:cNvPr id="372" name="TextBox 371"/>
           <p:cNvSpPr txBox="1"/>
           <p:nvPr/>
         </p:nvSpPr>
@@ -17322,7 +17313,7 @@
       </p:sp>
       <p:sp>
         <p:nvSpPr>
-          <p:cNvPr id="136" name="TextBox 135"/>
+          <p:cNvPr id="373" name="TextBox 372"/>
           <p:cNvSpPr txBox="1"/>
           <p:nvPr/>
         </p:nvSpPr>
@@ -17365,7 +17356,7 @@
       </p:sp>
       <p:sp>
         <p:nvSpPr>
-          <p:cNvPr id="137" name="TextBox 136"/>
+          <p:cNvPr id="374" name="TextBox 373"/>
           <p:cNvSpPr txBox="1"/>
           <p:nvPr/>
         </p:nvSpPr>
@@ -17408,7 +17399,7 @@
       </p:sp>
       <p:sp>
         <p:nvSpPr>
-          <p:cNvPr id="141" name="TextBox 140"/>
+          <p:cNvPr id="375" name="TextBox 374"/>
           <p:cNvSpPr txBox="1"/>
           <p:nvPr/>
         </p:nvSpPr>
@@ -17451,7 +17442,7 @@
       </p:sp>
       <p:sp>
         <p:nvSpPr>
-          <p:cNvPr id="154" name="TextBox 153"/>
+          <p:cNvPr id="376" name="TextBox 375"/>
           <p:cNvSpPr txBox="1"/>
           <p:nvPr/>
         </p:nvSpPr>
@@ -17494,7 +17485,7 @@
       </p:sp>
       <p:sp>
         <p:nvSpPr>
-          <p:cNvPr id="156" name="TextBox 155"/>
+          <p:cNvPr id="377" name="TextBox 376"/>
           <p:cNvSpPr txBox="1"/>
           <p:nvPr/>
         </p:nvSpPr>
@@ -17552,13 +17543,13 @@
       </p:sp>
       <p:sp>
         <p:nvSpPr>
-          <p:cNvPr id="39" name="TextBox 38"/>
+          <p:cNvPr id="378" name="TextBox 377"/>
           <p:cNvSpPr txBox="1"/>
           <p:nvPr/>
         </p:nvSpPr>
         <p:spPr>
           <a:xfrm>
-            <a:off x="7711541" y="11994306"/>
+            <a:off x="7711541" y="12157688"/>
             <a:ext cx="1436776" cy="200055"/>
           </a:xfrm>
           <a:prstGeom prst="rect">
@@ -17578,7 +17569,14 @@
                 <a:latin typeface="Arial" panose="020B0604020202020204" pitchFamily="34" charset="0"/>
                 <a:cs typeface="Arial" panose="020B0604020202020204" pitchFamily="34" charset="0"/>
               </a:rPr>
-              <a:t>WebPKI.org/AR 20150927</a:t>
+              <a:t>WebPKI.org/AR </a:t>
+            </a:r>
+            <a:r>
+              <a:rPr lang="en-US" sz="700" dirty="0" smtClean="0">
+                <a:latin typeface="Arial" panose="020B0604020202020204" pitchFamily="34" charset="0"/>
+                <a:cs typeface="Arial" panose="020B0604020202020204" pitchFamily="34" charset="0"/>
+              </a:rPr>
+              <a:t>20150928</a:t>
             </a:r>
             <a:endParaRPr lang="en-US" sz="700" dirty="0">
               <a:latin typeface="Arial" panose="020B0604020202020204" pitchFamily="34" charset="0"/>

--- a/webpayment.resources/docs/webpay-account-2-account-direct-debit-statediagram.pptx
+++ b/webpayment.resources/docs/webpay-account-2-account-direct-debit-statediagram.pptx
@@ -896,6 +896,37 @@
           <a:chExt cx="0" cy="0"/>
         </a:xfrm>
       </p:grpSpPr>
+      <p:cxnSp>
+        <p:nvCxnSpPr>
+          <p:cNvPr id="310" name="Straight Connector 309"/>
+          <p:cNvCxnSpPr/>
+          <p:nvPr/>
+        </p:nvCxnSpPr>
+        <p:spPr>
+          <a:xfrm>
+            <a:off x="472023" y="906290"/>
+            <a:ext cx="0" cy="11124000"/>
+          </a:xfrm>
+          <a:prstGeom prst="line">
+            <a:avLst/>
+          </a:prstGeom>
+          <a:ln w="25400"/>
+        </p:spPr>
+        <p:style>
+          <a:lnRef idx="1">
+            <a:schemeClr val="accent1"/>
+          </a:lnRef>
+          <a:fillRef idx="0">
+            <a:schemeClr val="accent1"/>
+          </a:fillRef>
+          <a:effectRef idx="0">
+            <a:schemeClr val="accent1"/>
+          </a:effectRef>
+          <a:fontRef idx="minor">
+            <a:schemeClr val="tx1"/>
+          </a:fontRef>
+        </p:style>
+      </p:cxnSp>
       <p:cxnSp>
         <p:nvCxnSpPr>
           <p:cNvPr id="264" name="Straight Connector 263"/>
@@ -13013,7 +13044,7 @@
         </p:nvCxnSpPr>
         <p:spPr>
           <a:xfrm flipV="1">
-            <a:off x="461234" y="5075527"/>
+            <a:off x="461234" y="4728410"/>
             <a:ext cx="2448000" cy="701"/>
           </a:xfrm>
           <a:prstGeom prst="straightConnector1">
@@ -13050,7 +13081,7 @@
         </p:nvSpPr>
         <p:spPr>
           <a:xfrm>
-            <a:off x="491939" y="4865514"/>
+            <a:off x="491939" y="4518397"/>
             <a:ext cx="795637" cy="215444"/>
           </a:xfrm>
           <a:prstGeom prst="rect">
@@ -13087,7 +13118,7 @@
         </p:nvSpPr>
         <p:spPr>
           <a:xfrm>
-            <a:off x="491939" y="5370150"/>
+            <a:off x="491939" y="4823096"/>
             <a:ext cx="795637" cy="215444"/>
           </a:xfrm>
           <a:prstGeom prst="rect">
@@ -13124,7 +13155,7 @@
         </p:nvSpPr>
         <p:spPr>
           <a:xfrm>
-            <a:off x="1539352" y="4865514"/>
+            <a:off x="1539352" y="4518397"/>
             <a:ext cx="795637" cy="215444"/>
           </a:xfrm>
           <a:prstGeom prst="rect">
@@ -13342,7 +13373,7 @@
         </p:nvSpPr>
         <p:spPr>
           <a:xfrm>
-            <a:off x="1182861" y="5402506"/>
+            <a:off x="1182861" y="4855452"/>
             <a:ext cx="1468414" cy="159202"/>
           </a:xfrm>
           <a:prstGeom prst="rect">
@@ -13585,37 +13616,6 @@
           </a:p>
         </p:txBody>
       </p:sp>
-      <p:cxnSp>
-        <p:nvCxnSpPr>
-          <p:cNvPr id="310" name="Straight Connector 309"/>
-          <p:cNvCxnSpPr/>
-          <p:nvPr/>
-        </p:nvCxnSpPr>
-        <p:spPr>
-          <a:xfrm>
-            <a:off x="472023" y="906290"/>
-            <a:ext cx="0" cy="11124000"/>
-          </a:xfrm>
-          <a:prstGeom prst="line">
-            <a:avLst/>
-          </a:prstGeom>
-          <a:ln w="25400"/>
-        </p:spPr>
-        <p:style>
-          <a:lnRef idx="1">
-            <a:schemeClr val="accent1"/>
-          </a:lnRef>
-          <a:fillRef idx="0">
-            <a:schemeClr val="accent1"/>
-          </a:fillRef>
-          <a:effectRef idx="0">
-            <a:schemeClr val="accent1"/>
-          </a:effectRef>
-          <a:fontRef idx="minor">
-            <a:schemeClr val="tx1"/>
-          </a:fontRef>
-        </p:style>
-      </p:cxnSp>
       <p:cxnSp>
         <p:nvCxnSpPr>
           <p:cNvPr id="311" name="Straight Arrow Connector 310"/>
@@ -14834,42 +14834,6 @@
               </a:rPr>
               <a:t>indow {}</a:t>
             </a:r>
-          </a:p>
-        </p:txBody>
-      </p:sp>
-      <p:sp>
-        <p:nvSpPr>
-          <p:cNvPr id="335" name="TextBox 334"/>
-          <p:cNvSpPr txBox="1"/>
-          <p:nvPr/>
-        </p:nvSpPr>
-        <p:spPr>
-          <a:xfrm>
-            <a:off x="504982" y="4499740"/>
-            <a:ext cx="828000" cy="215444"/>
-          </a:xfrm>
-          <a:prstGeom prst="rect">
-            <a:avLst/>
-          </a:prstGeom>
-          <a:noFill/>
-        </p:spPr>
-        <p:txBody>
-          <a:bodyPr wrap="square" rtlCol="0">
-            <a:spAutoFit/>
-          </a:bodyPr>
-          <a:lstStyle/>
-          <a:p>
-            <a:r>
-              <a:rPr lang="en-US" sz="800" dirty="0" smtClean="0">
-                <a:latin typeface="Arial" panose="020B0604020202020204" pitchFamily="34" charset="0"/>
-                <a:cs typeface="Arial" panose="020B0604020202020204" pitchFamily="34" charset="0"/>
-              </a:rPr>
-              <a:t>“User Accept”</a:t>
-            </a:r>
-            <a:endParaRPr lang="en-US" sz="800" dirty="0">
-              <a:latin typeface="Arial" panose="020B0604020202020204" pitchFamily="34" charset="0"/>
-              <a:cs typeface="Arial" panose="020B0604020202020204" pitchFamily="34" charset="0"/>
-            </a:endParaRPr>
           </a:p>
         </p:txBody>
       </p:sp>
@@ -16551,549 +16515,6 @@
       </p:grpSp>
       <p:sp>
         <p:nvSpPr>
-          <p:cNvPr id="367" name="Freeform 366"/>
-          <p:cNvSpPr/>
-          <p:nvPr/>
-        </p:nvSpPr>
-        <p:spPr>
-          <a:xfrm>
-            <a:off x="476341" y="5272268"/>
-            <a:ext cx="2678665" cy="293528"/>
-          </a:xfrm>
-          <a:custGeom>
-            <a:avLst/>
-            <a:gdLst>
-              <a:gd name="connsiteX0" fmla="*/ 0 w 731520"/>
-              <a:gd name="connsiteY0" fmla="*/ 19524 h 19524"/>
-              <a:gd name="connsiteX1" fmla="*/ 310896 w 731520"/>
-              <a:gd name="connsiteY1" fmla="*/ 10380 h 19524"/>
-              <a:gd name="connsiteX2" fmla="*/ 347472 w 731520"/>
-              <a:gd name="connsiteY2" fmla="*/ 1236 h 19524"/>
-              <a:gd name="connsiteX3" fmla="*/ 731520 w 731520"/>
-              <a:gd name="connsiteY3" fmla="*/ 1236 h 19524"/>
-              <a:gd name="connsiteX0" fmla="*/ 0 w 731520"/>
-              <a:gd name="connsiteY0" fmla="*/ 18512 h 20542"/>
-              <a:gd name="connsiteX1" fmla="*/ 310896 w 731520"/>
-              <a:gd name="connsiteY1" fmla="*/ 9368 h 20542"/>
-              <a:gd name="connsiteX2" fmla="*/ 347472 w 731520"/>
-              <a:gd name="connsiteY2" fmla="*/ 224 h 20542"/>
-              <a:gd name="connsiteX3" fmla="*/ 656768 w 731520"/>
-              <a:gd name="connsiteY3" fmla="*/ 20542 h 20542"/>
-              <a:gd name="connsiteX4" fmla="*/ 731520 w 731520"/>
-              <a:gd name="connsiteY4" fmla="*/ 224 h 20542"/>
-              <a:gd name="connsiteX0" fmla="*/ 0 w 884970"/>
-              <a:gd name="connsiteY0" fmla="*/ 50483 h 52513"/>
-              <a:gd name="connsiteX1" fmla="*/ 310896 w 884970"/>
-              <a:gd name="connsiteY1" fmla="*/ 41339 h 52513"/>
-              <a:gd name="connsiteX2" fmla="*/ 347472 w 884970"/>
-              <a:gd name="connsiteY2" fmla="*/ 32195 h 52513"/>
-              <a:gd name="connsiteX3" fmla="*/ 656768 w 884970"/>
-              <a:gd name="connsiteY3" fmla="*/ 52513 h 52513"/>
-              <a:gd name="connsiteX4" fmla="*/ 884970 w 884970"/>
-              <a:gd name="connsiteY4" fmla="*/ 0 h 52513"/>
-              <a:gd name="connsiteX0" fmla="*/ 0 w 903343"/>
-              <a:gd name="connsiteY0" fmla="*/ 50483 h 54703"/>
-              <a:gd name="connsiteX1" fmla="*/ 310896 w 903343"/>
-              <a:gd name="connsiteY1" fmla="*/ 41339 h 54703"/>
-              <a:gd name="connsiteX2" fmla="*/ 347472 w 903343"/>
-              <a:gd name="connsiteY2" fmla="*/ 32195 h 54703"/>
-              <a:gd name="connsiteX3" fmla="*/ 656768 w 903343"/>
-              <a:gd name="connsiteY3" fmla="*/ 52513 h 54703"/>
-              <a:gd name="connsiteX4" fmla="*/ 893082 w 903343"/>
-              <a:gd name="connsiteY4" fmla="*/ 47818 h 54703"/>
-              <a:gd name="connsiteX5" fmla="*/ 884970 w 903343"/>
-              <a:gd name="connsiteY5" fmla="*/ 0 h 54703"/>
-              <a:gd name="connsiteX0" fmla="*/ 0 w 903343"/>
-              <a:gd name="connsiteY0" fmla="*/ 50483 h 54703"/>
-              <a:gd name="connsiteX1" fmla="*/ 310896 w 903343"/>
-              <a:gd name="connsiteY1" fmla="*/ 41339 h 54703"/>
-              <a:gd name="connsiteX2" fmla="*/ 347472 w 903343"/>
-              <a:gd name="connsiteY2" fmla="*/ 32195 h 54703"/>
-              <a:gd name="connsiteX3" fmla="*/ 656768 w 903343"/>
-              <a:gd name="connsiteY3" fmla="*/ 52513 h 54703"/>
-              <a:gd name="connsiteX4" fmla="*/ 893082 w 903343"/>
-              <a:gd name="connsiteY4" fmla="*/ 47818 h 54703"/>
-              <a:gd name="connsiteX5" fmla="*/ 884970 w 903343"/>
-              <a:gd name="connsiteY5" fmla="*/ 0 h 54703"/>
-              <a:gd name="connsiteX0" fmla="*/ 0 w 903343"/>
-              <a:gd name="connsiteY0" fmla="*/ 50483 h 50483"/>
-              <a:gd name="connsiteX1" fmla="*/ 310896 w 903343"/>
-              <a:gd name="connsiteY1" fmla="*/ 41339 h 50483"/>
-              <a:gd name="connsiteX2" fmla="*/ 347472 w 903343"/>
-              <a:gd name="connsiteY2" fmla="*/ 32195 h 50483"/>
-              <a:gd name="connsiteX3" fmla="*/ 893082 w 903343"/>
-              <a:gd name="connsiteY3" fmla="*/ 47818 h 50483"/>
-              <a:gd name="connsiteX4" fmla="*/ 884970 w 903343"/>
-              <a:gd name="connsiteY4" fmla="*/ 0 h 50483"/>
-              <a:gd name="connsiteX0" fmla="*/ 0 w 903343"/>
-              <a:gd name="connsiteY0" fmla="*/ 50483 h 50483"/>
-              <a:gd name="connsiteX1" fmla="*/ 310896 w 903343"/>
-              <a:gd name="connsiteY1" fmla="*/ 41339 h 50483"/>
-              <a:gd name="connsiteX2" fmla="*/ 347472 w 903343"/>
-              <a:gd name="connsiteY2" fmla="*/ 32195 h 50483"/>
-              <a:gd name="connsiteX3" fmla="*/ 893082 w 903343"/>
-              <a:gd name="connsiteY3" fmla="*/ 47818 h 50483"/>
-              <a:gd name="connsiteX4" fmla="*/ 884970 w 903343"/>
-              <a:gd name="connsiteY4" fmla="*/ 0 h 50483"/>
-              <a:gd name="connsiteX0" fmla="*/ 0 w 903343"/>
-              <a:gd name="connsiteY0" fmla="*/ 50483 h 50483"/>
-              <a:gd name="connsiteX1" fmla="*/ 310896 w 903343"/>
-              <a:gd name="connsiteY1" fmla="*/ 41339 h 50483"/>
-              <a:gd name="connsiteX2" fmla="*/ 347472 w 903343"/>
-              <a:gd name="connsiteY2" fmla="*/ 32195 h 50483"/>
-              <a:gd name="connsiteX3" fmla="*/ 893082 w 903343"/>
-              <a:gd name="connsiteY3" fmla="*/ 47818 h 50483"/>
-              <a:gd name="connsiteX4" fmla="*/ 884970 w 903343"/>
-              <a:gd name="connsiteY4" fmla="*/ 0 h 50483"/>
-              <a:gd name="connsiteX0" fmla="*/ 0 w 903343"/>
-              <a:gd name="connsiteY0" fmla="*/ 50483 h 50483"/>
-              <a:gd name="connsiteX1" fmla="*/ 310896 w 903343"/>
-              <a:gd name="connsiteY1" fmla="*/ 41339 h 50483"/>
-              <a:gd name="connsiteX2" fmla="*/ 347472 w 903343"/>
-              <a:gd name="connsiteY2" fmla="*/ 31524 h 50483"/>
-              <a:gd name="connsiteX3" fmla="*/ 893082 w 903343"/>
-              <a:gd name="connsiteY3" fmla="*/ 47818 h 50483"/>
-              <a:gd name="connsiteX4" fmla="*/ 884970 w 903343"/>
-              <a:gd name="connsiteY4" fmla="*/ 0 h 50483"/>
-              <a:gd name="connsiteX0" fmla="*/ 0 w 903343"/>
-              <a:gd name="connsiteY0" fmla="*/ 50483 h 50483"/>
-              <a:gd name="connsiteX1" fmla="*/ 310896 w 903343"/>
-              <a:gd name="connsiteY1" fmla="*/ 41339 h 50483"/>
-              <a:gd name="connsiteX2" fmla="*/ 347472 w 903343"/>
-              <a:gd name="connsiteY2" fmla="*/ 31524 h 50483"/>
-              <a:gd name="connsiteX3" fmla="*/ 893082 w 903343"/>
-              <a:gd name="connsiteY3" fmla="*/ 47818 h 50483"/>
-              <a:gd name="connsiteX4" fmla="*/ 884970 w 903343"/>
-              <a:gd name="connsiteY4" fmla="*/ 0 h 50483"/>
-              <a:gd name="connsiteX0" fmla="*/ 0 w 903343"/>
-              <a:gd name="connsiteY0" fmla="*/ 50483 h 50483"/>
-              <a:gd name="connsiteX1" fmla="*/ 310896 w 903343"/>
-              <a:gd name="connsiteY1" fmla="*/ 41339 h 50483"/>
-              <a:gd name="connsiteX2" fmla="*/ 347472 w 903343"/>
-              <a:gd name="connsiteY2" fmla="*/ 31524 h 50483"/>
-              <a:gd name="connsiteX3" fmla="*/ 893082 w 903343"/>
-              <a:gd name="connsiteY3" fmla="*/ 47818 h 50483"/>
-              <a:gd name="connsiteX4" fmla="*/ 884970 w 903343"/>
-              <a:gd name="connsiteY4" fmla="*/ 0 h 50483"/>
-              <a:gd name="connsiteX0" fmla="*/ 0 w 903343"/>
-              <a:gd name="connsiteY0" fmla="*/ 50483 h 50483"/>
-              <a:gd name="connsiteX1" fmla="*/ 310896 w 903343"/>
-              <a:gd name="connsiteY1" fmla="*/ 41339 h 50483"/>
-              <a:gd name="connsiteX2" fmla="*/ 347472 w 903343"/>
-              <a:gd name="connsiteY2" fmla="*/ 31524 h 50483"/>
-              <a:gd name="connsiteX3" fmla="*/ 359074 w 903343"/>
-              <a:gd name="connsiteY3" fmla="*/ 31050 h 50483"/>
-              <a:gd name="connsiteX4" fmla="*/ 893082 w 903343"/>
-              <a:gd name="connsiteY4" fmla="*/ 47818 h 50483"/>
-              <a:gd name="connsiteX5" fmla="*/ 884970 w 903343"/>
-              <a:gd name="connsiteY5" fmla="*/ 0 h 50483"/>
-              <a:gd name="connsiteX0" fmla="*/ 0 w 903343"/>
-              <a:gd name="connsiteY0" fmla="*/ 50483 h 50483"/>
-              <a:gd name="connsiteX1" fmla="*/ 310896 w 903343"/>
-              <a:gd name="connsiteY1" fmla="*/ 41339 h 50483"/>
-              <a:gd name="connsiteX2" fmla="*/ 347472 w 903343"/>
-              <a:gd name="connsiteY2" fmla="*/ 31524 h 50483"/>
-              <a:gd name="connsiteX3" fmla="*/ 893082 w 903343"/>
-              <a:gd name="connsiteY3" fmla="*/ 47818 h 50483"/>
-              <a:gd name="connsiteX4" fmla="*/ 884970 w 903343"/>
-              <a:gd name="connsiteY4" fmla="*/ 0 h 50483"/>
-              <a:gd name="connsiteX0" fmla="*/ 0 w 903343"/>
-              <a:gd name="connsiteY0" fmla="*/ 50483 h 50483"/>
-              <a:gd name="connsiteX1" fmla="*/ 310896 w 903343"/>
-              <a:gd name="connsiteY1" fmla="*/ 41339 h 50483"/>
-              <a:gd name="connsiteX2" fmla="*/ 347472 w 903343"/>
-              <a:gd name="connsiteY2" fmla="*/ 31524 h 50483"/>
-              <a:gd name="connsiteX3" fmla="*/ 893082 w 903343"/>
-              <a:gd name="connsiteY3" fmla="*/ 47818 h 50483"/>
-              <a:gd name="connsiteX4" fmla="*/ 884970 w 903343"/>
-              <a:gd name="connsiteY4" fmla="*/ 0 h 50483"/>
-              <a:gd name="connsiteX0" fmla="*/ 0 w 903343"/>
-              <a:gd name="connsiteY0" fmla="*/ 50483 h 50483"/>
-              <a:gd name="connsiteX1" fmla="*/ 310896 w 903343"/>
-              <a:gd name="connsiteY1" fmla="*/ 41339 h 50483"/>
-              <a:gd name="connsiteX2" fmla="*/ 347472 w 903343"/>
-              <a:gd name="connsiteY2" fmla="*/ 31524 h 50483"/>
-              <a:gd name="connsiteX3" fmla="*/ 893082 w 903343"/>
-              <a:gd name="connsiteY3" fmla="*/ 47818 h 50483"/>
-              <a:gd name="connsiteX4" fmla="*/ 884970 w 903343"/>
-              <a:gd name="connsiteY4" fmla="*/ 0 h 50483"/>
-              <a:gd name="connsiteX0" fmla="*/ 0 w 903343"/>
-              <a:gd name="connsiteY0" fmla="*/ 50483 h 50483"/>
-              <a:gd name="connsiteX1" fmla="*/ 310896 w 903343"/>
-              <a:gd name="connsiteY1" fmla="*/ 41339 h 50483"/>
-              <a:gd name="connsiteX2" fmla="*/ 424197 w 903343"/>
-              <a:gd name="connsiteY2" fmla="*/ 26158 h 50483"/>
-              <a:gd name="connsiteX3" fmla="*/ 893082 w 903343"/>
-              <a:gd name="connsiteY3" fmla="*/ 47818 h 50483"/>
-              <a:gd name="connsiteX4" fmla="*/ 884970 w 903343"/>
-              <a:gd name="connsiteY4" fmla="*/ 0 h 50483"/>
-              <a:gd name="connsiteX0" fmla="*/ 0 w 903343"/>
-              <a:gd name="connsiteY0" fmla="*/ 50483 h 50483"/>
-              <a:gd name="connsiteX1" fmla="*/ 310896 w 903343"/>
-              <a:gd name="connsiteY1" fmla="*/ 41339 h 50483"/>
-              <a:gd name="connsiteX2" fmla="*/ 424197 w 903343"/>
-              <a:gd name="connsiteY2" fmla="*/ 26158 h 50483"/>
-              <a:gd name="connsiteX3" fmla="*/ 893082 w 903343"/>
-              <a:gd name="connsiteY3" fmla="*/ 47818 h 50483"/>
-              <a:gd name="connsiteX4" fmla="*/ 884970 w 903343"/>
-              <a:gd name="connsiteY4" fmla="*/ 0 h 50483"/>
-              <a:gd name="connsiteX0" fmla="*/ 0 w 903343"/>
-              <a:gd name="connsiteY0" fmla="*/ 50483 h 50483"/>
-              <a:gd name="connsiteX1" fmla="*/ 310896 w 903343"/>
-              <a:gd name="connsiteY1" fmla="*/ 41339 h 50483"/>
-              <a:gd name="connsiteX2" fmla="*/ 424197 w 903343"/>
-              <a:gd name="connsiteY2" fmla="*/ 26158 h 50483"/>
-              <a:gd name="connsiteX3" fmla="*/ 893082 w 903343"/>
-              <a:gd name="connsiteY3" fmla="*/ 47818 h 50483"/>
-              <a:gd name="connsiteX4" fmla="*/ 884970 w 903343"/>
-              <a:gd name="connsiteY4" fmla="*/ 0 h 50483"/>
-              <a:gd name="connsiteX0" fmla="*/ 0 w 903343"/>
-              <a:gd name="connsiteY0" fmla="*/ 50483 h 50483"/>
-              <a:gd name="connsiteX1" fmla="*/ 310896 w 903343"/>
-              <a:gd name="connsiteY1" fmla="*/ 41339 h 50483"/>
-              <a:gd name="connsiteX2" fmla="*/ 424197 w 903343"/>
-              <a:gd name="connsiteY2" fmla="*/ 26158 h 50483"/>
-              <a:gd name="connsiteX3" fmla="*/ 893082 w 903343"/>
-              <a:gd name="connsiteY3" fmla="*/ 47818 h 50483"/>
-              <a:gd name="connsiteX4" fmla="*/ 884970 w 903343"/>
-              <a:gd name="connsiteY4" fmla="*/ 0 h 50483"/>
-              <a:gd name="connsiteX0" fmla="*/ 0 w 903343"/>
-              <a:gd name="connsiteY0" fmla="*/ 50483 h 50483"/>
-              <a:gd name="connsiteX1" fmla="*/ 310896 w 903343"/>
-              <a:gd name="connsiteY1" fmla="*/ 41339 h 50483"/>
-              <a:gd name="connsiteX2" fmla="*/ 424197 w 903343"/>
-              <a:gd name="connsiteY2" fmla="*/ 26158 h 50483"/>
-              <a:gd name="connsiteX3" fmla="*/ 893082 w 903343"/>
-              <a:gd name="connsiteY3" fmla="*/ 47818 h 50483"/>
-              <a:gd name="connsiteX4" fmla="*/ 884970 w 903343"/>
-              <a:gd name="connsiteY4" fmla="*/ 0 h 50483"/>
-              <a:gd name="connsiteX0" fmla="*/ 0 w 903343"/>
-              <a:gd name="connsiteY0" fmla="*/ 50483 h 50483"/>
-              <a:gd name="connsiteX1" fmla="*/ 310896 w 903343"/>
-              <a:gd name="connsiteY1" fmla="*/ 41339 h 50483"/>
-              <a:gd name="connsiteX2" fmla="*/ 424197 w 903343"/>
-              <a:gd name="connsiteY2" fmla="*/ 26158 h 50483"/>
-              <a:gd name="connsiteX3" fmla="*/ 893082 w 903343"/>
-              <a:gd name="connsiteY3" fmla="*/ 47818 h 50483"/>
-              <a:gd name="connsiteX4" fmla="*/ 884970 w 903343"/>
-              <a:gd name="connsiteY4" fmla="*/ 0 h 50483"/>
-              <a:gd name="connsiteX0" fmla="*/ 0 w 903343"/>
-              <a:gd name="connsiteY0" fmla="*/ 50483 h 50483"/>
-              <a:gd name="connsiteX1" fmla="*/ 310896 w 903343"/>
-              <a:gd name="connsiteY1" fmla="*/ 41339 h 50483"/>
-              <a:gd name="connsiteX2" fmla="*/ 421128 w 903343"/>
-              <a:gd name="connsiteY2" fmla="*/ 34207 h 50483"/>
-              <a:gd name="connsiteX3" fmla="*/ 893082 w 903343"/>
-              <a:gd name="connsiteY3" fmla="*/ 47818 h 50483"/>
-              <a:gd name="connsiteX4" fmla="*/ 884970 w 903343"/>
-              <a:gd name="connsiteY4" fmla="*/ 0 h 50483"/>
-              <a:gd name="connsiteX0" fmla="*/ 0 w 903343"/>
-              <a:gd name="connsiteY0" fmla="*/ 50483 h 50483"/>
-              <a:gd name="connsiteX1" fmla="*/ 310896 w 903343"/>
-              <a:gd name="connsiteY1" fmla="*/ 41339 h 50483"/>
-              <a:gd name="connsiteX2" fmla="*/ 421128 w 903343"/>
-              <a:gd name="connsiteY2" fmla="*/ 34207 h 50483"/>
-              <a:gd name="connsiteX3" fmla="*/ 893082 w 903343"/>
-              <a:gd name="connsiteY3" fmla="*/ 47818 h 50483"/>
-              <a:gd name="connsiteX4" fmla="*/ 884970 w 903343"/>
-              <a:gd name="connsiteY4" fmla="*/ 0 h 50483"/>
-              <a:gd name="connsiteX0" fmla="*/ 0 w 903343"/>
-              <a:gd name="connsiteY0" fmla="*/ 50483 h 50483"/>
-              <a:gd name="connsiteX1" fmla="*/ 310896 w 903343"/>
-              <a:gd name="connsiteY1" fmla="*/ 41339 h 50483"/>
-              <a:gd name="connsiteX2" fmla="*/ 421128 w 903343"/>
-              <a:gd name="connsiteY2" fmla="*/ 45609 h 50483"/>
-              <a:gd name="connsiteX3" fmla="*/ 893082 w 903343"/>
-              <a:gd name="connsiteY3" fmla="*/ 47818 h 50483"/>
-              <a:gd name="connsiteX4" fmla="*/ 884970 w 903343"/>
-              <a:gd name="connsiteY4" fmla="*/ 0 h 50483"/>
-              <a:gd name="connsiteX0" fmla="*/ 0 w 903343"/>
-              <a:gd name="connsiteY0" fmla="*/ 50483 h 50483"/>
-              <a:gd name="connsiteX1" fmla="*/ 310896 w 903343"/>
-              <a:gd name="connsiteY1" fmla="*/ 41339 h 50483"/>
-              <a:gd name="connsiteX2" fmla="*/ 421128 w 903343"/>
-              <a:gd name="connsiteY2" fmla="*/ 45609 h 50483"/>
-              <a:gd name="connsiteX3" fmla="*/ 893082 w 903343"/>
-              <a:gd name="connsiteY3" fmla="*/ 47818 h 50483"/>
-              <a:gd name="connsiteX4" fmla="*/ 884970 w 903343"/>
-              <a:gd name="connsiteY4" fmla="*/ 0 h 50483"/>
-              <a:gd name="connsiteX0" fmla="*/ 0 w 903343"/>
-              <a:gd name="connsiteY0" fmla="*/ 50483 h 50483"/>
-              <a:gd name="connsiteX1" fmla="*/ 310896 w 903343"/>
-              <a:gd name="connsiteY1" fmla="*/ 41339 h 50483"/>
-              <a:gd name="connsiteX2" fmla="*/ 421128 w 903343"/>
-              <a:gd name="connsiteY2" fmla="*/ 45609 h 50483"/>
-              <a:gd name="connsiteX3" fmla="*/ 893082 w 903343"/>
-              <a:gd name="connsiteY3" fmla="*/ 47818 h 50483"/>
-              <a:gd name="connsiteX4" fmla="*/ 884970 w 903343"/>
-              <a:gd name="connsiteY4" fmla="*/ 0 h 50483"/>
-              <a:gd name="connsiteX0" fmla="*/ 0 w 903343"/>
-              <a:gd name="connsiteY0" fmla="*/ 50483 h 50483"/>
-              <a:gd name="connsiteX1" fmla="*/ 310896 w 903343"/>
-              <a:gd name="connsiteY1" fmla="*/ 41339 h 50483"/>
-              <a:gd name="connsiteX2" fmla="*/ 421128 w 903343"/>
-              <a:gd name="connsiteY2" fmla="*/ 45609 h 50483"/>
-              <a:gd name="connsiteX3" fmla="*/ 893082 w 903343"/>
-              <a:gd name="connsiteY3" fmla="*/ 47818 h 50483"/>
-              <a:gd name="connsiteX4" fmla="*/ 884970 w 903343"/>
-              <a:gd name="connsiteY4" fmla="*/ 0 h 50483"/>
-              <a:gd name="connsiteX0" fmla="*/ 0 w 903343"/>
-              <a:gd name="connsiteY0" fmla="*/ 50483 h 50483"/>
-              <a:gd name="connsiteX1" fmla="*/ 310896 w 903343"/>
-              <a:gd name="connsiteY1" fmla="*/ 41339 h 50483"/>
-              <a:gd name="connsiteX2" fmla="*/ 421128 w 903343"/>
-              <a:gd name="connsiteY2" fmla="*/ 45609 h 50483"/>
-              <a:gd name="connsiteX3" fmla="*/ 893082 w 903343"/>
-              <a:gd name="connsiteY3" fmla="*/ 47818 h 50483"/>
-              <a:gd name="connsiteX4" fmla="*/ 884970 w 903343"/>
-              <a:gd name="connsiteY4" fmla="*/ 0 h 50483"/>
-              <a:gd name="connsiteX0" fmla="*/ 0 w 903343"/>
-              <a:gd name="connsiteY0" fmla="*/ 50483 h 50483"/>
-              <a:gd name="connsiteX1" fmla="*/ 310896 w 903343"/>
-              <a:gd name="connsiteY1" fmla="*/ 41339 h 50483"/>
-              <a:gd name="connsiteX2" fmla="*/ 421128 w 903343"/>
-              <a:gd name="connsiteY2" fmla="*/ 45609 h 50483"/>
-              <a:gd name="connsiteX3" fmla="*/ 893082 w 903343"/>
-              <a:gd name="connsiteY3" fmla="*/ 47818 h 50483"/>
-              <a:gd name="connsiteX4" fmla="*/ 884970 w 903343"/>
-              <a:gd name="connsiteY4" fmla="*/ 0 h 50483"/>
-              <a:gd name="connsiteX0" fmla="*/ 0 w 903343"/>
-              <a:gd name="connsiteY0" fmla="*/ 50483 h 50483"/>
-              <a:gd name="connsiteX1" fmla="*/ 310896 w 903343"/>
-              <a:gd name="connsiteY1" fmla="*/ 41339 h 50483"/>
-              <a:gd name="connsiteX2" fmla="*/ 421128 w 903343"/>
-              <a:gd name="connsiteY2" fmla="*/ 45609 h 50483"/>
-              <a:gd name="connsiteX3" fmla="*/ 893082 w 903343"/>
-              <a:gd name="connsiteY3" fmla="*/ 47818 h 50483"/>
-              <a:gd name="connsiteX4" fmla="*/ 884970 w 903343"/>
-              <a:gd name="connsiteY4" fmla="*/ 0 h 50483"/>
-              <a:gd name="connsiteX0" fmla="*/ 0 w 903343"/>
-              <a:gd name="connsiteY0" fmla="*/ 50483 h 50483"/>
-              <a:gd name="connsiteX1" fmla="*/ 310896 w 903343"/>
-              <a:gd name="connsiteY1" fmla="*/ 41339 h 50483"/>
-              <a:gd name="connsiteX2" fmla="*/ 421128 w 903343"/>
-              <a:gd name="connsiteY2" fmla="*/ 45609 h 50483"/>
-              <a:gd name="connsiteX3" fmla="*/ 893082 w 903343"/>
-              <a:gd name="connsiteY3" fmla="*/ 47818 h 50483"/>
-              <a:gd name="connsiteX4" fmla="*/ 884970 w 903343"/>
-              <a:gd name="connsiteY4" fmla="*/ 0 h 50483"/>
-              <a:gd name="connsiteX0" fmla="*/ 0 w 903343"/>
-              <a:gd name="connsiteY0" fmla="*/ 50483 h 50483"/>
-              <a:gd name="connsiteX1" fmla="*/ 310896 w 903343"/>
-              <a:gd name="connsiteY1" fmla="*/ 41339 h 50483"/>
-              <a:gd name="connsiteX2" fmla="*/ 893082 w 903343"/>
-              <a:gd name="connsiteY2" fmla="*/ 47818 h 50483"/>
-              <a:gd name="connsiteX3" fmla="*/ 884970 w 903343"/>
-              <a:gd name="connsiteY3" fmla="*/ 0 h 50483"/>
-              <a:gd name="connsiteX0" fmla="*/ 0 w 903343"/>
-              <a:gd name="connsiteY0" fmla="*/ 50483 h 50483"/>
-              <a:gd name="connsiteX1" fmla="*/ 893082 w 903343"/>
-              <a:gd name="connsiteY1" fmla="*/ 47818 h 50483"/>
-              <a:gd name="connsiteX2" fmla="*/ 884970 w 903343"/>
-              <a:gd name="connsiteY2" fmla="*/ 0 h 50483"/>
-              <a:gd name="connsiteX0" fmla="*/ 0 w 1022427"/>
-              <a:gd name="connsiteY0" fmla="*/ 18344 h 47818"/>
-              <a:gd name="connsiteX1" fmla="*/ 1012166 w 1022427"/>
-              <a:gd name="connsiteY1" fmla="*/ 47818 h 47818"/>
-              <a:gd name="connsiteX2" fmla="*/ 1004054 w 1022427"/>
-              <a:gd name="connsiteY2" fmla="*/ 0 h 47818"/>
-              <a:gd name="connsiteX0" fmla="*/ 0 w 1006304"/>
-              <a:gd name="connsiteY0" fmla="*/ 18344 h 21268"/>
-              <a:gd name="connsiteX1" fmla="*/ 993784 w 1006304"/>
-              <a:gd name="connsiteY1" fmla="*/ 21268 h 21268"/>
-              <a:gd name="connsiteX2" fmla="*/ 1004054 w 1006304"/>
-              <a:gd name="connsiteY2" fmla="*/ 0 h 21268"/>
-              <a:gd name="connsiteX0" fmla="*/ 0 w 1004054"/>
-              <a:gd name="connsiteY0" fmla="*/ 18344 h 21268"/>
-              <a:gd name="connsiteX1" fmla="*/ 993784 w 1004054"/>
-              <a:gd name="connsiteY1" fmla="*/ 21268 h 21268"/>
-              <a:gd name="connsiteX2" fmla="*/ 1004054 w 1004054"/>
-              <a:gd name="connsiteY2" fmla="*/ 0 h 21268"/>
-              <a:gd name="connsiteX0" fmla="*/ 0 w 1004054"/>
-              <a:gd name="connsiteY0" fmla="*/ 18344 h 21268"/>
-              <a:gd name="connsiteX1" fmla="*/ 993784 w 1004054"/>
-              <a:gd name="connsiteY1" fmla="*/ 21268 h 21268"/>
-              <a:gd name="connsiteX2" fmla="*/ 1004054 w 1004054"/>
-              <a:gd name="connsiteY2" fmla="*/ 0 h 21268"/>
-              <a:gd name="connsiteX0" fmla="*/ 0 w 993784"/>
-              <a:gd name="connsiteY0" fmla="*/ 21837 h 24761"/>
-              <a:gd name="connsiteX1" fmla="*/ 993784 w 993784"/>
-              <a:gd name="connsiteY1" fmla="*/ 24761 h 24761"/>
-              <a:gd name="connsiteX2" fmla="*/ 991266 w 993784"/>
-              <a:gd name="connsiteY2" fmla="*/ 0 h 24761"/>
-              <a:gd name="connsiteX0" fmla="*/ 0 w 991266"/>
-              <a:gd name="connsiteY0" fmla="*/ 21837 h 21837"/>
-              <a:gd name="connsiteX1" fmla="*/ 873901 w 991266"/>
-              <a:gd name="connsiteY1" fmla="*/ 21617 h 21837"/>
-              <a:gd name="connsiteX2" fmla="*/ 991266 w 991266"/>
-              <a:gd name="connsiteY2" fmla="*/ 0 h 21837"/>
-              <a:gd name="connsiteX0" fmla="*/ 0 w 873901"/>
-              <a:gd name="connsiteY0" fmla="*/ 22012 h 22012"/>
-              <a:gd name="connsiteX1" fmla="*/ 873901 w 873901"/>
-              <a:gd name="connsiteY1" fmla="*/ 21792 h 22012"/>
-              <a:gd name="connsiteX2" fmla="*/ 872981 w 873901"/>
-              <a:gd name="connsiteY2" fmla="*/ 0 h 22012"/>
-              <a:gd name="connsiteX0" fmla="*/ 0 w 881094"/>
-              <a:gd name="connsiteY0" fmla="*/ 22012 h 22012"/>
-              <a:gd name="connsiteX1" fmla="*/ 881094 w 881094"/>
-              <a:gd name="connsiteY1" fmla="*/ 21967 h 22012"/>
-              <a:gd name="connsiteX2" fmla="*/ 872981 w 881094"/>
-              <a:gd name="connsiteY2" fmla="*/ 0 h 22012"/>
-              <a:gd name="connsiteX0" fmla="*/ 0 w 881094"/>
-              <a:gd name="connsiteY0" fmla="*/ 21837 h 21837"/>
-              <a:gd name="connsiteX1" fmla="*/ 881094 w 881094"/>
-              <a:gd name="connsiteY1" fmla="*/ 21792 h 21837"/>
-              <a:gd name="connsiteX2" fmla="*/ 880974 w 881094"/>
-              <a:gd name="connsiteY2" fmla="*/ 0 h 21837"/>
-              <a:gd name="connsiteX0" fmla="*/ 0 w 890685"/>
-              <a:gd name="connsiteY0" fmla="*/ 20964 h 21792"/>
-              <a:gd name="connsiteX1" fmla="*/ 890685 w 890685"/>
-              <a:gd name="connsiteY1" fmla="*/ 21792 h 21792"/>
-              <a:gd name="connsiteX2" fmla="*/ 890565 w 890685"/>
-              <a:gd name="connsiteY2" fmla="*/ 0 h 21792"/>
-              <a:gd name="connsiteX0" fmla="*/ 0 w 898677"/>
-              <a:gd name="connsiteY0" fmla="*/ 20789 h 21792"/>
-              <a:gd name="connsiteX1" fmla="*/ 898677 w 898677"/>
-              <a:gd name="connsiteY1" fmla="*/ 21792 h 21792"/>
-              <a:gd name="connsiteX2" fmla="*/ 898557 w 898677"/>
-              <a:gd name="connsiteY2" fmla="*/ 0 h 21792"/>
-              <a:gd name="connsiteX0" fmla="*/ 0 w 898677"/>
-              <a:gd name="connsiteY0" fmla="*/ 20789 h 21443"/>
-              <a:gd name="connsiteX1" fmla="*/ 898677 w 898677"/>
-              <a:gd name="connsiteY1" fmla="*/ 21443 h 21443"/>
-              <a:gd name="connsiteX2" fmla="*/ 898557 w 898677"/>
-              <a:gd name="connsiteY2" fmla="*/ 0 h 21443"/>
-              <a:gd name="connsiteX0" fmla="*/ 0 w 900167"/>
-              <a:gd name="connsiteY0" fmla="*/ 20789 h 21443"/>
-              <a:gd name="connsiteX1" fmla="*/ 898677 w 900167"/>
-              <a:gd name="connsiteY1" fmla="*/ 21443 h 21443"/>
-              <a:gd name="connsiteX2" fmla="*/ 898557 w 900167"/>
-              <a:gd name="connsiteY2" fmla="*/ 0 h 21443"/>
-              <a:gd name="connsiteX0" fmla="*/ 0 w 899119"/>
-              <a:gd name="connsiteY0" fmla="*/ 20789 h 21443"/>
-              <a:gd name="connsiteX1" fmla="*/ 898677 w 899119"/>
-              <a:gd name="connsiteY1" fmla="*/ 21443 h 21443"/>
-              <a:gd name="connsiteX2" fmla="*/ 898557 w 899119"/>
-              <a:gd name="connsiteY2" fmla="*/ 0 h 21443"/>
-              <a:gd name="connsiteX0" fmla="*/ 0 w 899500"/>
-              <a:gd name="connsiteY0" fmla="*/ 20789 h 21443"/>
-              <a:gd name="connsiteX1" fmla="*/ 898677 w 899500"/>
-              <a:gd name="connsiteY1" fmla="*/ 21443 h 21443"/>
-              <a:gd name="connsiteX2" fmla="*/ 898557 w 899500"/>
-              <a:gd name="connsiteY2" fmla="*/ 0 h 21443"/>
-              <a:gd name="connsiteX0" fmla="*/ 0 w 899119"/>
-              <a:gd name="connsiteY0" fmla="*/ 20789 h 21443"/>
-              <a:gd name="connsiteX1" fmla="*/ 898677 w 899119"/>
-              <a:gd name="connsiteY1" fmla="*/ 21443 h 21443"/>
-              <a:gd name="connsiteX2" fmla="*/ 898557 w 899119"/>
-              <a:gd name="connsiteY2" fmla="*/ 0 h 21443"/>
-              <a:gd name="connsiteX0" fmla="*/ 0 w 898677"/>
-              <a:gd name="connsiteY0" fmla="*/ 20789 h 21443"/>
-              <a:gd name="connsiteX1" fmla="*/ 898677 w 898677"/>
-              <a:gd name="connsiteY1" fmla="*/ 21443 h 21443"/>
-              <a:gd name="connsiteX2" fmla="*/ 898557 w 898677"/>
-              <a:gd name="connsiteY2" fmla="*/ 0 h 21443"/>
-              <a:gd name="connsiteX0" fmla="*/ 0 w 898677"/>
-              <a:gd name="connsiteY0" fmla="*/ 20789 h 21443"/>
-              <a:gd name="connsiteX1" fmla="*/ 898677 w 898677"/>
-              <a:gd name="connsiteY1" fmla="*/ 21443 h 21443"/>
-              <a:gd name="connsiteX2" fmla="*/ 898557 w 898677"/>
-              <a:gd name="connsiteY2" fmla="*/ 0 h 21443"/>
-              <a:gd name="connsiteX0" fmla="*/ 0 w 898677"/>
-              <a:gd name="connsiteY0" fmla="*/ 20789 h 20832"/>
-              <a:gd name="connsiteX1" fmla="*/ 898677 w 898677"/>
-              <a:gd name="connsiteY1" fmla="*/ 20832 h 20832"/>
-              <a:gd name="connsiteX2" fmla="*/ 898557 w 898677"/>
-              <a:gd name="connsiteY2" fmla="*/ 0 h 20832"/>
-              <a:gd name="connsiteX0" fmla="*/ 0 w 899204"/>
-              <a:gd name="connsiteY0" fmla="*/ 20789 h 20832"/>
-              <a:gd name="connsiteX1" fmla="*/ 898677 w 899204"/>
-              <a:gd name="connsiteY1" fmla="*/ 20832 h 20832"/>
-              <a:gd name="connsiteX2" fmla="*/ 898557 w 899204"/>
-              <a:gd name="connsiteY2" fmla="*/ 0 h 20832"/>
-              <a:gd name="connsiteX0" fmla="*/ 0 w 898718"/>
-              <a:gd name="connsiteY0" fmla="*/ 20789 h 20832"/>
-              <a:gd name="connsiteX1" fmla="*/ 898677 w 898718"/>
-              <a:gd name="connsiteY1" fmla="*/ 20832 h 20832"/>
-              <a:gd name="connsiteX2" fmla="*/ 898557 w 898718"/>
-              <a:gd name="connsiteY2" fmla="*/ 0 h 20832"/>
-              <a:gd name="connsiteX0" fmla="*/ 0 w 899043"/>
-              <a:gd name="connsiteY0" fmla="*/ 20789 h 20832"/>
-              <a:gd name="connsiteX1" fmla="*/ 898677 w 899043"/>
-              <a:gd name="connsiteY1" fmla="*/ 20832 h 20832"/>
-              <a:gd name="connsiteX2" fmla="*/ 898557 w 899043"/>
-              <a:gd name="connsiteY2" fmla="*/ 0 h 20832"/>
-              <a:gd name="connsiteX0" fmla="*/ 0 w 899043"/>
-              <a:gd name="connsiteY0" fmla="*/ 21488 h 21531"/>
-              <a:gd name="connsiteX1" fmla="*/ 898677 w 899043"/>
-              <a:gd name="connsiteY1" fmla="*/ 21531 h 21531"/>
-              <a:gd name="connsiteX2" fmla="*/ 898557 w 899043"/>
-              <a:gd name="connsiteY2" fmla="*/ 0 h 21531"/>
-            </a:gdLst>
-            <a:ahLst/>
-            <a:cxnLst>
-              <a:cxn ang="0">
-                <a:pos x="connsiteX0" y="connsiteY0"/>
-              </a:cxn>
-              <a:cxn ang="0">
-                <a:pos x="connsiteX1" y="connsiteY1"/>
-              </a:cxn>
-              <a:cxn ang="0">
-                <a:pos x="connsiteX2" y="connsiteY2"/>
-              </a:cxn>
-            </a:cxnLst>
-            <a:rect l="l" t="t" r="r" b="b"/>
-            <a:pathLst>
-              <a:path w="899043" h="21531">
-                <a:moveTo>
-                  <a:pt x="0" y="21488"/>
-                </a:moveTo>
-                <a:lnTo>
-                  <a:pt x="898677" y="21531"/>
-                </a:lnTo>
-                <a:cubicBezTo>
-                  <a:pt x="899149" y="14264"/>
-                  <a:pt x="899222" y="6408"/>
-                  <a:pt x="898557" y="0"/>
-                </a:cubicBezTo>
-              </a:path>
-            </a:pathLst>
-          </a:custGeom>
-          <a:noFill/>
-          <a:ln w="9525">
-            <a:solidFill>
-              <a:schemeClr val="tx1"/>
-            </a:solidFill>
-            <a:tailEnd type="triangle" w="sm" len="sm"/>
-          </a:ln>
-        </p:spPr>
-        <p:style>
-          <a:lnRef idx="2">
-            <a:schemeClr val="accent1">
-              <a:shade val="50000"/>
-            </a:schemeClr>
-          </a:lnRef>
-          <a:fillRef idx="1">
-            <a:schemeClr val="accent1"/>
-          </a:fillRef>
-          <a:effectRef idx="0">
-            <a:schemeClr val="accent1"/>
-          </a:effectRef>
-          <a:fontRef idx="minor">
-            <a:schemeClr val="lt1"/>
-          </a:fontRef>
-        </p:style>
-        <p:txBody>
-          <a:bodyPr rtlCol="0" anchor="ctr"/>
-          <a:lstStyle/>
-          <a:p>
-            <a:pPr algn="ctr"/>
-            <a:endParaRPr lang="en-US" dirty="0"/>
-          </a:p>
-        </p:txBody>
-      </p:sp>
-      <p:sp>
-        <p:nvSpPr>
           <p:cNvPr id="368" name="TextBox 367"/>
           <p:cNvSpPr txBox="1"/>
           <p:nvPr/>
@@ -17569,14 +16990,7 @@
                 <a:latin typeface="Arial" panose="020B0604020202020204" pitchFamily="34" charset="0"/>
                 <a:cs typeface="Arial" panose="020B0604020202020204" pitchFamily="34" charset="0"/>
               </a:rPr>
-              <a:t>WebPKI.org/AR </a:t>
-            </a:r>
-            <a:r>
-              <a:rPr lang="en-US" sz="700" dirty="0" smtClean="0">
-                <a:latin typeface="Arial" panose="020B0604020202020204" pitchFamily="34" charset="0"/>
-                <a:cs typeface="Arial" panose="020B0604020202020204" pitchFamily="34" charset="0"/>
-              </a:rPr>
-              <a:t>20150928</a:t>
+              <a:t>WebPKI.org/AR 20150928</a:t>
             </a:r>
             <a:endParaRPr lang="en-US" sz="700" dirty="0">
               <a:latin typeface="Arial" panose="020B0604020202020204" pitchFamily="34" charset="0"/>
@@ -17585,6 +16999,43 @@
           </a:p>
         </p:txBody>
       </p:sp>
+      <p:cxnSp>
+        <p:nvCxnSpPr>
+          <p:cNvPr id="117" name="Straight Arrow Connector 116"/>
+          <p:cNvCxnSpPr/>
+          <p:nvPr/>
+        </p:nvCxnSpPr>
+        <p:spPr>
+          <a:xfrm flipV="1">
+            <a:off x="463053" y="5021752"/>
+            <a:ext cx="2448000" cy="701"/>
+          </a:xfrm>
+          <a:prstGeom prst="straightConnector1">
+            <a:avLst/>
+          </a:prstGeom>
+          <a:ln w="9525">
+            <a:solidFill>
+              <a:schemeClr val="tx1"/>
+            </a:solidFill>
+            <a:prstDash val="solid"/>
+            <a:tailEnd type="triangle" w="sm" len="sm"/>
+          </a:ln>
+        </p:spPr>
+        <p:style>
+          <a:lnRef idx="1">
+            <a:schemeClr val="accent1"/>
+          </a:lnRef>
+          <a:fillRef idx="0">
+            <a:schemeClr val="accent1"/>
+          </a:fillRef>
+          <a:effectRef idx="0">
+            <a:schemeClr val="accent1"/>
+          </a:effectRef>
+          <a:fontRef idx="minor">
+            <a:schemeClr val="tx1"/>
+          </a:fontRef>
+        </p:style>
+      </p:cxnSp>
     </p:spTree>
     <p:extLst>
       <p:ext uri="{BB962C8B-B14F-4D97-AF65-F5344CB8AC3E}">

--- a/webpayment.resources/docs/webpay-account-2-account-direct-debit-statediagram.pptx
+++ b/webpayment.resources/docs/webpay-account-2-account-direct-debit-statediagram.pptx
@@ -192,7 +192,7 @@
           <a:p>
             <a:fld id="{EC8C8056-B549-4FBF-9C23-C3E3767DB98D}" type="datetimeFigureOut">
               <a:rPr lang="en-US" smtClean="0"/>
-              <a:t>2015-09-28</a:t>
+              <a:t>2015-09-29</a:t>
             </a:fld>
             <a:endParaRPr lang="en-US"/>
           </a:p>
@@ -13337,7 +13337,7 @@
         </p:nvCxnSpPr>
         <p:spPr>
           <a:xfrm flipH="1">
-            <a:off x="2470206" y="8147950"/>
+            <a:off x="2470206" y="8214593"/>
             <a:ext cx="4629083" cy="0"/>
           </a:xfrm>
           <a:prstGeom prst="straightConnector1">
@@ -13447,7 +13447,7 @@
         </p:nvSpPr>
         <p:spPr>
           <a:xfrm>
-            <a:off x="2964437" y="7961858"/>
+            <a:off x="2964437" y="8028501"/>
             <a:ext cx="611312" cy="153888"/>
           </a:xfrm>
           <a:prstGeom prst="rect">
@@ -13497,8 +13497,8 @@
         </p:nvSpPr>
         <p:spPr>
           <a:xfrm>
-            <a:off x="7039392" y="9229424"/>
-            <a:ext cx="1775195" cy="550962"/>
+            <a:off x="7111400" y="9229424"/>
+            <a:ext cx="1632301" cy="550962"/>
           </a:xfrm>
           <a:prstGeom prst="snip2DiagRect">
             <a:avLst/>
@@ -13546,7 +13546,7 @@
                 <a:latin typeface="Arial" panose="020B0604020202020204" pitchFamily="34" charset="0"/>
                 <a:cs typeface="Arial" panose="020B0604020202020204" pitchFamily="34" charset="0"/>
               </a:rPr>
-              <a:t>Decrypting </a:t>
+              <a:t>Decrypt </a:t>
             </a:r>
             <a:r>
               <a:rPr lang="en-US" sz="800" dirty="0" err="1" smtClean="0">
@@ -13583,11 +13583,18 @@
               <a:t> </a:t>
             </a:r>
             <a:r>
+              <a:rPr lang="en-US" sz="800" i="1" dirty="0" err="1" smtClean="0">
+                <a:latin typeface="Arial" panose="020B0604020202020204" pitchFamily="34" charset="0"/>
+                <a:cs typeface="Arial" panose="020B0604020202020204" pitchFamily="34" charset="0"/>
+              </a:rPr>
+              <a:t>Hooki</a:t>
+            </a:r>
+            <a:r>
               <a:rPr lang="en-US" sz="800" i="1" dirty="0" smtClean="0">
                 <a:latin typeface="Arial" panose="020B0604020202020204" pitchFamily="34" charset="0"/>
                 <a:cs typeface="Arial" panose="020B0604020202020204" pitchFamily="34" charset="0"/>
               </a:rPr>
-              <a:t>Hooking into the local bank</a:t>
+              <a:t> into the local bank</a:t>
             </a:r>
             <a:br>
               <a:rPr lang="en-US" sz="800" i="1" dirty="0" smtClean="0">
@@ -13624,7 +13631,7 @@
         </p:nvCxnSpPr>
         <p:spPr>
           <a:xfrm>
-            <a:off x="2462126" y="7884116"/>
+            <a:off x="2462126" y="7950759"/>
             <a:ext cx="4620628" cy="0"/>
           </a:xfrm>
           <a:prstGeom prst="straightConnector1">
@@ -15028,7 +15035,7 @@
         </p:nvSpPr>
         <p:spPr>
           <a:xfrm>
-            <a:off x="5323321" y="8076937"/>
+            <a:off x="5323321" y="8143580"/>
             <a:ext cx="834130" cy="123111"/>
           </a:xfrm>
           <a:prstGeom prst="rect">
@@ -15072,7 +15079,7 @@
         </p:nvSpPr>
         <p:spPr>
           <a:xfrm>
-            <a:off x="5435531" y="7813961"/>
+            <a:off x="5435531" y="7880604"/>
             <a:ext cx="609710" cy="123111"/>
           </a:xfrm>
           <a:prstGeom prst="rect">
@@ -15536,7 +15543,7 @@
         </p:nvGrpSpPr>
         <p:grpSpPr>
           <a:xfrm>
-            <a:off x="7087517" y="7649093"/>
+            <a:off x="7087517" y="7715736"/>
             <a:ext cx="1587201" cy="739079"/>
             <a:chOff x="6871493" y="6953746"/>
             <a:chExt cx="1587201" cy="739079"/>
@@ -16783,7 +16790,7 @@
         </p:nvSpPr>
         <p:spPr>
           <a:xfrm>
-            <a:off x="2142853" y="8077132"/>
+            <a:off x="2142853" y="8143775"/>
             <a:ext cx="165567" cy="172758"/>
           </a:xfrm>
           <a:prstGeom prst="roundRect">
@@ -16912,7 +16919,7 @@
         </p:nvSpPr>
         <p:spPr>
           <a:xfrm>
-            <a:off x="7039392" y="7404082"/>
+            <a:off x="7039392" y="7470725"/>
             <a:ext cx="795637" cy="215444"/>
           </a:xfrm>
           <a:prstGeom prst="rect">
@@ -16990,7 +16997,7 @@
                 <a:latin typeface="Arial" panose="020B0604020202020204" pitchFamily="34" charset="0"/>
                 <a:cs typeface="Arial" panose="020B0604020202020204" pitchFamily="34" charset="0"/>
               </a:rPr>
-              <a:t>WebPKI.org/AR 20150928</a:t>
+              <a:t>WebPKI.org/AR 20150929</a:t>
             </a:r>
             <a:endParaRPr lang="en-US" sz="700" dirty="0">
               <a:latin typeface="Arial" panose="020B0604020202020204" pitchFamily="34" charset="0"/>

--- a/webpayment.resources/docs/webpay-account-2-account-direct-debit-statediagram.pptx
+++ b/webpayment.resources/docs/webpay-account-2-account-direct-debit-statediagram.pptx
@@ -13569,32 +13569,32 @@
               </a:rPr>
             </a:br>
             <a:r>
-              <a:rPr lang="en-US" sz="800" dirty="0">
+              <a:rPr lang="en-US" sz="800">
                 <a:latin typeface="Lucida Sans Unicode"/>
                 <a:cs typeface="Lucida Sans Unicode"/>
               </a:rPr>
               <a:t>∙</a:t>
             </a:r>
             <a:r>
-              <a:rPr lang="en-US" sz="800" i="1" dirty="0">
+              <a:rPr lang="en-US" sz="800" i="1">
                 <a:latin typeface="Lucida Sans Unicode"/>
                 <a:cs typeface="Lucida Sans Unicode"/>
               </a:rPr>
               <a:t> </a:t>
             </a:r>
             <a:r>
-              <a:rPr lang="en-US" sz="800" i="1" dirty="0" err="1" smtClean="0">
+              <a:rPr lang="en-US" sz="800" i="1" smtClean="0">
                 <a:latin typeface="Arial" panose="020B0604020202020204" pitchFamily="34" charset="0"/>
                 <a:cs typeface="Arial" panose="020B0604020202020204" pitchFamily="34" charset="0"/>
               </a:rPr>
-              <a:t>Hooki</a:t>
+              <a:t>Hook </a:t>
             </a:r>
             <a:r>
               <a:rPr lang="en-US" sz="800" i="1" dirty="0" smtClean="0">
                 <a:latin typeface="Arial" panose="020B0604020202020204" pitchFamily="34" charset="0"/>
                 <a:cs typeface="Arial" panose="020B0604020202020204" pitchFamily="34" charset="0"/>
               </a:rPr>
-              <a:t> into the local bank</a:t>
+              <a:t>into the local bank</a:t>
             </a:r>
             <a:br>
               <a:rPr lang="en-US" sz="800" i="1" dirty="0" smtClean="0">

--- a/webpayment.resources/docs/webpay-account-2-account-direct-debit-statediagram.pptx
+++ b/webpayment.resources/docs/webpay-account-2-account-direct-debit-statediagram.pptx
@@ -10,7 +10,7 @@
   <p:sldIdLst>
     <p:sldId id="256" r:id="rId2"/>
   </p:sldIdLst>
-  <p:sldSz cx="9134475" cy="12349163"/>
+  <p:sldSz cx="9134475" cy="13069888"/>
   <p:notesSz cx="6858000" cy="9144000"/>
   <p:defaultTextStyle>
     <a:defPPr>
@@ -210,8 +210,8 @@
         </p:nvSpPr>
         <p:spPr>
           <a:xfrm>
-            <a:off x="2160588" y="685800"/>
-            <a:ext cx="2536825" cy="3429000"/>
+            <a:off x="2230438" y="685800"/>
+            <a:ext cx="2397125" cy="3429000"/>
           </a:xfrm>
           <a:prstGeom prst="rect">
             <a:avLst/>
@@ -489,8 +489,8 @@
         </p:nvSpPr>
         <p:spPr>
           <a:xfrm>
-            <a:off x="2160588" y="685800"/>
-            <a:ext cx="2536825" cy="3429000"/>
+            <a:off x="2230438" y="685800"/>
+            <a:ext cx="2397125" cy="3429000"/>
           </a:xfrm>
         </p:spPr>
       </p:sp>
@@ -898,14 +898,14 @@
       </p:grpSpPr>
       <p:cxnSp>
         <p:nvCxnSpPr>
-          <p:cNvPr id="310" name="Straight Connector 309"/>
+          <p:cNvPr id="116" name="Straight Connector 115"/>
           <p:cNvCxnSpPr/>
           <p:nvPr/>
         </p:nvCxnSpPr>
         <p:spPr>
           <a:xfrm>
             <a:off x="472023" y="906290"/>
-            <a:ext cx="0" cy="11124000"/>
+            <a:ext cx="0" cy="11700000"/>
           </a:xfrm>
           <a:prstGeom prst="line">
             <a:avLst/>
@@ -929,9 +929,9 @@
       </p:cxnSp>
       <p:cxnSp>
         <p:nvCxnSpPr>
-          <p:cNvPr id="264" name="Straight Connector 263"/>
+          <p:cNvPr id="118" name="Straight Connector 117"/>
           <p:cNvCxnSpPr>
-            <a:stCxn id="372" idx="2"/>
+            <a:stCxn id="223" idx="2"/>
           </p:cNvCxnSpPr>
           <p:nvPr/>
         </p:nvCxnSpPr>
@@ -967,14 +967,14 @@
       </p:cxnSp>
       <p:cxnSp>
         <p:nvCxnSpPr>
-          <p:cNvPr id="265" name="Straight Connector 264"/>
+          <p:cNvPr id="119" name="Straight Connector 118"/>
           <p:cNvCxnSpPr/>
           <p:nvPr/>
         </p:nvCxnSpPr>
         <p:spPr>
           <a:xfrm>
             <a:off x="4167256" y="1668062"/>
-            <a:ext cx="0" cy="9612000"/>
+            <a:ext cx="0" cy="10224000"/>
           </a:xfrm>
           <a:prstGeom prst="line">
             <a:avLst/>
@@ -998,13 +998,13 @@
       </p:cxnSp>
       <p:cxnSp>
         <p:nvCxnSpPr>
-          <p:cNvPr id="266" name="Straight Arrow Connector 265"/>
+          <p:cNvPr id="120" name="Straight Arrow Connector 119"/>
           <p:cNvCxnSpPr/>
           <p:nvPr/>
         </p:nvCxnSpPr>
         <p:spPr>
           <a:xfrm flipH="1">
-            <a:off x="2479005" y="10782813"/>
+            <a:off x="2479005" y="11340152"/>
             <a:ext cx="4680000" cy="0"/>
           </a:xfrm>
           <a:prstGeom prst="straightConnector1">
@@ -1034,14 +1034,14 @@
       </p:cxnSp>
       <p:cxnSp>
         <p:nvCxnSpPr>
-          <p:cNvPr id="267" name="Straight Connector 266"/>
+          <p:cNvPr id="121" name="Straight Connector 120"/>
           <p:cNvCxnSpPr/>
           <p:nvPr/>
         </p:nvCxnSpPr>
         <p:spPr>
           <a:xfrm flipH="1">
             <a:off x="2449959" y="846036"/>
-            <a:ext cx="2428" cy="11160000"/>
+            <a:ext cx="2428" cy="11772000"/>
           </a:xfrm>
           <a:prstGeom prst="line">
             <a:avLst/>
@@ -1065,7 +1065,7 @@
       </p:cxnSp>
       <p:sp>
         <p:nvSpPr>
-          <p:cNvPr id="268" name="TextBox 267"/>
+          <p:cNvPr id="122" name="TextBox 121"/>
           <p:cNvSpPr txBox="1"/>
           <p:nvPr/>
         </p:nvSpPr>
@@ -1108,7 +1108,7 @@
       </p:sp>
       <p:cxnSp>
         <p:nvCxnSpPr>
-          <p:cNvPr id="269" name="Straight Connector 268"/>
+          <p:cNvPr id="123" name="Straight Connector 122"/>
           <p:cNvCxnSpPr/>
           <p:nvPr/>
         </p:nvCxnSpPr>
@@ -1145,7 +1145,7 @@
       </p:cxnSp>
       <p:cxnSp>
         <p:nvCxnSpPr>
-          <p:cNvPr id="270" name="Straight Arrow Connector 269"/>
+          <p:cNvPr id="124" name="Straight Arrow Connector 123"/>
           <p:cNvCxnSpPr/>
           <p:nvPr/>
         </p:nvCxnSpPr>
@@ -1182,7 +1182,7 @@
       </p:cxnSp>
       <p:cxnSp>
         <p:nvCxnSpPr>
-          <p:cNvPr id="271" name="Straight Arrow Connector 270"/>
+          <p:cNvPr id="125" name="Straight Arrow Connector 124"/>
           <p:cNvCxnSpPr/>
           <p:nvPr/>
         </p:nvCxnSpPr>
@@ -1219,7 +1219,7 @@
       </p:cxnSp>
       <p:sp>
         <p:nvSpPr>
-          <p:cNvPr id="272" name="Freeform 271"/>
+          <p:cNvPr id="126" name="Freeform 125"/>
           <p:cNvSpPr/>
           <p:nvPr/>
         </p:nvSpPr>
@@ -11681,13 +11681,13 @@
       </p:sp>
       <p:cxnSp>
         <p:nvCxnSpPr>
-          <p:cNvPr id="273" name="Straight Arrow Connector 272"/>
+          <p:cNvPr id="127" name="Straight Arrow Connector 126"/>
           <p:cNvCxnSpPr/>
           <p:nvPr/>
         </p:nvCxnSpPr>
         <p:spPr>
           <a:xfrm>
-            <a:off x="1328880" y="11300919"/>
+            <a:off x="1328880" y="11858258"/>
             <a:ext cx="1131700" cy="216"/>
           </a:xfrm>
           <a:prstGeom prst="straightConnector1">
@@ -11718,7 +11718,7 @@
       </p:cxnSp>
       <p:cxnSp>
         <p:nvCxnSpPr>
-          <p:cNvPr id="274" name="Straight Arrow Connector 273"/>
+          <p:cNvPr id="128" name="Straight Arrow Connector 127"/>
           <p:cNvCxnSpPr/>
           <p:nvPr/>
         </p:nvCxnSpPr>
@@ -11754,7 +11754,7 @@
       </p:cxnSp>
       <p:sp>
         <p:nvSpPr>
-          <p:cNvPr id="275" name="Freeform 274"/>
+          <p:cNvPr id="129" name="Freeform 128"/>
           <p:cNvSpPr/>
           <p:nvPr/>
         </p:nvSpPr>
@@ -11958,7 +11958,7 @@
       </p:sp>
       <p:cxnSp>
         <p:nvCxnSpPr>
-          <p:cNvPr id="276" name="Straight Arrow Connector 275"/>
+          <p:cNvPr id="130" name="Straight Arrow Connector 129"/>
           <p:cNvCxnSpPr/>
           <p:nvPr/>
         </p:nvCxnSpPr>
@@ -11994,7 +11994,7 @@
       </p:cxnSp>
       <p:cxnSp>
         <p:nvCxnSpPr>
-          <p:cNvPr id="277" name="Straight Arrow Connector 276"/>
+          <p:cNvPr id="131" name="Straight Arrow Connector 130"/>
           <p:cNvCxnSpPr/>
           <p:nvPr/>
         </p:nvCxnSpPr>
@@ -12030,7 +12030,7 @@
       </p:cxnSp>
       <p:grpSp>
         <p:nvGrpSpPr>
-          <p:cNvPr id="278" name="Group 277"/>
+          <p:cNvPr id="132" name="Group 131"/>
           <p:cNvGrpSpPr/>
           <p:nvPr/>
         </p:nvGrpSpPr>
@@ -12044,7 +12044,7 @@
         </p:grpSpPr>
         <p:sp>
           <p:nvSpPr>
-            <p:cNvPr id="279" name="Oval 278"/>
+            <p:cNvPr id="133" name="Oval 132"/>
             <p:cNvSpPr/>
             <p:nvPr/>
           </p:nvSpPr>
@@ -12090,9 +12090,9 @@
         </p:sp>
         <p:cxnSp>
           <p:nvCxnSpPr>
-            <p:cNvPr id="280" name="Straight Connector 279"/>
+            <p:cNvPr id="134" name="Straight Connector 133"/>
             <p:cNvCxnSpPr>
-              <a:stCxn id="279" idx="4"/>
+              <a:stCxn id="133" idx="4"/>
             </p:cNvCxnSpPr>
             <p:nvPr/>
           </p:nvCxnSpPr>
@@ -12127,7 +12127,7 @@
         </p:cxnSp>
         <p:cxnSp>
           <p:nvCxnSpPr>
-            <p:cNvPr id="281" name="Straight Connector 280"/>
+            <p:cNvPr id="135" name="Straight Connector 134"/>
             <p:cNvCxnSpPr/>
             <p:nvPr/>
           </p:nvCxnSpPr>
@@ -12162,7 +12162,7 @@
         </p:cxnSp>
         <p:cxnSp>
           <p:nvCxnSpPr>
-            <p:cNvPr id="282" name="Straight Connector 281"/>
+            <p:cNvPr id="136" name="Straight Connector 135"/>
             <p:cNvCxnSpPr/>
             <p:nvPr/>
           </p:nvCxnSpPr>
@@ -12197,7 +12197,7 @@
         </p:cxnSp>
         <p:cxnSp>
           <p:nvCxnSpPr>
-            <p:cNvPr id="283" name="Straight Connector 282"/>
+            <p:cNvPr id="137" name="Straight Connector 136"/>
             <p:cNvCxnSpPr/>
             <p:nvPr/>
           </p:nvCxnSpPr>
@@ -12232,7 +12232,7 @@
         </p:cxnSp>
         <p:cxnSp>
           <p:nvCxnSpPr>
-            <p:cNvPr id="284" name="Straight Connector 283"/>
+            <p:cNvPr id="138" name="Straight Connector 137"/>
             <p:cNvCxnSpPr/>
             <p:nvPr/>
           </p:nvCxnSpPr>
@@ -12268,14 +12268,14 @@
       </p:grpSp>
       <p:cxnSp>
         <p:nvCxnSpPr>
-          <p:cNvPr id="285" name="Straight Connector 284"/>
+          <p:cNvPr id="139" name="Straight Connector 138"/>
           <p:cNvCxnSpPr/>
           <p:nvPr/>
         </p:nvCxnSpPr>
         <p:spPr>
           <a:xfrm>
             <a:off x="1308578" y="846036"/>
-            <a:ext cx="567" cy="11160000"/>
+            <a:ext cx="567" cy="11772000"/>
           </a:xfrm>
           <a:prstGeom prst="line">
             <a:avLst/>
@@ -12299,14 +12299,14 @@
       </p:cxnSp>
       <p:cxnSp>
         <p:nvCxnSpPr>
-          <p:cNvPr id="286" name="Straight Connector 285"/>
+          <p:cNvPr id="140" name="Straight Connector 139"/>
           <p:cNvCxnSpPr/>
           <p:nvPr/>
         </p:nvCxnSpPr>
         <p:spPr>
           <a:xfrm>
             <a:off x="7909302" y="846037"/>
-            <a:ext cx="6302" cy="11160000"/>
+            <a:ext cx="6302" cy="11772000"/>
           </a:xfrm>
           <a:prstGeom prst="line">
             <a:avLst/>
@@ -12330,7 +12330,7 @@
       </p:cxnSp>
       <p:sp>
         <p:nvSpPr>
-          <p:cNvPr id="287" name="Rounded Rectangle 286"/>
+          <p:cNvPr id="141" name="Rounded Rectangle 140"/>
           <p:cNvSpPr/>
           <p:nvPr/>
         </p:nvSpPr>
@@ -12436,7 +12436,7 @@
       </p:sp>
       <p:sp>
         <p:nvSpPr>
-          <p:cNvPr id="288" name="Rounded Rectangle 287"/>
+          <p:cNvPr id="142" name="Rounded Rectangle 141"/>
           <p:cNvSpPr/>
           <p:nvPr/>
         </p:nvSpPr>
@@ -12538,7 +12538,7 @@
       </p:sp>
       <p:cxnSp>
         <p:nvCxnSpPr>
-          <p:cNvPr id="289" name="Straight Arrow Connector 288"/>
+          <p:cNvPr id="143" name="Straight Arrow Connector 142"/>
           <p:cNvCxnSpPr/>
           <p:nvPr/>
         </p:nvCxnSpPr>
@@ -12574,7 +12574,7 @@
       </p:cxnSp>
       <p:sp>
         <p:nvSpPr>
-          <p:cNvPr id="290" name="TextBox 289"/>
+          <p:cNvPr id="144" name="TextBox 143"/>
           <p:cNvSpPr txBox="1"/>
           <p:nvPr/>
         </p:nvSpPr>
@@ -12611,7 +12611,7 @@
       </p:sp>
       <p:sp>
         <p:nvSpPr>
-          <p:cNvPr id="291" name="TextBox 290"/>
+          <p:cNvPr id="145" name="TextBox 144"/>
           <p:cNvSpPr txBox="1"/>
           <p:nvPr/>
         </p:nvSpPr>
@@ -12656,7 +12656,7 @@
       </p:sp>
       <p:cxnSp>
         <p:nvCxnSpPr>
-          <p:cNvPr id="292" name="Straight Arrow Connector 291"/>
+          <p:cNvPr id="146" name="Straight Arrow Connector 145"/>
           <p:cNvCxnSpPr/>
           <p:nvPr/>
         </p:nvCxnSpPr>
@@ -12692,7 +12692,7 @@
       </p:cxnSp>
       <p:sp>
         <p:nvSpPr>
-          <p:cNvPr id="293" name="TextBox 292"/>
+          <p:cNvPr id="147" name="TextBox 146"/>
           <p:cNvSpPr txBox="1"/>
           <p:nvPr/>
         </p:nvSpPr>
@@ -12731,7 +12731,7 @@
       </p:sp>
       <p:sp>
         <p:nvSpPr>
-          <p:cNvPr id="294" name="Rectangle 293"/>
+          <p:cNvPr id="148" name="Rectangle 147"/>
           <p:cNvSpPr/>
           <p:nvPr/>
         </p:nvSpPr>
@@ -12788,7 +12788,7 @@
       </p:sp>
       <p:sp>
         <p:nvSpPr>
-          <p:cNvPr id="295" name="TextBox 294"/>
+          <p:cNvPr id="149" name="TextBox 148"/>
           <p:cNvSpPr txBox="1"/>
           <p:nvPr/>
         </p:nvSpPr>
@@ -12851,7 +12851,7 @@
       </p:sp>
       <p:grpSp>
         <p:nvGrpSpPr>
-          <p:cNvPr id="296" name="Group 295"/>
+          <p:cNvPr id="150" name="Group 149"/>
           <p:cNvGrpSpPr/>
           <p:nvPr/>
         </p:nvGrpSpPr>
@@ -12865,7 +12865,7 @@
         </p:grpSpPr>
         <p:sp>
           <p:nvSpPr>
-            <p:cNvPr id="297" name="Rectangle 296"/>
+            <p:cNvPr id="151" name="Rectangle 150"/>
             <p:cNvSpPr/>
             <p:nvPr/>
           </p:nvSpPr>
@@ -12912,7 +12912,7 @@
         </p:sp>
         <p:sp>
           <p:nvSpPr>
-            <p:cNvPr id="298" name="TextBox 297"/>
+            <p:cNvPr id="152" name="TextBox 151"/>
             <p:cNvSpPr txBox="1"/>
             <p:nvPr/>
           </p:nvSpPr>
@@ -13038,7 +13038,7 @@
       </p:grpSp>
       <p:cxnSp>
         <p:nvCxnSpPr>
-          <p:cNvPr id="299" name="Straight Arrow Connector 298"/>
+          <p:cNvPr id="153" name="Straight Arrow Connector 152"/>
           <p:cNvCxnSpPr/>
           <p:nvPr/>
         </p:nvCxnSpPr>
@@ -13075,7 +13075,7 @@
       </p:cxnSp>
       <p:sp>
         <p:nvSpPr>
-          <p:cNvPr id="300" name="TextBox 299"/>
+          <p:cNvPr id="154" name="TextBox 153"/>
           <p:cNvSpPr txBox="1"/>
           <p:nvPr/>
         </p:nvSpPr>
@@ -13112,7 +13112,7 @@
       </p:sp>
       <p:sp>
         <p:nvSpPr>
-          <p:cNvPr id="301" name="TextBox 300"/>
+          <p:cNvPr id="155" name="TextBox 154"/>
           <p:cNvSpPr txBox="1"/>
           <p:nvPr/>
         </p:nvSpPr>
@@ -13149,7 +13149,7 @@
       </p:sp>
       <p:sp>
         <p:nvSpPr>
-          <p:cNvPr id="302" name="TextBox 301"/>
+          <p:cNvPr id="156" name="TextBox 155"/>
           <p:cNvSpPr txBox="1"/>
           <p:nvPr/>
         </p:nvSpPr>
@@ -13200,7 +13200,7 @@
       </p:sp>
       <p:sp>
         <p:nvSpPr>
-          <p:cNvPr id="303" name="Rectangle 302"/>
+          <p:cNvPr id="157" name="Rectangle 156"/>
           <p:cNvSpPr/>
           <p:nvPr/>
         </p:nvSpPr>
@@ -13257,7 +13257,7 @@
       </p:sp>
       <p:sp>
         <p:nvSpPr>
-          <p:cNvPr id="304" name="TextBox 303"/>
+          <p:cNvPr id="158" name="TextBox 157"/>
           <p:cNvSpPr txBox="1"/>
           <p:nvPr/>
         </p:nvSpPr>
@@ -13331,13 +13331,13 @@
       </p:sp>
       <p:cxnSp>
         <p:nvCxnSpPr>
-          <p:cNvPr id="305" name="Straight Arrow Connector 304"/>
+          <p:cNvPr id="159" name="Straight Arrow Connector 158"/>
           <p:cNvCxnSpPr/>
           <p:nvPr/>
         </p:nvCxnSpPr>
         <p:spPr>
           <a:xfrm flipH="1">
-            <a:off x="2470206" y="8214593"/>
+            <a:off x="2470206" y="8632120"/>
             <a:ext cx="4629083" cy="0"/>
           </a:xfrm>
           <a:prstGeom prst="straightConnector1">
@@ -13367,7 +13367,7 @@
       </p:cxnSp>
       <p:sp>
         <p:nvSpPr>
-          <p:cNvPr id="306" name="TextBox 305"/>
+          <p:cNvPr id="160" name="TextBox 159"/>
           <p:cNvSpPr txBox="1"/>
           <p:nvPr/>
         </p:nvSpPr>
@@ -13404,13 +13404,13 @@
       </p:sp>
       <p:sp>
         <p:nvSpPr>
-          <p:cNvPr id="307" name="TextBox 306"/>
+          <p:cNvPr id="161" name="TextBox 160"/>
           <p:cNvSpPr txBox="1"/>
           <p:nvPr/>
         </p:nvSpPr>
         <p:spPr>
           <a:xfrm>
-            <a:off x="1356728" y="11099543"/>
+            <a:off x="1356728" y="11656882"/>
             <a:ext cx="1043876" cy="195814"/>
           </a:xfrm>
           <a:prstGeom prst="rect">
@@ -13441,13 +13441,13 @@
       </p:sp>
       <p:sp>
         <p:nvSpPr>
-          <p:cNvPr id="308" name="TextBox 307"/>
+          <p:cNvPr id="162" name="TextBox 161"/>
           <p:cNvSpPr txBox="1"/>
           <p:nvPr/>
         </p:nvSpPr>
         <p:spPr>
           <a:xfrm>
-            <a:off x="2964437" y="8028501"/>
+            <a:off x="2964437" y="8445669"/>
             <a:ext cx="611312" cy="153888"/>
           </a:xfrm>
           <a:prstGeom prst="rect">
@@ -13491,13 +13491,13 @@
       </p:sp>
       <p:sp>
         <p:nvSpPr>
-          <p:cNvPr id="309" name="TextBox 308"/>
+          <p:cNvPr id="163" name="TextBox 162"/>
           <p:cNvSpPr txBox="1"/>
           <p:nvPr/>
         </p:nvSpPr>
         <p:spPr>
           <a:xfrm>
-            <a:off x="7111400" y="9229424"/>
+            <a:off x="7111400" y="9786763"/>
             <a:ext cx="1632301" cy="550962"/>
           </a:xfrm>
           <a:prstGeom prst="snip2DiagRect">
@@ -13625,14 +13625,14 @@
       </p:sp>
       <p:cxnSp>
         <p:nvCxnSpPr>
-          <p:cNvPr id="311" name="Straight Arrow Connector 310"/>
+          <p:cNvPr id="164" name="Straight Arrow Connector 163"/>
           <p:cNvCxnSpPr/>
           <p:nvPr/>
         </p:nvCxnSpPr>
         <p:spPr>
           <a:xfrm>
             <a:off x="2462126" y="7950759"/>
-            <a:ext cx="4620628" cy="0"/>
+            <a:ext cx="5425200" cy="0"/>
           </a:xfrm>
           <a:prstGeom prst="straightConnector1">
             <a:avLst/>
@@ -13661,7 +13661,7 @@
       </p:cxnSp>
       <p:sp>
         <p:nvSpPr>
-          <p:cNvPr id="312" name="TextBox 311"/>
+          <p:cNvPr id="165" name="TextBox 164"/>
           <p:cNvSpPr txBox="1"/>
           <p:nvPr/>
         </p:nvSpPr>
@@ -13704,7 +13704,7 @@
       </p:sp>
       <p:sp>
         <p:nvSpPr>
-          <p:cNvPr id="313" name="TextBox 312"/>
+          <p:cNvPr id="166" name="TextBox 165"/>
           <p:cNvSpPr txBox="1"/>
           <p:nvPr/>
         </p:nvSpPr>
@@ -13745,7 +13745,7 @@
       </p:sp>
       <p:sp>
         <p:nvSpPr>
-          <p:cNvPr id="314" name="TextBox 313"/>
+          <p:cNvPr id="167" name="TextBox 166"/>
           <p:cNvSpPr txBox="1"/>
           <p:nvPr/>
         </p:nvSpPr>
@@ -13787,7 +13787,7 @@
       </p:sp>
       <p:sp>
         <p:nvSpPr>
-          <p:cNvPr id="315" name="Oval 314"/>
+          <p:cNvPr id="168" name="Oval 167"/>
           <p:cNvSpPr/>
           <p:nvPr/>
         </p:nvSpPr>
@@ -13831,7 +13831,7 @@
       </p:sp>
       <p:sp>
         <p:nvSpPr>
-          <p:cNvPr id="316" name="TextBox 315"/>
+          <p:cNvPr id="169" name="TextBox 168"/>
           <p:cNvSpPr txBox="1"/>
           <p:nvPr/>
         </p:nvSpPr>
@@ -13868,7 +13868,7 @@
       </p:sp>
       <p:grpSp>
         <p:nvGrpSpPr>
-          <p:cNvPr id="317" name="Group 316"/>
+          <p:cNvPr id="170" name="Group 169"/>
           <p:cNvGrpSpPr/>
           <p:nvPr/>
         </p:nvGrpSpPr>
@@ -13882,7 +13882,7 @@
         </p:grpSpPr>
         <p:sp>
           <p:nvSpPr>
-            <p:cNvPr id="318" name="Rectangle 317"/>
+            <p:cNvPr id="171" name="Rectangle 170"/>
             <p:cNvSpPr/>
             <p:nvPr/>
           </p:nvSpPr>
@@ -13931,7 +13931,7 @@
         </p:sp>
         <p:sp>
           <p:nvSpPr>
-            <p:cNvPr id="319" name="TextBox 318"/>
+            <p:cNvPr id="172" name="TextBox 171"/>
             <p:cNvSpPr txBox="1"/>
             <p:nvPr/>
           </p:nvSpPr>
@@ -13967,7 +13967,7 @@
         </p:sp>
         <p:sp>
           <p:nvSpPr>
-            <p:cNvPr id="320" name="TextBox 319"/>
+            <p:cNvPr id="173" name="TextBox 172"/>
             <p:cNvSpPr txBox="1"/>
             <p:nvPr/>
           </p:nvSpPr>
@@ -14004,7 +14004,7 @@
         </p:sp>
         <p:sp>
           <p:nvSpPr>
-            <p:cNvPr id="321" name="TextBox 320"/>
+            <p:cNvPr id="174" name="TextBox 173"/>
             <p:cNvSpPr txBox="1"/>
             <p:nvPr/>
           </p:nvSpPr>
@@ -14040,7 +14040,7 @@
         </p:sp>
         <p:cxnSp>
           <p:nvCxnSpPr>
-            <p:cNvPr id="322" name="Straight Connector 321"/>
+            <p:cNvPr id="175" name="Straight Connector 174"/>
             <p:cNvCxnSpPr/>
             <p:nvPr/>
           </p:nvCxnSpPr>
@@ -14077,7 +14077,7 @@
       </p:grpSp>
       <p:sp>
         <p:nvSpPr>
-          <p:cNvPr id="323" name="TextBox 322"/>
+          <p:cNvPr id="176" name="TextBox 175"/>
           <p:cNvSpPr txBox="1"/>
           <p:nvPr/>
         </p:nvSpPr>
@@ -14144,7 +14144,7 @@
       </p:sp>
       <p:sp>
         <p:nvSpPr>
-          <p:cNvPr id="324" name="Oval 323"/>
+          <p:cNvPr id="177" name="Oval 176"/>
           <p:cNvSpPr/>
           <p:nvPr/>
         </p:nvSpPr>
@@ -14190,7 +14190,7 @@
       </p:sp>
       <p:sp>
         <p:nvSpPr>
-          <p:cNvPr id="325" name="TextBox 324"/>
+          <p:cNvPr id="178" name="TextBox 177"/>
           <p:cNvSpPr txBox="1"/>
           <p:nvPr/>
         </p:nvSpPr>
@@ -14262,7 +14262,7 @@
       </p:sp>
       <p:sp>
         <p:nvSpPr>
-          <p:cNvPr id="326" name="TextBox 325"/>
+          <p:cNvPr id="179" name="TextBox 178"/>
           <p:cNvSpPr txBox="1"/>
           <p:nvPr/>
         </p:nvSpPr>
@@ -14294,7 +14294,7 @@
       </p:sp>
       <p:sp>
         <p:nvSpPr>
-          <p:cNvPr id="327" name="Rounded Rectangle 326"/>
+          <p:cNvPr id="180" name="Rounded Rectangle 179"/>
           <p:cNvSpPr/>
           <p:nvPr/>
         </p:nvSpPr>
@@ -14397,7 +14397,7 @@
       </p:sp>
       <p:sp>
         <p:nvSpPr>
-          <p:cNvPr id="328" name="TextBox 327"/>
+          <p:cNvPr id="181" name="TextBox 180"/>
           <p:cNvSpPr txBox="1"/>
           <p:nvPr/>
         </p:nvSpPr>
@@ -14441,7 +14441,7 @@
       </p:sp>
       <p:sp>
         <p:nvSpPr>
-          <p:cNvPr id="329" name="Rounded Rectangle 328"/>
+          <p:cNvPr id="182" name="Rounded Rectangle 181"/>
           <p:cNvSpPr/>
           <p:nvPr/>
         </p:nvSpPr>
@@ -14528,7 +14528,7 @@
       </p:sp>
       <p:sp>
         <p:nvSpPr>
-          <p:cNvPr id="330" name="Rounded Rectangle 329"/>
+          <p:cNvPr id="183" name="Rounded Rectangle 182"/>
           <p:cNvSpPr/>
           <p:nvPr/>
         </p:nvSpPr>
@@ -14594,7 +14594,7 @@
       </p:sp>
       <p:sp>
         <p:nvSpPr>
-          <p:cNvPr id="331" name="Rounded Rectangle 330"/>
+          <p:cNvPr id="184" name="Rounded Rectangle 183"/>
           <p:cNvSpPr/>
           <p:nvPr/>
         </p:nvSpPr>
@@ -14660,7 +14660,7 @@
       </p:sp>
       <p:sp>
         <p:nvSpPr>
-          <p:cNvPr id="332" name="Rounded Rectangle 331"/>
+          <p:cNvPr id="185" name="Rounded Rectangle 184"/>
           <p:cNvSpPr/>
           <p:nvPr/>
         </p:nvSpPr>
@@ -14747,7 +14747,7 @@
       </p:sp>
       <p:sp>
         <p:nvSpPr>
-          <p:cNvPr id="333" name="Rectangle 332"/>
+          <p:cNvPr id="186" name="Rectangle 185"/>
           <p:cNvSpPr/>
           <p:nvPr/>
         </p:nvSpPr>
@@ -14804,7 +14804,7 @@
       </p:sp>
       <p:sp>
         <p:nvSpPr>
-          <p:cNvPr id="334" name="TextBox 333"/>
+          <p:cNvPr id="187" name="TextBox 186"/>
           <p:cNvSpPr txBox="1"/>
           <p:nvPr/>
         </p:nvSpPr>
@@ -14846,7 +14846,7 @@
       </p:sp>
       <p:sp>
         <p:nvSpPr>
-          <p:cNvPr id="336" name="Rounded Rectangle 335"/>
+          <p:cNvPr id="188" name="Rounded Rectangle 187"/>
           <p:cNvSpPr/>
           <p:nvPr/>
         </p:nvSpPr>
@@ -14912,13 +14912,13 @@
       </p:sp>
       <p:cxnSp>
         <p:nvCxnSpPr>
-          <p:cNvPr id="337" name="Straight Connector 336"/>
+          <p:cNvPr id="189" name="Straight Connector 188"/>
           <p:cNvCxnSpPr/>
           <p:nvPr/>
         </p:nvCxnSpPr>
         <p:spPr>
           <a:xfrm flipV="1">
-            <a:off x="2459903" y="11300288"/>
+            <a:off x="2459903" y="11857627"/>
             <a:ext cx="1690332" cy="756"/>
           </a:xfrm>
           <a:prstGeom prst="line">
@@ -14949,13 +14949,13 @@
       </p:cxnSp>
       <p:sp>
         <p:nvSpPr>
-          <p:cNvPr id="338" name="Oval 337"/>
+          <p:cNvPr id="190" name="Oval 189"/>
           <p:cNvSpPr/>
           <p:nvPr/>
         </p:nvSpPr>
         <p:spPr>
           <a:xfrm>
-            <a:off x="4124593" y="11255854"/>
+            <a:off x="4124593" y="11813193"/>
             <a:ext cx="85326" cy="90380"/>
           </a:xfrm>
           <a:prstGeom prst="ellipse">
@@ -14993,13 +14993,13 @@
       </p:sp>
       <p:sp>
         <p:nvSpPr>
-          <p:cNvPr id="339" name="TextBox 338"/>
+          <p:cNvPr id="191" name="TextBox 190"/>
           <p:cNvSpPr txBox="1"/>
           <p:nvPr/>
         </p:nvSpPr>
         <p:spPr>
           <a:xfrm>
-            <a:off x="2665429" y="11140035"/>
+            <a:off x="2665429" y="11697374"/>
             <a:ext cx="1324080" cy="123111"/>
           </a:xfrm>
           <a:prstGeom prst="rect">
@@ -15029,13 +15029,13 @@
       </p:sp>
       <p:sp>
         <p:nvSpPr>
-          <p:cNvPr id="340" name="TextBox 339"/>
+          <p:cNvPr id="192" name="TextBox 191"/>
           <p:cNvSpPr txBox="1"/>
           <p:nvPr/>
         </p:nvSpPr>
         <p:spPr>
           <a:xfrm>
-            <a:off x="5323321" y="8143580"/>
+            <a:off x="5323321" y="8561107"/>
             <a:ext cx="834130" cy="123111"/>
           </a:xfrm>
           <a:prstGeom prst="rect">
@@ -15073,7 +15073,7 @@
       </p:sp>
       <p:sp>
         <p:nvSpPr>
-          <p:cNvPr id="341" name="TextBox 340"/>
+          <p:cNvPr id="193" name="TextBox 192"/>
           <p:cNvSpPr txBox="1"/>
           <p:nvPr/>
         </p:nvSpPr>
@@ -15117,7 +15117,7 @@
       </p:sp>
       <p:pic>
         <p:nvPicPr>
-          <p:cNvPr id="342" name="Picture 341"/>
+          <p:cNvPr id="194" name="Picture 193"/>
           <p:cNvPicPr>
             <a:picLocks noChangeAspect="1"/>
           </p:cNvPicPr>
@@ -15154,7 +15154,7 @@
       </p:pic>
       <p:grpSp>
         <p:nvGrpSpPr>
-          <p:cNvPr id="343" name="Group 342"/>
+          <p:cNvPr id="195" name="Group 194"/>
           <p:cNvGrpSpPr/>
           <p:nvPr/>
         </p:nvGrpSpPr>
@@ -15168,7 +15168,7 @@
         </p:grpSpPr>
         <p:sp>
           <p:nvSpPr>
-            <p:cNvPr id="344" name="Rectangle 343"/>
+            <p:cNvPr id="196" name="Rectangle 195"/>
             <p:cNvSpPr/>
             <p:nvPr/>
           </p:nvSpPr>
@@ -15225,7 +15225,7 @@
         </p:sp>
         <p:sp>
           <p:nvSpPr>
-            <p:cNvPr id="345" name="TextBox 344"/>
+            <p:cNvPr id="197" name="TextBox 196"/>
             <p:cNvSpPr txBox="1"/>
             <p:nvPr/>
           </p:nvSpPr>
@@ -15312,7 +15312,7 @@
         </p:sp>
         <p:sp>
           <p:nvSpPr>
-            <p:cNvPr id="346" name="TextBox 345"/>
+            <p:cNvPr id="198" name="TextBox 197"/>
             <p:cNvSpPr txBox="1"/>
             <p:nvPr/>
           </p:nvSpPr>
@@ -15362,7 +15362,7 @@
         </p:sp>
         <p:grpSp>
           <p:nvGrpSpPr>
-            <p:cNvPr id="347" name="Group 346"/>
+            <p:cNvPr id="199" name="Group 198"/>
             <p:cNvGrpSpPr/>
             <p:nvPr/>
           </p:nvGrpSpPr>
@@ -15376,7 +15376,7 @@
           </p:grpSpPr>
           <p:sp>
             <p:nvSpPr>
-              <p:cNvPr id="348" name="Rectangle 347"/>
+              <p:cNvPr id="200" name="Rectangle 199"/>
               <p:cNvSpPr/>
               <p:nvPr/>
             </p:nvSpPr>
@@ -15423,7 +15423,7 @@
           </p:sp>
           <p:sp>
             <p:nvSpPr>
-              <p:cNvPr id="349" name="TextBox 348"/>
+              <p:cNvPr id="201" name="TextBox 200"/>
               <p:cNvSpPr txBox="1"/>
               <p:nvPr/>
             </p:nvSpPr>
@@ -15537,13 +15537,13 @@
       </p:grpSp>
       <p:grpSp>
         <p:nvGrpSpPr>
-          <p:cNvPr id="350" name="Group 349"/>
+          <p:cNvPr id="202" name="Group 201"/>
           <p:cNvGrpSpPr/>
           <p:nvPr/>
         </p:nvGrpSpPr>
         <p:grpSpPr>
           <a:xfrm>
-            <a:off x="7087517" y="7715736"/>
+            <a:off x="7087517" y="8273075"/>
             <a:ext cx="1587201" cy="739079"/>
             <a:chOff x="6871493" y="6953746"/>
             <a:chExt cx="1587201" cy="739079"/>
@@ -15551,7 +15551,7 @@
         </p:grpSpPr>
         <p:sp>
           <p:nvSpPr>
-            <p:cNvPr id="351" name="Rectangle 350"/>
+            <p:cNvPr id="203" name="Rectangle 202"/>
             <p:cNvSpPr/>
             <p:nvPr/>
           </p:nvSpPr>
@@ -15608,7 +15608,7 @@
         </p:sp>
         <p:sp>
           <p:nvSpPr>
-            <p:cNvPr id="352" name="TextBox 351"/>
+            <p:cNvPr id="204" name="TextBox 203"/>
             <p:cNvSpPr txBox="1"/>
             <p:nvPr/>
           </p:nvSpPr>
@@ -15720,13 +15720,13 @@
       </p:grpSp>
       <p:sp>
         <p:nvSpPr>
-          <p:cNvPr id="353" name="TextBox 352"/>
+          <p:cNvPr id="205" name="TextBox 204"/>
           <p:cNvSpPr txBox="1"/>
           <p:nvPr/>
         </p:nvSpPr>
         <p:spPr>
           <a:xfrm>
-            <a:off x="2639400" y="10596721"/>
+            <a:off x="2639400" y="11154060"/>
             <a:ext cx="1279765" cy="153888"/>
           </a:xfrm>
           <a:prstGeom prst="rect">
@@ -15763,13 +15763,13 @@
       </p:sp>
       <p:cxnSp>
         <p:nvCxnSpPr>
-          <p:cNvPr id="354" name="Straight Arrow Connector 353"/>
+          <p:cNvPr id="206" name="Straight Arrow Connector 205"/>
           <p:cNvCxnSpPr/>
           <p:nvPr/>
         </p:nvCxnSpPr>
         <p:spPr>
           <a:xfrm>
-            <a:off x="2925342" y="8836384"/>
+            <a:off x="2925342" y="9393723"/>
             <a:ext cx="4968000" cy="0"/>
           </a:xfrm>
           <a:prstGeom prst="straightConnector1">
@@ -15799,13 +15799,13 @@
       </p:cxnSp>
       <p:sp>
         <p:nvSpPr>
-          <p:cNvPr id="355" name="Rectangle 354"/>
+          <p:cNvPr id="207" name="Rectangle 206"/>
           <p:cNvSpPr/>
           <p:nvPr/>
         </p:nvSpPr>
         <p:spPr>
           <a:xfrm>
-            <a:off x="1807755" y="8599433"/>
+            <a:off x="1807755" y="9156772"/>
             <a:ext cx="1295512" cy="854129"/>
           </a:xfrm>
           <a:prstGeom prst="rect">
@@ -15853,13 +15853,13 @@
       </p:sp>
       <p:sp>
         <p:nvSpPr>
-          <p:cNvPr id="356" name="TextBox 355"/>
+          <p:cNvPr id="208" name="TextBox 207"/>
           <p:cNvSpPr txBox="1"/>
           <p:nvPr/>
         </p:nvSpPr>
         <p:spPr>
           <a:xfrm>
-            <a:off x="1821407" y="8608114"/>
+            <a:off x="1821407" y="9165453"/>
             <a:ext cx="1296144" cy="830997"/>
           </a:xfrm>
           <a:prstGeom prst="rect">
@@ -15980,13 +15980,13 @@
       </p:sp>
       <p:sp>
         <p:nvSpPr>
-          <p:cNvPr id="357" name="TextBox 356"/>
+          <p:cNvPr id="209" name="TextBox 208"/>
           <p:cNvSpPr txBox="1"/>
           <p:nvPr/>
         </p:nvSpPr>
         <p:spPr>
           <a:xfrm>
-            <a:off x="6584633" y="8588895"/>
+            <a:off x="6584633" y="9146234"/>
             <a:ext cx="1150956" cy="276999"/>
           </a:xfrm>
           <a:prstGeom prst="rect">
@@ -16029,13 +16029,13 @@
       </p:sp>
       <p:sp>
         <p:nvSpPr>
-          <p:cNvPr id="358" name="TextBox 357"/>
+          <p:cNvPr id="210" name="TextBox 209"/>
           <p:cNvSpPr txBox="1"/>
           <p:nvPr/>
         </p:nvSpPr>
         <p:spPr>
           <a:xfrm>
-            <a:off x="5323321" y="10714955"/>
+            <a:off x="5323321" y="11272294"/>
             <a:ext cx="834130" cy="123111"/>
           </a:xfrm>
           <a:prstGeom prst="rect">
@@ -16073,13 +16073,13 @@
       </p:sp>
       <p:sp>
         <p:nvSpPr>
-          <p:cNvPr id="359" name="TextBox 358"/>
+          <p:cNvPr id="211" name="TextBox 210"/>
           <p:cNvSpPr txBox="1"/>
           <p:nvPr/>
         </p:nvSpPr>
         <p:spPr>
           <a:xfrm>
-            <a:off x="5401067" y="8769117"/>
+            <a:off x="5401067" y="9326456"/>
             <a:ext cx="678638" cy="123111"/>
           </a:xfrm>
           <a:prstGeom prst="rect">
@@ -16117,13 +16117,13 @@
       </p:sp>
       <p:grpSp>
         <p:nvGrpSpPr>
-          <p:cNvPr id="3" name="Group 2"/>
+          <p:cNvPr id="212" name="Group 211"/>
           <p:cNvGrpSpPr/>
           <p:nvPr/>
         </p:nvGrpSpPr>
         <p:grpSpPr>
           <a:xfrm>
-            <a:off x="7154720" y="10135021"/>
+            <a:off x="7154720" y="10692360"/>
             <a:ext cx="1588981" cy="1672367"/>
             <a:chOff x="7154720" y="10200545"/>
             <a:chExt cx="1588981" cy="1672367"/>
@@ -16131,7 +16131,7 @@
         </p:grpSpPr>
         <p:sp>
           <p:nvSpPr>
-            <p:cNvPr id="361" name="Rectangle 360"/>
+            <p:cNvPr id="213" name="Rectangle 212"/>
             <p:cNvSpPr/>
             <p:nvPr/>
           </p:nvSpPr>
@@ -16188,7 +16188,7 @@
         </p:sp>
         <p:sp>
           <p:nvSpPr>
-            <p:cNvPr id="362" name="TextBox 361"/>
+            <p:cNvPr id="214" name="TextBox 213"/>
             <p:cNvSpPr txBox="1"/>
             <p:nvPr/>
           </p:nvSpPr>
@@ -16297,7 +16297,7 @@
         </p:sp>
         <p:sp>
           <p:nvSpPr>
-            <p:cNvPr id="363" name="TextBox 362"/>
+            <p:cNvPr id="215" name="TextBox 214"/>
             <p:cNvSpPr txBox="1"/>
             <p:nvPr/>
           </p:nvSpPr>
@@ -16347,7 +16347,7 @@
         </p:sp>
         <p:grpSp>
           <p:nvGrpSpPr>
-            <p:cNvPr id="364" name="Group 363"/>
+            <p:cNvPr id="216" name="Group 215"/>
             <p:cNvGrpSpPr/>
             <p:nvPr/>
           </p:nvGrpSpPr>
@@ -16361,7 +16361,7 @@
           </p:grpSpPr>
           <p:sp>
             <p:nvSpPr>
-              <p:cNvPr id="365" name="Rectangle 364"/>
+              <p:cNvPr id="217" name="Rectangle 216"/>
               <p:cNvSpPr/>
               <p:nvPr/>
             </p:nvSpPr>
@@ -16408,7 +16408,7 @@
           </p:sp>
           <p:sp>
             <p:nvSpPr>
-              <p:cNvPr id="366" name="TextBox 365"/>
+              <p:cNvPr id="218" name="TextBox 217"/>
               <p:cNvSpPr txBox="1"/>
               <p:nvPr/>
             </p:nvSpPr>
@@ -16522,7 +16522,7 @@
       </p:grpSp>
       <p:sp>
         <p:nvSpPr>
-          <p:cNvPr id="368" name="TextBox 367"/>
+          <p:cNvPr id="219" name="TextBox 218"/>
           <p:cNvSpPr txBox="1"/>
           <p:nvPr/>
         </p:nvSpPr>
@@ -16569,7 +16569,7 @@
       </p:sp>
       <p:sp>
         <p:nvSpPr>
-          <p:cNvPr id="369" name="TextBox 368"/>
+          <p:cNvPr id="220" name="TextBox 219"/>
           <p:cNvSpPr txBox="1"/>
           <p:nvPr/>
         </p:nvSpPr>
@@ -16612,7 +16612,7 @@
       </p:sp>
       <p:sp>
         <p:nvSpPr>
-          <p:cNvPr id="370" name="TextBox 369"/>
+          <p:cNvPr id="221" name="TextBox 220"/>
           <p:cNvSpPr txBox="1"/>
           <p:nvPr/>
         </p:nvSpPr>
@@ -16655,7 +16655,7 @@
       </p:sp>
       <p:sp>
         <p:nvSpPr>
-          <p:cNvPr id="371" name="TextBox 370"/>
+          <p:cNvPr id="222" name="TextBox 221"/>
           <p:cNvSpPr txBox="1"/>
           <p:nvPr/>
         </p:nvSpPr>
@@ -16698,7 +16698,7 @@
       </p:sp>
       <p:sp>
         <p:nvSpPr>
-          <p:cNvPr id="372" name="TextBox 371"/>
+          <p:cNvPr id="223" name="TextBox 222"/>
           <p:cNvSpPr txBox="1"/>
           <p:nvPr/>
         </p:nvSpPr>
@@ -16741,7 +16741,7 @@
       </p:sp>
       <p:sp>
         <p:nvSpPr>
-          <p:cNvPr id="373" name="TextBox 372"/>
+          <p:cNvPr id="224" name="TextBox 223"/>
           <p:cNvSpPr txBox="1"/>
           <p:nvPr/>
         </p:nvSpPr>
@@ -16784,13 +16784,13 @@
       </p:sp>
       <p:sp>
         <p:nvSpPr>
-          <p:cNvPr id="374" name="TextBox 373"/>
+          <p:cNvPr id="225" name="TextBox 224"/>
           <p:cNvSpPr txBox="1"/>
           <p:nvPr/>
         </p:nvSpPr>
         <p:spPr>
           <a:xfrm>
-            <a:off x="2142853" y="8143775"/>
+            <a:off x="2142853" y="8561302"/>
             <a:ext cx="165567" cy="172758"/>
           </a:xfrm>
           <a:prstGeom prst="roundRect">
@@ -16827,13 +16827,13 @@
       </p:sp>
       <p:sp>
         <p:nvSpPr>
-          <p:cNvPr id="375" name="TextBox 374"/>
+          <p:cNvPr id="226" name="TextBox 225"/>
           <p:cNvSpPr txBox="1"/>
           <p:nvPr/>
         </p:nvSpPr>
         <p:spPr>
           <a:xfrm>
-            <a:off x="8046893" y="8750373"/>
+            <a:off x="8046893" y="9307712"/>
             <a:ext cx="165567" cy="172758"/>
           </a:xfrm>
           <a:prstGeom prst="roundRect">
@@ -16870,13 +16870,13 @@
       </p:sp>
       <p:sp>
         <p:nvSpPr>
-          <p:cNvPr id="376" name="TextBox 375"/>
+          <p:cNvPr id="227" name="TextBox 226"/>
           <p:cNvSpPr txBox="1"/>
           <p:nvPr/>
         </p:nvSpPr>
         <p:spPr>
           <a:xfrm>
-            <a:off x="2142853" y="10691737"/>
+            <a:off x="2142853" y="11249076"/>
             <a:ext cx="165567" cy="172758"/>
           </a:xfrm>
           <a:prstGeom prst="roundRect">
@@ -16913,13 +16913,13 @@
       </p:sp>
       <p:sp>
         <p:nvSpPr>
-          <p:cNvPr id="377" name="TextBox 376"/>
+          <p:cNvPr id="228" name="TextBox 227"/>
           <p:cNvSpPr txBox="1"/>
           <p:nvPr/>
         </p:nvSpPr>
         <p:spPr>
           <a:xfrm>
-            <a:off x="7039392" y="7470725"/>
+            <a:off x="7039392" y="8042929"/>
             <a:ext cx="795637" cy="215444"/>
           </a:xfrm>
           <a:prstGeom prst="rect">
@@ -16971,13 +16971,13 @@
       </p:sp>
       <p:sp>
         <p:nvSpPr>
-          <p:cNvPr id="378" name="TextBox 377"/>
+          <p:cNvPr id="229" name="TextBox 228"/>
           <p:cNvSpPr txBox="1"/>
           <p:nvPr/>
         </p:nvSpPr>
         <p:spPr>
           <a:xfrm>
-            <a:off x="7711541" y="12157688"/>
+            <a:off x="7682963" y="12848950"/>
             <a:ext cx="1436776" cy="200055"/>
           </a:xfrm>
           <a:prstGeom prst="rect">
@@ -17008,7 +17008,7 @@
       </p:sp>
       <p:cxnSp>
         <p:nvCxnSpPr>
-          <p:cNvPr id="117" name="Straight Arrow Connector 116"/>
+          <p:cNvPr id="230" name="Straight Arrow Connector 229"/>
           <p:cNvCxnSpPr/>
           <p:nvPr/>
         </p:nvCxnSpPr>

--- a/webpayment.resources/docs/webpay-account-2-account-direct-debit-statediagram.pptx
+++ b/webpayment.resources/docs/webpay-account-2-account-direct-debit-statediagram.pptx
@@ -10,7 +10,7 @@
   <p:sldIdLst>
     <p:sldId id="256" r:id="rId2"/>
   </p:sldIdLst>
-  <p:sldSz cx="9134475" cy="13069888"/>
+  <p:sldSz cx="9853613" cy="13069888"/>
   <p:notesSz cx="6858000" cy="9144000"/>
   <p:defaultTextStyle>
     <a:defPPr>
@@ -210,8 +210,8 @@
         </p:nvSpPr>
         <p:spPr>
           <a:xfrm>
-            <a:off x="2230438" y="685800"/>
-            <a:ext cx="2397125" cy="3429000"/>
+            <a:off x="2136775" y="685800"/>
+            <a:ext cx="2584450" cy="3429000"/>
           </a:xfrm>
           <a:prstGeom prst="rect">
             <a:avLst/>
@@ -489,8 +489,8 @@
         </p:nvSpPr>
         <p:spPr>
           <a:xfrm>
-            <a:off x="2230438" y="685800"/>
-            <a:ext cx="2397125" cy="3429000"/>
+            <a:off x="2136775" y="685800"/>
+            <a:ext cx="2584450" cy="3429000"/>
           </a:xfrm>
         </p:spPr>
       </p:sp>
@@ -898,7 +898,7 @@
       </p:grpSpPr>
       <p:cxnSp>
         <p:nvCxnSpPr>
-          <p:cNvPr id="116" name="Straight Connector 115"/>
+          <p:cNvPr id="117" name="Straight Connector 116"/>
           <p:cNvCxnSpPr/>
           <p:nvPr/>
         </p:nvCxnSpPr>
@@ -929,15 +929,15 @@
       </p:cxnSp>
       <p:cxnSp>
         <p:nvCxnSpPr>
-          <p:cNvPr id="118" name="Straight Connector 117"/>
+          <p:cNvPr id="231" name="Straight Connector 230"/>
           <p:cNvCxnSpPr>
-            <a:stCxn id="223" idx="2"/>
+            <a:stCxn id="336" idx="2"/>
           </p:cNvCxnSpPr>
           <p:nvPr/>
         </p:nvCxnSpPr>
         <p:spPr>
           <a:xfrm flipH="1">
-            <a:off x="5169421" y="3608691"/>
+            <a:off x="5841340" y="3608691"/>
             <a:ext cx="205320" cy="302065"/>
           </a:xfrm>
           <a:prstGeom prst="line">
@@ -967,13 +967,13 @@
       </p:cxnSp>
       <p:cxnSp>
         <p:nvCxnSpPr>
-          <p:cNvPr id="119" name="Straight Connector 118"/>
+          <p:cNvPr id="232" name="Straight Connector 231"/>
           <p:cNvCxnSpPr/>
           <p:nvPr/>
         </p:nvCxnSpPr>
         <p:spPr>
           <a:xfrm>
-            <a:off x="4167256" y="1668062"/>
+            <a:off x="4839175" y="1668062"/>
             <a:ext cx="0" cy="10224000"/>
           </a:xfrm>
           <a:prstGeom prst="line">
@@ -998,13 +998,13 @@
       </p:cxnSp>
       <p:cxnSp>
         <p:nvCxnSpPr>
-          <p:cNvPr id="120" name="Straight Arrow Connector 119"/>
+          <p:cNvPr id="233" name="Straight Arrow Connector 232"/>
           <p:cNvCxnSpPr/>
           <p:nvPr/>
         </p:nvCxnSpPr>
         <p:spPr>
           <a:xfrm flipH="1">
-            <a:off x="2479005" y="11340152"/>
+            <a:off x="3150924" y="11340152"/>
             <a:ext cx="4680000" cy="0"/>
           </a:xfrm>
           <a:prstGeom prst="straightConnector1">
@@ -1034,13 +1034,13 @@
       </p:cxnSp>
       <p:cxnSp>
         <p:nvCxnSpPr>
-          <p:cNvPr id="121" name="Straight Connector 120"/>
+          <p:cNvPr id="234" name="Straight Connector 233"/>
           <p:cNvCxnSpPr/>
           <p:nvPr/>
         </p:nvCxnSpPr>
         <p:spPr>
           <a:xfrm flipH="1">
-            <a:off x="2449959" y="846036"/>
+            <a:off x="3121878" y="846036"/>
             <a:ext cx="2428" cy="11772000"/>
           </a:xfrm>
           <a:prstGeom prst="line">
@@ -1065,13 +1065,13 @@
       </p:cxnSp>
       <p:sp>
         <p:nvSpPr>
-          <p:cNvPr id="122" name="TextBox 121"/>
+          <p:cNvPr id="235" name="TextBox 234"/>
           <p:cNvSpPr txBox="1"/>
           <p:nvPr/>
         </p:nvSpPr>
         <p:spPr>
           <a:xfrm>
-            <a:off x="2553915" y="7135738"/>
+            <a:off x="3225834" y="7135738"/>
             <a:ext cx="1077218" cy="190240"/>
           </a:xfrm>
           <a:prstGeom prst="rect">
@@ -1108,13 +1108,13 @@
       </p:sp>
       <p:cxnSp>
         <p:nvCxnSpPr>
-          <p:cNvPr id="123" name="Straight Connector 122"/>
+          <p:cNvPr id="236" name="Straight Connector 235"/>
           <p:cNvCxnSpPr/>
           <p:nvPr/>
         </p:nvCxnSpPr>
         <p:spPr>
           <a:xfrm flipV="1">
-            <a:off x="2466889" y="1664956"/>
+            <a:off x="3138808" y="1664956"/>
             <a:ext cx="1690332" cy="756"/>
           </a:xfrm>
           <a:prstGeom prst="line">
@@ -1145,14 +1145,14 @@
       </p:cxnSp>
       <p:cxnSp>
         <p:nvCxnSpPr>
-          <p:cNvPr id="124" name="Straight Arrow Connector 123"/>
+          <p:cNvPr id="237" name="Straight Arrow Connector 236"/>
           <p:cNvCxnSpPr/>
           <p:nvPr/>
         </p:nvCxnSpPr>
         <p:spPr>
           <a:xfrm>
-            <a:off x="1325829" y="1665066"/>
-            <a:ext cx="1123463" cy="0"/>
+            <a:off x="1715110" y="1665066"/>
+            <a:ext cx="1422000" cy="0"/>
           </a:xfrm>
           <a:prstGeom prst="straightConnector1">
             <a:avLst/>
@@ -1182,14 +1182,14 @@
       </p:cxnSp>
       <p:cxnSp>
         <p:nvCxnSpPr>
-          <p:cNvPr id="125" name="Straight Arrow Connector 124"/>
+          <p:cNvPr id="238" name="Straight Arrow Connector 237"/>
           <p:cNvCxnSpPr/>
           <p:nvPr/>
         </p:nvCxnSpPr>
         <p:spPr>
           <a:xfrm flipV="1">
-            <a:off x="1312668" y="1305522"/>
-            <a:ext cx="1123463" cy="8"/>
+            <a:off x="1686446" y="1305522"/>
+            <a:ext cx="1404000" cy="8"/>
           </a:xfrm>
           <a:prstGeom prst="straightConnector1">
             <a:avLst/>
@@ -1219,13 +1219,13 @@
       </p:cxnSp>
       <p:sp>
         <p:nvSpPr>
-          <p:cNvPr id="126" name="Freeform 125"/>
+          <p:cNvPr id="239" name="Freeform 238"/>
           <p:cNvSpPr/>
           <p:nvPr/>
         </p:nvSpPr>
         <p:spPr>
           <a:xfrm>
-            <a:off x="4181043" y="3459214"/>
+            <a:off x="4852962" y="3459214"/>
             <a:ext cx="2636221" cy="2552694"/>
           </a:xfrm>
           <a:custGeom>
@@ -11681,14 +11681,14 @@
       </p:sp>
       <p:cxnSp>
         <p:nvCxnSpPr>
-          <p:cNvPr id="127" name="Straight Arrow Connector 126"/>
+          <p:cNvPr id="240" name="Straight Arrow Connector 239"/>
           <p:cNvCxnSpPr/>
           <p:nvPr/>
         </p:nvCxnSpPr>
         <p:spPr>
           <a:xfrm>
-            <a:off x="1328880" y="11858258"/>
-            <a:ext cx="1131700" cy="216"/>
+            <a:off x="1711637" y="11858258"/>
+            <a:ext cx="1422000" cy="216"/>
           </a:xfrm>
           <a:prstGeom prst="straightConnector1">
             <a:avLst/>
@@ -11718,14 +11718,14 @@
       </p:cxnSp>
       <p:cxnSp>
         <p:nvCxnSpPr>
-          <p:cNvPr id="128" name="Straight Arrow Connector 127"/>
+          <p:cNvPr id="241" name="Straight Arrow Connector 240"/>
           <p:cNvCxnSpPr/>
           <p:nvPr/>
         </p:nvCxnSpPr>
         <p:spPr>
           <a:xfrm>
-            <a:off x="1312668" y="7570177"/>
-            <a:ext cx="1123463" cy="2308"/>
+            <a:off x="1705497" y="7570177"/>
+            <a:ext cx="1404000" cy="2308"/>
           </a:xfrm>
           <a:prstGeom prst="straightConnector1">
             <a:avLst/>
@@ -11754,13 +11754,13 @@
       </p:cxnSp>
       <p:sp>
         <p:nvSpPr>
-          <p:cNvPr id="129" name="Freeform 128"/>
+          <p:cNvPr id="242" name="Freeform 241"/>
           <p:cNvSpPr/>
           <p:nvPr/>
         </p:nvSpPr>
         <p:spPr>
           <a:xfrm>
-            <a:off x="1208598" y="7328059"/>
+            <a:off x="1589771" y="7328059"/>
             <a:ext cx="105249" cy="241012"/>
           </a:xfrm>
           <a:custGeom>
@@ -11958,13 +11958,13 @@
       </p:sp>
       <p:cxnSp>
         <p:nvCxnSpPr>
-          <p:cNvPr id="130" name="Straight Arrow Connector 129"/>
+          <p:cNvPr id="243" name="Straight Arrow Connector 242"/>
           <p:cNvCxnSpPr/>
           <p:nvPr/>
         </p:nvCxnSpPr>
         <p:spPr>
           <a:xfrm flipH="1">
-            <a:off x="1328357" y="2863064"/>
+            <a:off x="1726904" y="2863064"/>
             <a:ext cx="2839862" cy="0"/>
           </a:xfrm>
           <a:prstGeom prst="straightConnector1">
@@ -11994,14 +11994,14 @@
       </p:cxnSp>
       <p:cxnSp>
         <p:nvCxnSpPr>
-          <p:cNvPr id="131" name="Straight Arrow Connector 130"/>
+          <p:cNvPr id="244" name="Straight Arrow Connector 243"/>
           <p:cNvCxnSpPr/>
           <p:nvPr/>
         </p:nvCxnSpPr>
         <p:spPr>
           <a:xfrm flipH="1">
-            <a:off x="1323937" y="7332148"/>
-            <a:ext cx="2458050" cy="0"/>
+            <a:off x="1710261" y="7332148"/>
+            <a:ext cx="2736000" cy="0"/>
           </a:xfrm>
           <a:prstGeom prst="straightConnector1">
             <a:avLst/>
@@ -12030,7 +12030,7 @@
       </p:cxnSp>
       <p:grpSp>
         <p:nvGrpSpPr>
-          <p:cNvPr id="132" name="Group 131"/>
+          <p:cNvPr id="245" name="Group 244"/>
           <p:cNvGrpSpPr/>
           <p:nvPr/>
         </p:nvGrpSpPr>
@@ -12044,7 +12044,7 @@
         </p:grpSpPr>
         <p:sp>
           <p:nvSpPr>
-            <p:cNvPr id="133" name="Oval 132"/>
+            <p:cNvPr id="246" name="Oval 245"/>
             <p:cNvSpPr/>
             <p:nvPr/>
           </p:nvSpPr>
@@ -12090,9 +12090,9 @@
         </p:sp>
         <p:cxnSp>
           <p:nvCxnSpPr>
-            <p:cNvPr id="134" name="Straight Connector 133"/>
+            <p:cNvPr id="247" name="Straight Connector 246"/>
             <p:cNvCxnSpPr>
-              <a:stCxn id="133" idx="4"/>
+              <a:stCxn id="246" idx="4"/>
             </p:cNvCxnSpPr>
             <p:nvPr/>
           </p:nvCxnSpPr>
@@ -12127,7 +12127,7 @@
         </p:cxnSp>
         <p:cxnSp>
           <p:nvCxnSpPr>
-            <p:cNvPr id="135" name="Straight Connector 134"/>
+            <p:cNvPr id="248" name="Straight Connector 247"/>
             <p:cNvCxnSpPr/>
             <p:nvPr/>
           </p:nvCxnSpPr>
@@ -12162,7 +12162,7 @@
         </p:cxnSp>
         <p:cxnSp>
           <p:nvCxnSpPr>
-            <p:cNvPr id="136" name="Straight Connector 135"/>
+            <p:cNvPr id="249" name="Straight Connector 248"/>
             <p:cNvCxnSpPr/>
             <p:nvPr/>
           </p:nvCxnSpPr>
@@ -12197,7 +12197,7 @@
         </p:cxnSp>
         <p:cxnSp>
           <p:nvCxnSpPr>
-            <p:cNvPr id="137" name="Straight Connector 136"/>
+            <p:cNvPr id="250" name="Straight Connector 249"/>
             <p:cNvCxnSpPr/>
             <p:nvPr/>
           </p:nvCxnSpPr>
@@ -12232,7 +12232,7 @@
         </p:cxnSp>
         <p:cxnSp>
           <p:nvCxnSpPr>
-            <p:cNvPr id="138" name="Straight Connector 137"/>
+            <p:cNvPr id="251" name="Straight Connector 250"/>
             <p:cNvCxnSpPr/>
             <p:nvPr/>
           </p:nvCxnSpPr>
@@ -12268,13 +12268,13 @@
       </p:grpSp>
       <p:cxnSp>
         <p:nvCxnSpPr>
-          <p:cNvPr id="139" name="Straight Connector 138"/>
+          <p:cNvPr id="252" name="Straight Connector 251"/>
           <p:cNvCxnSpPr/>
           <p:nvPr/>
         </p:nvCxnSpPr>
         <p:spPr>
           <a:xfrm>
-            <a:off x="1308578" y="846036"/>
+            <a:off x="1689751" y="846036"/>
             <a:ext cx="567" cy="11772000"/>
           </a:xfrm>
           <a:prstGeom prst="line">
@@ -12299,13 +12299,13 @@
       </p:cxnSp>
       <p:cxnSp>
         <p:nvCxnSpPr>
-          <p:cNvPr id="140" name="Straight Connector 139"/>
+          <p:cNvPr id="253" name="Straight Connector 252"/>
           <p:cNvCxnSpPr/>
           <p:nvPr/>
         </p:nvCxnSpPr>
         <p:spPr>
           <a:xfrm>
-            <a:off x="7909302" y="846037"/>
+            <a:off x="8581221" y="846037"/>
             <a:ext cx="6302" cy="11772000"/>
           </a:xfrm>
           <a:prstGeom prst="line">
@@ -12330,119 +12330,13 @@
       </p:cxnSp>
       <p:sp>
         <p:nvSpPr>
-          <p:cNvPr id="141" name="Rounded Rectangle 140"/>
+          <p:cNvPr id="255" name="Rounded Rectangle 254"/>
           <p:cNvSpPr/>
           <p:nvPr/>
         </p:nvSpPr>
         <p:spPr>
           <a:xfrm>
-            <a:off x="1046975" y="436242"/>
-            <a:ext cx="1649641" cy="421772"/>
-          </a:xfrm>
-          <a:prstGeom prst="roundRect">
-            <a:avLst/>
-          </a:prstGeom>
-          <a:solidFill>
-            <a:schemeClr val="bg1"/>
-          </a:solidFill>
-          <a:ln w="3175">
-            <a:solidFill>
-              <a:schemeClr val="bg1">
-                <a:lumMod val="50000"/>
-              </a:schemeClr>
-            </a:solidFill>
-          </a:ln>
-          <a:effectLst>
-            <a:innerShdw blurRad="114300">
-              <a:schemeClr val="accent6">
-                <a:lumMod val="75000"/>
-              </a:schemeClr>
-            </a:innerShdw>
-          </a:effectLst>
-        </p:spPr>
-        <p:style>
-          <a:lnRef idx="2">
-            <a:schemeClr val="accent1">
-              <a:shade val="50000"/>
-            </a:schemeClr>
-          </a:lnRef>
-          <a:fillRef idx="1">
-            <a:schemeClr val="accent1"/>
-          </a:fillRef>
-          <a:effectRef idx="0">
-            <a:schemeClr val="accent1"/>
-          </a:effectRef>
-          <a:fontRef idx="minor">
-            <a:schemeClr val="lt1"/>
-          </a:fontRef>
-        </p:style>
-        <p:txBody>
-          <a:bodyPr lIns="36000" rIns="36000" rtlCol="0" anchor="ctr"/>
-          <a:lstStyle/>
-          <a:p>
-            <a:pPr algn="ctr">
-              <a:spcAft>
-                <a:spcPts val="600"/>
-              </a:spcAft>
-            </a:pPr>
-            <a:r>
-              <a:rPr lang="en-US" sz="900" dirty="0">
-                <a:solidFill>
-                  <a:schemeClr val="tx1"/>
-                </a:solidFill>
-                <a:latin typeface="Arial" panose="020B0604020202020204" pitchFamily="34" charset="0"/>
-                <a:cs typeface="Arial" panose="020B0604020202020204" pitchFamily="34" charset="0"/>
-              </a:rPr>
-              <a:t>Merchant </a:t>
-            </a:r>
-            <a:r>
-              <a:rPr lang="en-US" sz="900" dirty="0" smtClean="0">
-                <a:solidFill>
-                  <a:schemeClr val="tx1"/>
-                </a:solidFill>
-                <a:latin typeface="Arial" panose="020B0604020202020204" pitchFamily="34" charset="0"/>
-                <a:cs typeface="Arial" panose="020B0604020202020204" pitchFamily="34" charset="0"/>
-              </a:rPr>
-              <a:t>Web Application</a:t>
-            </a:r>
-            <a:br>
-              <a:rPr lang="en-US" sz="900" dirty="0" smtClean="0">
-                <a:solidFill>
-                  <a:schemeClr val="tx1"/>
-                </a:solidFill>
-                <a:latin typeface="Arial" panose="020B0604020202020204" pitchFamily="34" charset="0"/>
-                <a:cs typeface="Arial" panose="020B0604020202020204" pitchFamily="34" charset="0"/>
-              </a:rPr>
-            </a:br>
-            <a:r>
-              <a:rPr lang="en-US" sz="700" dirty="0" smtClean="0">
-                <a:solidFill>
-                  <a:schemeClr val="tx1"/>
-                </a:solidFill>
-                <a:latin typeface="Arial" panose="020B0604020202020204" pitchFamily="34" charset="0"/>
-                <a:cs typeface="Arial" panose="020B0604020202020204" pitchFamily="34" charset="0"/>
-              </a:rPr>
-              <a:t>(Payee)</a:t>
-            </a:r>
-            <a:endParaRPr lang="en-US" sz="700" dirty="0">
-              <a:solidFill>
-                <a:schemeClr val="tx1"/>
-              </a:solidFill>
-              <a:latin typeface="Arial" panose="020B0604020202020204" pitchFamily="34" charset="0"/>
-              <a:cs typeface="Arial" panose="020B0604020202020204" pitchFamily="34" charset="0"/>
-            </a:endParaRPr>
-          </a:p>
-        </p:txBody>
-      </p:sp>
-      <p:sp>
-        <p:nvSpPr>
-          <p:cNvPr id="142" name="Rounded Rectangle 141"/>
-          <p:cNvSpPr/>
-          <p:nvPr/>
-        </p:nvSpPr>
-        <p:spPr>
-          <a:xfrm>
-            <a:off x="7370437" y="441264"/>
+            <a:off x="8032327" y="441264"/>
             <a:ext cx="1085232" cy="421772"/>
           </a:xfrm>
           <a:prstGeom prst="roundRect">
@@ -12538,14 +12432,14 @@
       </p:sp>
       <p:cxnSp>
         <p:nvCxnSpPr>
-          <p:cNvPr id="143" name="Straight Arrow Connector 142"/>
+          <p:cNvPr id="256" name="Straight Arrow Connector 255"/>
           <p:cNvCxnSpPr/>
           <p:nvPr/>
         </p:nvCxnSpPr>
         <p:spPr>
           <a:xfrm flipV="1">
             <a:off x="472316" y="1301561"/>
-            <a:ext cx="821796" cy="406"/>
+            <a:ext cx="1206000" cy="406"/>
           </a:xfrm>
           <a:prstGeom prst="straightConnector1">
             <a:avLst/>
@@ -12574,13 +12468,13 @@
       </p:cxnSp>
       <p:sp>
         <p:nvSpPr>
-          <p:cNvPr id="144" name="TextBox 143"/>
+          <p:cNvPr id="257" name="TextBox 256"/>
           <p:cNvSpPr txBox="1"/>
           <p:nvPr/>
         </p:nvSpPr>
         <p:spPr>
           <a:xfrm>
-            <a:off x="545754" y="1112431"/>
+            <a:off x="728599" y="1112431"/>
             <a:ext cx="688009" cy="195814"/>
           </a:xfrm>
           <a:prstGeom prst="rect">
@@ -12611,13 +12505,13 @@
       </p:sp>
       <p:sp>
         <p:nvSpPr>
-          <p:cNvPr id="145" name="TextBox 144"/>
+          <p:cNvPr id="258" name="TextBox 257"/>
           <p:cNvSpPr txBox="1"/>
           <p:nvPr/>
         </p:nvSpPr>
         <p:spPr>
           <a:xfrm>
-            <a:off x="2553915" y="2646366"/>
+            <a:off x="3225834" y="2646366"/>
             <a:ext cx="847519" cy="189622"/>
           </a:xfrm>
           <a:prstGeom prst="rect">
@@ -12656,14 +12550,14 @@
       </p:sp>
       <p:cxnSp>
         <p:nvCxnSpPr>
-          <p:cNvPr id="146" name="Straight Arrow Connector 145"/>
+          <p:cNvPr id="259" name="Straight Arrow Connector 258"/>
           <p:cNvCxnSpPr/>
           <p:nvPr/>
         </p:nvCxnSpPr>
         <p:spPr>
           <a:xfrm>
-            <a:off x="1820059" y="3357736"/>
-            <a:ext cx="2334158" cy="2"/>
+            <a:off x="1898120" y="3357736"/>
+            <a:ext cx="2916000" cy="2"/>
           </a:xfrm>
           <a:prstGeom prst="straightConnector1">
             <a:avLst/>
@@ -12692,13 +12586,13 @@
       </p:cxnSp>
       <p:sp>
         <p:nvSpPr>
-          <p:cNvPr id="147" name="TextBox 146"/>
+          <p:cNvPr id="260" name="TextBox 259"/>
           <p:cNvSpPr txBox="1"/>
           <p:nvPr/>
         </p:nvSpPr>
         <p:spPr>
           <a:xfrm>
-            <a:off x="2553915" y="3131588"/>
+            <a:off x="3225834" y="3131588"/>
             <a:ext cx="830356" cy="226591"/>
           </a:xfrm>
           <a:prstGeom prst="rect">
@@ -12731,13 +12625,13 @@
       </p:sp>
       <p:sp>
         <p:nvSpPr>
-          <p:cNvPr id="148" name="Rectangle 147"/>
+          <p:cNvPr id="261" name="Rectangle 260"/>
           <p:cNvSpPr/>
           <p:nvPr/>
         </p:nvSpPr>
         <p:spPr>
           <a:xfrm>
-            <a:off x="679083" y="3135956"/>
+            <a:off x="1060256" y="3135956"/>
             <a:ext cx="1257672" cy="1191323"/>
           </a:xfrm>
           <a:prstGeom prst="rect">
@@ -12788,13 +12682,13 @@
       </p:sp>
       <p:sp>
         <p:nvSpPr>
-          <p:cNvPr id="149" name="TextBox 148"/>
+          <p:cNvPr id="262" name="TextBox 261"/>
           <p:cNvSpPr txBox="1"/>
           <p:nvPr/>
         </p:nvSpPr>
         <p:spPr>
           <a:xfrm>
-            <a:off x="678805" y="3135566"/>
+            <a:off x="1059978" y="3135566"/>
             <a:ext cx="1258678" cy="338554"/>
           </a:xfrm>
           <a:prstGeom prst="rect">
@@ -12851,13 +12745,13 @@
       </p:sp>
       <p:grpSp>
         <p:nvGrpSpPr>
-          <p:cNvPr id="150" name="Group 149"/>
+          <p:cNvPr id="263" name="Group 262"/>
           <p:cNvGrpSpPr/>
           <p:nvPr/>
         </p:nvGrpSpPr>
         <p:grpSpPr>
           <a:xfrm>
-            <a:off x="803113" y="3494437"/>
+            <a:off x="1184286" y="3494437"/>
             <a:ext cx="845610" cy="724495"/>
             <a:chOff x="625283" y="3209330"/>
             <a:chExt cx="845610" cy="724495"/>
@@ -12865,7 +12759,7 @@
         </p:grpSpPr>
         <p:sp>
           <p:nvSpPr>
-            <p:cNvPr id="151" name="Rectangle 150"/>
+            <p:cNvPr id="264" name="Rectangle 263"/>
             <p:cNvSpPr/>
             <p:nvPr/>
           </p:nvSpPr>
@@ -12912,7 +12806,7 @@
         </p:sp>
         <p:sp>
           <p:nvSpPr>
-            <p:cNvPr id="152" name="TextBox 151"/>
+            <p:cNvPr id="265" name="TextBox 264"/>
             <p:cNvSpPr txBox="1"/>
             <p:nvPr/>
           </p:nvSpPr>
@@ -13038,14 +12932,14 @@
       </p:grpSp>
       <p:cxnSp>
         <p:nvCxnSpPr>
-          <p:cNvPr id="153" name="Straight Arrow Connector 152"/>
+          <p:cNvPr id="266" name="Straight Arrow Connector 265"/>
           <p:cNvCxnSpPr/>
           <p:nvPr/>
         </p:nvCxnSpPr>
         <p:spPr>
           <a:xfrm flipV="1">
             <a:off x="461234" y="4728410"/>
-            <a:ext cx="2448000" cy="701"/>
+            <a:ext cx="3114000" cy="701"/>
           </a:xfrm>
           <a:prstGeom prst="straightConnector1">
             <a:avLst/>
@@ -13075,13 +12969,13 @@
       </p:cxnSp>
       <p:sp>
         <p:nvSpPr>
-          <p:cNvPr id="154" name="TextBox 153"/>
+          <p:cNvPr id="267" name="TextBox 266"/>
           <p:cNvSpPr txBox="1"/>
           <p:nvPr/>
         </p:nvSpPr>
         <p:spPr>
           <a:xfrm>
-            <a:off x="491939" y="4518397"/>
+            <a:off x="674785" y="4518397"/>
             <a:ext cx="795637" cy="215444"/>
           </a:xfrm>
           <a:prstGeom prst="rect">
@@ -13112,13 +13006,13 @@
       </p:sp>
       <p:sp>
         <p:nvSpPr>
-          <p:cNvPr id="155" name="TextBox 154"/>
+          <p:cNvPr id="268" name="TextBox 267"/>
           <p:cNvSpPr txBox="1"/>
           <p:nvPr/>
         </p:nvSpPr>
         <p:spPr>
           <a:xfrm>
-            <a:off x="491939" y="4823096"/>
+            <a:off x="674785" y="4823096"/>
             <a:ext cx="795637" cy="215444"/>
           </a:xfrm>
           <a:prstGeom prst="rect">
@@ -13149,13 +13043,13 @@
       </p:sp>
       <p:sp>
         <p:nvSpPr>
-          <p:cNvPr id="156" name="TextBox 155"/>
+          <p:cNvPr id="269" name="TextBox 268"/>
           <p:cNvSpPr txBox="1"/>
           <p:nvPr/>
         </p:nvSpPr>
         <p:spPr>
           <a:xfrm>
-            <a:off x="1539352" y="4518397"/>
+            <a:off x="2018072" y="4518397"/>
             <a:ext cx="795637" cy="215444"/>
           </a:xfrm>
           <a:prstGeom prst="rect">
@@ -13200,13 +13094,13 @@
       </p:sp>
       <p:sp>
         <p:nvSpPr>
-          <p:cNvPr id="157" name="Rectangle 156"/>
+          <p:cNvPr id="270" name="Rectangle 269"/>
           <p:cNvSpPr/>
           <p:nvPr/>
         </p:nvSpPr>
         <p:spPr>
           <a:xfrm>
-            <a:off x="3734526" y="7101324"/>
+            <a:off x="4406445" y="7101324"/>
             <a:ext cx="1244448" cy="471161"/>
           </a:xfrm>
           <a:prstGeom prst="rect">
@@ -13257,13 +13151,13 @@
       </p:sp>
       <p:sp>
         <p:nvSpPr>
-          <p:cNvPr id="158" name="TextBox 157"/>
+          <p:cNvPr id="271" name="TextBox 270"/>
           <p:cNvSpPr txBox="1"/>
           <p:nvPr/>
         </p:nvSpPr>
         <p:spPr>
           <a:xfrm>
-            <a:off x="3754837" y="7105616"/>
+            <a:off x="4426756" y="7105616"/>
             <a:ext cx="1460472" cy="461665"/>
           </a:xfrm>
           <a:prstGeom prst="rect">
@@ -13331,13 +13225,13 @@
       </p:sp>
       <p:cxnSp>
         <p:nvCxnSpPr>
-          <p:cNvPr id="159" name="Straight Arrow Connector 158"/>
+          <p:cNvPr id="272" name="Straight Arrow Connector 271"/>
           <p:cNvCxnSpPr/>
           <p:nvPr/>
         </p:nvCxnSpPr>
         <p:spPr>
           <a:xfrm flipH="1">
-            <a:off x="2470206" y="8632120"/>
+            <a:off x="3142125" y="8632120"/>
             <a:ext cx="4629083" cy="0"/>
           </a:xfrm>
           <a:prstGeom prst="straightConnector1">
@@ -13367,13 +13261,13 @@
       </p:cxnSp>
       <p:sp>
         <p:nvSpPr>
-          <p:cNvPr id="160" name="TextBox 159"/>
+          <p:cNvPr id="273" name="TextBox 272"/>
           <p:cNvSpPr txBox="1"/>
           <p:nvPr/>
         </p:nvSpPr>
         <p:spPr>
           <a:xfrm>
-            <a:off x="1182861" y="4855452"/>
+            <a:off x="1681683" y="4855452"/>
             <a:ext cx="1468414" cy="159202"/>
           </a:xfrm>
           <a:prstGeom prst="rect">
@@ -13404,13 +13298,13 @@
       </p:sp>
       <p:sp>
         <p:nvSpPr>
-          <p:cNvPr id="161" name="TextBox 160"/>
+          <p:cNvPr id="274" name="TextBox 273"/>
           <p:cNvSpPr txBox="1"/>
           <p:nvPr/>
         </p:nvSpPr>
         <p:spPr>
           <a:xfrm>
-            <a:off x="1356728" y="11656882"/>
+            <a:off x="1893952" y="11656882"/>
             <a:ext cx="1043876" cy="195814"/>
           </a:xfrm>
           <a:prstGeom prst="rect">
@@ -13441,13 +13335,13 @@
       </p:sp>
       <p:sp>
         <p:nvSpPr>
-          <p:cNvPr id="162" name="TextBox 161"/>
+          <p:cNvPr id="275" name="TextBox 274"/>
           <p:cNvSpPr txBox="1"/>
           <p:nvPr/>
         </p:nvSpPr>
         <p:spPr>
           <a:xfrm>
-            <a:off x="2964437" y="8445669"/>
+            <a:off x="3636356" y="8445669"/>
             <a:ext cx="611312" cy="153888"/>
           </a:xfrm>
           <a:prstGeom prst="rect">
@@ -13491,13 +13385,13 @@
       </p:sp>
       <p:sp>
         <p:nvSpPr>
-          <p:cNvPr id="163" name="TextBox 162"/>
+          <p:cNvPr id="276" name="TextBox 275"/>
           <p:cNvSpPr txBox="1"/>
           <p:nvPr/>
         </p:nvSpPr>
         <p:spPr>
           <a:xfrm>
-            <a:off x="7111400" y="9786763"/>
+            <a:off x="7783319" y="9786763"/>
             <a:ext cx="1632301" cy="550962"/>
           </a:xfrm>
           <a:prstGeom prst="snip2DiagRect">
@@ -13625,13 +13519,13 @@
       </p:sp>
       <p:cxnSp>
         <p:nvCxnSpPr>
-          <p:cNvPr id="164" name="Straight Arrow Connector 163"/>
+          <p:cNvPr id="277" name="Straight Arrow Connector 276"/>
           <p:cNvCxnSpPr/>
           <p:nvPr/>
         </p:nvCxnSpPr>
         <p:spPr>
           <a:xfrm>
-            <a:off x="2462126" y="7950759"/>
+            <a:off x="3134045" y="7950759"/>
             <a:ext cx="5425200" cy="0"/>
           </a:xfrm>
           <a:prstGeom prst="straightConnector1">
@@ -13661,13 +13555,13 @@
       </p:cxnSp>
       <p:sp>
         <p:nvSpPr>
-          <p:cNvPr id="165" name="TextBox 164"/>
+          <p:cNvPr id="278" name="TextBox 277"/>
           <p:cNvSpPr txBox="1"/>
           <p:nvPr/>
         </p:nvSpPr>
         <p:spPr>
           <a:xfrm>
-            <a:off x="1414429" y="7508121"/>
+            <a:off x="1957147" y="7508121"/>
             <a:ext cx="917486" cy="123111"/>
           </a:xfrm>
           <a:prstGeom prst="rect">
@@ -13704,96 +13598,13 @@
       </p:sp>
       <p:sp>
         <p:nvSpPr>
-          <p:cNvPr id="166" name="TextBox 165"/>
-          <p:cNvSpPr txBox="1"/>
-          <p:nvPr/>
-        </p:nvSpPr>
-        <p:spPr>
-          <a:xfrm>
-            <a:off x="1133098" y="697383"/>
-            <a:ext cx="336681" cy="125898"/>
-          </a:xfrm>
-          <a:prstGeom prst="rect">
-            <a:avLst/>
-          </a:prstGeom>
-          <a:noFill/>
-          <a:ln w="3175">
-            <a:solidFill>
-              <a:schemeClr val="tx1"/>
-            </a:solidFill>
-          </a:ln>
-        </p:spPr>
-        <p:txBody>
-          <a:bodyPr wrap="none" lIns="54000" tIns="0" rIns="54000" bIns="18000" rtlCol="0" anchor="ctr" anchorCtr="1">
-            <a:spAutoFit/>
-          </a:bodyPr>
-          <a:lstStyle/>
-          <a:p>
-            <a:r>
-              <a:rPr lang="en-US" sz="700" dirty="0" smtClean="0">
-                <a:latin typeface="Arial" panose="020B0604020202020204" pitchFamily="34" charset="0"/>
-                <a:cs typeface="Arial" panose="020B0604020202020204" pitchFamily="34" charset="0"/>
-              </a:rPr>
-              <a:t>Client</a:t>
-            </a:r>
-            <a:endParaRPr lang="en-US" sz="700" dirty="0">
-              <a:latin typeface="Arial" panose="020B0604020202020204" pitchFamily="34" charset="0"/>
-              <a:cs typeface="Arial" panose="020B0604020202020204" pitchFamily="34" charset="0"/>
-            </a:endParaRPr>
-          </a:p>
-        </p:txBody>
-      </p:sp>
-      <p:sp>
-        <p:nvSpPr>
-          <p:cNvPr id="167" name="TextBox 166"/>
-          <p:cNvSpPr txBox="1"/>
-          <p:nvPr/>
-        </p:nvSpPr>
-        <p:spPr>
-          <a:xfrm>
-            <a:off x="2198613" y="697383"/>
-            <a:ext cx="409902" cy="125898"/>
-          </a:xfrm>
-          <a:prstGeom prst="rect">
-            <a:avLst/>
-          </a:prstGeom>
-          <a:noFill/>
-          <a:ln w="3175">
-            <a:solidFill>
-              <a:schemeClr val="tx1"/>
-            </a:solidFill>
-          </a:ln>
-        </p:spPr>
-        <p:txBody>
-          <a:bodyPr wrap="none" lIns="72000" tIns="0" rIns="72000" bIns="18000" rtlCol="0" anchor="ctr" anchorCtr="1">
-            <a:spAutoFit/>
-          </a:bodyPr>
-          <a:lstStyle/>
-          <a:p>
-            <a:pPr algn="r"/>
-            <a:r>
-              <a:rPr lang="en-US" sz="700" dirty="0" smtClean="0">
-                <a:latin typeface="Arial" panose="020B0604020202020204" pitchFamily="34" charset="0"/>
-                <a:cs typeface="Arial" panose="020B0604020202020204" pitchFamily="34" charset="0"/>
-              </a:rPr>
-              <a:t>Server</a:t>
-            </a:r>
-            <a:endParaRPr lang="en-US" sz="700" dirty="0">
-              <a:latin typeface="Arial" panose="020B0604020202020204" pitchFamily="34" charset="0"/>
-              <a:cs typeface="Arial" panose="020B0604020202020204" pitchFamily="34" charset="0"/>
-            </a:endParaRPr>
-          </a:p>
-        </p:txBody>
-      </p:sp>
-      <p:sp>
-        <p:nvSpPr>
-          <p:cNvPr id="168" name="Oval 167"/>
+          <p:cNvPr id="281" name="Oval 280"/>
           <p:cNvSpPr/>
           <p:nvPr/>
         </p:nvSpPr>
         <p:spPr>
           <a:xfrm>
-            <a:off x="4125914" y="1621094"/>
+            <a:off x="4797833" y="1621094"/>
             <a:ext cx="85326" cy="90380"/>
           </a:xfrm>
           <a:prstGeom prst="ellipse">
@@ -13831,13 +13642,13 @@
       </p:sp>
       <p:sp>
         <p:nvSpPr>
-          <p:cNvPr id="169" name="TextBox 168"/>
+          <p:cNvPr id="282" name="TextBox 281"/>
           <p:cNvSpPr txBox="1"/>
           <p:nvPr/>
         </p:nvSpPr>
         <p:spPr>
           <a:xfrm>
-            <a:off x="1388941" y="1461112"/>
+            <a:off x="1928577" y="1461112"/>
             <a:ext cx="974627" cy="195814"/>
           </a:xfrm>
           <a:prstGeom prst="rect">
@@ -13868,13 +13679,13 @@
       </p:sp>
       <p:grpSp>
         <p:nvGrpSpPr>
-          <p:cNvPr id="170" name="Group 169"/>
+          <p:cNvPr id="283" name="Group 282"/>
           <p:cNvGrpSpPr/>
           <p:nvPr/>
         </p:nvGrpSpPr>
         <p:grpSpPr>
           <a:xfrm>
-            <a:off x="8671693" y="1533135"/>
+            <a:off x="9343612" y="1533135"/>
             <a:ext cx="335722" cy="2584582"/>
             <a:chOff x="8735374" y="1533135"/>
             <a:chExt cx="335722" cy="2584582"/>
@@ -13882,7 +13693,7 @@
         </p:grpSpPr>
         <p:sp>
           <p:nvSpPr>
-            <p:cNvPr id="171" name="Rectangle 170"/>
+            <p:cNvPr id="284" name="Rectangle 283"/>
             <p:cNvSpPr/>
             <p:nvPr/>
           </p:nvSpPr>
@@ -13931,7 +13742,7 @@
         </p:sp>
         <p:sp>
           <p:nvSpPr>
-            <p:cNvPr id="172" name="TextBox 171"/>
+            <p:cNvPr id="285" name="TextBox 284"/>
             <p:cNvSpPr txBox="1"/>
             <p:nvPr/>
           </p:nvSpPr>
@@ -13967,7 +13778,7 @@
         </p:sp>
         <p:sp>
           <p:nvSpPr>
-            <p:cNvPr id="173" name="TextBox 172"/>
+            <p:cNvPr id="286" name="TextBox 285"/>
             <p:cNvSpPr txBox="1"/>
             <p:nvPr/>
           </p:nvSpPr>
@@ -14004,7 +13815,7 @@
         </p:sp>
         <p:sp>
           <p:nvSpPr>
-            <p:cNvPr id="174" name="TextBox 173"/>
+            <p:cNvPr id="287" name="TextBox 286"/>
             <p:cNvSpPr txBox="1"/>
             <p:nvPr/>
           </p:nvSpPr>
@@ -14040,7 +13851,7 @@
         </p:sp>
         <p:cxnSp>
           <p:nvCxnSpPr>
-            <p:cNvPr id="175" name="Straight Connector 174"/>
+            <p:cNvPr id="288" name="Straight Connector 287"/>
             <p:cNvCxnSpPr/>
             <p:nvPr/>
           </p:nvCxnSpPr>
@@ -14077,13 +13888,13 @@
       </p:grpSp>
       <p:sp>
         <p:nvSpPr>
-          <p:cNvPr id="176" name="TextBox 175"/>
+          <p:cNvPr id="289" name="TextBox 288"/>
           <p:cNvSpPr txBox="1"/>
           <p:nvPr/>
         </p:nvSpPr>
         <p:spPr>
           <a:xfrm>
-            <a:off x="5277584" y="1406312"/>
+            <a:off x="5949503" y="1406312"/>
             <a:ext cx="2091525" cy="817245"/>
           </a:xfrm>
           <a:prstGeom prst="roundRect">
@@ -14144,13 +13955,13 @@
       </p:sp>
       <p:sp>
         <p:nvSpPr>
-          <p:cNvPr id="177" name="Oval 176"/>
+          <p:cNvPr id="290" name="Oval 289"/>
           <p:cNvSpPr/>
           <p:nvPr/>
         </p:nvSpPr>
         <p:spPr>
           <a:xfrm>
-            <a:off x="3011239" y="6338956"/>
+            <a:off x="3683158" y="6338956"/>
             <a:ext cx="79015" cy="149807"/>
           </a:xfrm>
           <a:prstGeom prst="ellipse">
@@ -14190,13 +14001,13 @@
       </p:sp>
       <p:sp>
         <p:nvSpPr>
-          <p:cNvPr id="178" name="TextBox 177"/>
+          <p:cNvPr id="291" name="TextBox 290"/>
           <p:cNvSpPr txBox="1"/>
           <p:nvPr/>
         </p:nvSpPr>
         <p:spPr>
           <a:xfrm>
-            <a:off x="5999397" y="5764088"/>
+            <a:off x="6671316" y="5764088"/>
             <a:ext cx="1627466" cy="495866"/>
           </a:xfrm>
           <a:prstGeom prst="snip2DiagRect">
@@ -14262,13 +14073,13 @@
       </p:sp>
       <p:sp>
         <p:nvSpPr>
-          <p:cNvPr id="179" name="TextBox 178"/>
+          <p:cNvPr id="292" name="TextBox 291"/>
           <p:cNvSpPr txBox="1"/>
           <p:nvPr/>
         </p:nvSpPr>
         <p:spPr>
           <a:xfrm>
-            <a:off x="2623021" y="1503687"/>
+            <a:off x="3294940" y="1503687"/>
             <a:ext cx="1351899" cy="123111"/>
           </a:xfrm>
           <a:prstGeom prst="rect">
@@ -14294,13 +14105,13 @@
       </p:sp>
       <p:sp>
         <p:nvSpPr>
-          <p:cNvPr id="180" name="Rounded Rectangle 179"/>
+          <p:cNvPr id="293" name="Rounded Rectangle 292"/>
           <p:cNvSpPr/>
           <p:nvPr/>
         </p:nvSpPr>
         <p:spPr>
           <a:xfrm>
-            <a:off x="3632972" y="436242"/>
+            <a:off x="4278734" y="436242"/>
             <a:ext cx="1086488" cy="421772"/>
           </a:xfrm>
           <a:prstGeom prst="roundRect">
@@ -14397,13 +14208,13 @@
       </p:sp>
       <p:sp>
         <p:nvSpPr>
-          <p:cNvPr id="181" name="TextBox 180"/>
+          <p:cNvPr id="294" name="TextBox 293"/>
           <p:cNvSpPr txBox="1"/>
           <p:nvPr/>
         </p:nvSpPr>
         <p:spPr>
           <a:xfrm>
-            <a:off x="1427630" y="1222455"/>
+            <a:off x="1970772" y="1222455"/>
             <a:ext cx="890236" cy="123111"/>
           </a:xfrm>
           <a:prstGeom prst="rect">
@@ -14441,13 +14252,13 @@
       </p:sp>
       <p:sp>
         <p:nvSpPr>
-          <p:cNvPr id="182" name="Rounded Rectangle 181"/>
+          <p:cNvPr id="295" name="Rounded Rectangle 294"/>
           <p:cNvSpPr/>
           <p:nvPr/>
         </p:nvSpPr>
         <p:spPr>
           <a:xfrm>
-            <a:off x="3703854" y="1985194"/>
+            <a:off x="4375773" y="1985194"/>
             <a:ext cx="938589" cy="451898"/>
           </a:xfrm>
           <a:prstGeom prst="roundRect">
@@ -14528,13 +14339,13 @@
       </p:sp>
       <p:sp>
         <p:nvSpPr>
-          <p:cNvPr id="183" name="Rounded Rectangle 182"/>
+          <p:cNvPr id="296" name="Rounded Rectangle 295"/>
           <p:cNvSpPr/>
           <p:nvPr/>
         </p:nvSpPr>
         <p:spPr>
           <a:xfrm>
-            <a:off x="1717388" y="2790451"/>
+            <a:off x="2225904" y="2790451"/>
             <a:ext cx="379973" cy="136208"/>
           </a:xfrm>
           <a:prstGeom prst="roundRect">
@@ -14594,13 +14405,13 @@
       </p:sp>
       <p:sp>
         <p:nvSpPr>
-          <p:cNvPr id="184" name="Rounded Rectangle 183"/>
+          <p:cNvPr id="297" name="Rounded Rectangle 296"/>
           <p:cNvSpPr/>
           <p:nvPr/>
         </p:nvSpPr>
         <p:spPr>
           <a:xfrm>
-            <a:off x="3553768" y="3288310"/>
+            <a:off x="4225687" y="3288310"/>
             <a:ext cx="379973" cy="136208"/>
           </a:xfrm>
           <a:prstGeom prst="roundRect">
@@ -14660,13 +14471,13 @@
       </p:sp>
       <p:sp>
         <p:nvSpPr>
-          <p:cNvPr id="185" name="Rounded Rectangle 184"/>
+          <p:cNvPr id="298" name="Rounded Rectangle 297"/>
           <p:cNvSpPr/>
           <p:nvPr/>
         </p:nvSpPr>
         <p:spPr>
           <a:xfrm>
-            <a:off x="3703854" y="6345971"/>
+            <a:off x="4375773" y="6345971"/>
             <a:ext cx="938589" cy="451898"/>
           </a:xfrm>
           <a:prstGeom prst="roundRect">
@@ -14747,13 +14558,13 @@
       </p:sp>
       <p:sp>
         <p:nvSpPr>
-          <p:cNvPr id="186" name="Rectangle 185"/>
+          <p:cNvPr id="299" name="Rectangle 298"/>
           <p:cNvSpPr/>
           <p:nvPr/>
         </p:nvSpPr>
         <p:spPr>
           <a:xfrm>
-            <a:off x="3861840" y="2757467"/>
+            <a:off x="4533759" y="2757467"/>
             <a:ext cx="614337" cy="210127"/>
           </a:xfrm>
           <a:prstGeom prst="rect">
@@ -14804,13 +14615,13 @@
       </p:sp>
       <p:sp>
         <p:nvSpPr>
-          <p:cNvPr id="187" name="TextBox 186"/>
+          <p:cNvPr id="300" name="TextBox 299"/>
           <p:cNvSpPr txBox="1"/>
           <p:nvPr/>
         </p:nvSpPr>
         <p:spPr>
           <a:xfrm>
-            <a:off x="3953891" y="2777544"/>
+            <a:off x="4625810" y="2777544"/>
             <a:ext cx="442179" cy="163867"/>
           </a:xfrm>
           <a:prstGeom prst="rect">
@@ -14846,13 +14657,13 @@
       </p:sp>
       <p:sp>
         <p:nvSpPr>
-          <p:cNvPr id="188" name="Rounded Rectangle 187"/>
+          <p:cNvPr id="301" name="Rounded Rectangle 300"/>
           <p:cNvSpPr/>
           <p:nvPr/>
         </p:nvSpPr>
         <p:spPr>
           <a:xfrm>
-            <a:off x="1669147" y="7258531"/>
+            <a:off x="2225904" y="7258531"/>
             <a:ext cx="379973" cy="136208"/>
           </a:xfrm>
           <a:prstGeom prst="roundRect">
@@ -14912,13 +14723,13 @@
       </p:sp>
       <p:cxnSp>
         <p:nvCxnSpPr>
-          <p:cNvPr id="189" name="Straight Connector 188"/>
+          <p:cNvPr id="302" name="Straight Connector 301"/>
           <p:cNvCxnSpPr/>
           <p:nvPr/>
         </p:nvCxnSpPr>
         <p:spPr>
           <a:xfrm flipV="1">
-            <a:off x="2459903" y="11857627"/>
+            <a:off x="3131822" y="11857627"/>
             <a:ext cx="1690332" cy="756"/>
           </a:xfrm>
           <a:prstGeom prst="line">
@@ -14949,13 +14760,13 @@
       </p:cxnSp>
       <p:sp>
         <p:nvSpPr>
-          <p:cNvPr id="190" name="Oval 189"/>
+          <p:cNvPr id="303" name="Oval 302"/>
           <p:cNvSpPr/>
           <p:nvPr/>
         </p:nvSpPr>
         <p:spPr>
           <a:xfrm>
-            <a:off x="4124593" y="11813193"/>
+            <a:off x="4796512" y="11813193"/>
             <a:ext cx="85326" cy="90380"/>
           </a:xfrm>
           <a:prstGeom prst="ellipse">
@@ -14993,13 +14804,13 @@
       </p:sp>
       <p:sp>
         <p:nvSpPr>
-          <p:cNvPr id="191" name="TextBox 190"/>
+          <p:cNvPr id="304" name="TextBox 303"/>
           <p:cNvSpPr txBox="1"/>
           <p:nvPr/>
         </p:nvSpPr>
         <p:spPr>
           <a:xfrm>
-            <a:off x="2665429" y="11697374"/>
+            <a:off x="3337348" y="11697374"/>
             <a:ext cx="1324080" cy="123111"/>
           </a:xfrm>
           <a:prstGeom prst="rect">
@@ -15029,13 +14840,13 @@
       </p:sp>
       <p:sp>
         <p:nvSpPr>
-          <p:cNvPr id="192" name="TextBox 191"/>
+          <p:cNvPr id="305" name="TextBox 304"/>
           <p:cNvSpPr txBox="1"/>
           <p:nvPr/>
         </p:nvSpPr>
         <p:spPr>
           <a:xfrm>
-            <a:off x="5323321" y="8561107"/>
+            <a:off x="5995240" y="8561107"/>
             <a:ext cx="834130" cy="123111"/>
           </a:xfrm>
           <a:prstGeom prst="rect">
@@ -15073,13 +14884,13 @@
       </p:sp>
       <p:sp>
         <p:nvSpPr>
-          <p:cNvPr id="193" name="TextBox 192"/>
+          <p:cNvPr id="306" name="TextBox 305"/>
           <p:cNvSpPr txBox="1"/>
           <p:nvPr/>
         </p:nvSpPr>
         <p:spPr>
           <a:xfrm>
-            <a:off x="5435531" y="7880604"/>
+            <a:off x="6107450" y="7880604"/>
             <a:ext cx="609710" cy="123111"/>
           </a:xfrm>
           <a:prstGeom prst="rect">
@@ -15117,7 +14928,7 @@
       </p:sp>
       <p:pic>
         <p:nvPicPr>
-          <p:cNvPr id="194" name="Picture 193"/>
+          <p:cNvPr id="307" name="Picture 306"/>
           <p:cNvPicPr>
             <a:picLocks noChangeAspect="1"/>
           </p:cNvPicPr>
@@ -15137,7 +14948,7 @@
         </p:blipFill>
         <p:spPr>
           <a:xfrm>
-            <a:off x="2911053" y="3792676"/>
+            <a:off x="3582972" y="3792676"/>
             <a:ext cx="2570218" cy="1465418"/>
           </a:xfrm>
           <a:prstGeom prst="rect">
@@ -15154,13 +14965,13 @@
       </p:pic>
       <p:grpSp>
         <p:nvGrpSpPr>
-          <p:cNvPr id="195" name="Group 194"/>
+          <p:cNvPr id="308" name="Group 307"/>
           <p:cNvGrpSpPr/>
           <p:nvPr/>
         </p:nvGrpSpPr>
         <p:grpSpPr>
           <a:xfrm>
-            <a:off x="6223421" y="3766482"/>
+            <a:off x="6895340" y="3766482"/>
             <a:ext cx="1208789" cy="1579005"/>
             <a:chOff x="5899829" y="2890175"/>
             <a:chExt cx="1208789" cy="1579005"/>
@@ -15168,7 +14979,7 @@
         </p:grpSpPr>
         <p:sp>
           <p:nvSpPr>
-            <p:cNvPr id="196" name="Rectangle 195"/>
+            <p:cNvPr id="309" name="Rectangle 308"/>
             <p:cNvSpPr/>
             <p:nvPr/>
           </p:nvSpPr>
@@ -15225,7 +15036,7 @@
         </p:sp>
         <p:sp>
           <p:nvSpPr>
-            <p:cNvPr id="197" name="TextBox 196"/>
+            <p:cNvPr id="310" name="TextBox 309"/>
             <p:cNvSpPr txBox="1"/>
             <p:nvPr/>
           </p:nvSpPr>
@@ -15312,7 +15123,7 @@
         </p:sp>
         <p:sp>
           <p:nvSpPr>
-            <p:cNvPr id="198" name="TextBox 197"/>
+            <p:cNvPr id="311" name="TextBox 310"/>
             <p:cNvSpPr txBox="1"/>
             <p:nvPr/>
           </p:nvSpPr>
@@ -15362,7 +15173,7 @@
         </p:sp>
         <p:grpSp>
           <p:nvGrpSpPr>
-            <p:cNvPr id="199" name="Group 198"/>
+            <p:cNvPr id="312" name="Group 311"/>
             <p:cNvGrpSpPr/>
             <p:nvPr/>
           </p:nvGrpSpPr>
@@ -15376,7 +15187,7 @@
           </p:grpSpPr>
           <p:sp>
             <p:nvSpPr>
-              <p:cNvPr id="200" name="Rectangle 199"/>
+              <p:cNvPr id="313" name="Rectangle 312"/>
               <p:cNvSpPr/>
               <p:nvPr/>
             </p:nvSpPr>
@@ -15423,7 +15234,7 @@
           </p:sp>
           <p:sp>
             <p:nvSpPr>
-              <p:cNvPr id="201" name="TextBox 200"/>
+              <p:cNvPr id="314" name="TextBox 313"/>
               <p:cNvSpPr txBox="1"/>
               <p:nvPr/>
             </p:nvSpPr>
@@ -15537,13 +15348,13 @@
       </p:grpSp>
       <p:grpSp>
         <p:nvGrpSpPr>
-          <p:cNvPr id="202" name="Group 201"/>
+          <p:cNvPr id="315" name="Group 314"/>
           <p:cNvGrpSpPr/>
           <p:nvPr/>
         </p:nvGrpSpPr>
         <p:grpSpPr>
           <a:xfrm>
-            <a:off x="7087517" y="8273075"/>
+            <a:off x="7759436" y="8273075"/>
             <a:ext cx="1587201" cy="739079"/>
             <a:chOff x="6871493" y="6953746"/>
             <a:chExt cx="1587201" cy="739079"/>
@@ -15551,7 +15362,7 @@
         </p:grpSpPr>
         <p:sp>
           <p:nvSpPr>
-            <p:cNvPr id="203" name="Rectangle 202"/>
+            <p:cNvPr id="316" name="Rectangle 315"/>
             <p:cNvSpPr/>
             <p:nvPr/>
           </p:nvSpPr>
@@ -15608,7 +15419,7 @@
         </p:sp>
         <p:sp>
           <p:nvSpPr>
-            <p:cNvPr id="204" name="TextBox 203"/>
+            <p:cNvPr id="317" name="TextBox 316"/>
             <p:cNvSpPr txBox="1"/>
             <p:nvPr/>
           </p:nvSpPr>
@@ -15720,13 +15531,13 @@
       </p:grpSp>
       <p:sp>
         <p:nvSpPr>
-          <p:cNvPr id="205" name="TextBox 204"/>
+          <p:cNvPr id="318" name="TextBox 317"/>
           <p:cNvSpPr txBox="1"/>
           <p:nvPr/>
         </p:nvSpPr>
         <p:spPr>
           <a:xfrm>
-            <a:off x="2639400" y="11154060"/>
+            <a:off x="3311319" y="11154060"/>
             <a:ext cx="1279765" cy="153888"/>
           </a:xfrm>
           <a:prstGeom prst="rect">
@@ -15763,13 +15574,13 @@
       </p:sp>
       <p:cxnSp>
         <p:nvCxnSpPr>
-          <p:cNvPr id="206" name="Straight Arrow Connector 205"/>
+          <p:cNvPr id="319" name="Straight Arrow Connector 318"/>
           <p:cNvCxnSpPr/>
           <p:nvPr/>
         </p:nvCxnSpPr>
         <p:spPr>
           <a:xfrm>
-            <a:off x="2925342" y="9393723"/>
+            <a:off x="3597261" y="9393723"/>
             <a:ext cx="4968000" cy="0"/>
           </a:xfrm>
           <a:prstGeom prst="straightConnector1">
@@ -15799,13 +15610,13 @@
       </p:cxnSp>
       <p:sp>
         <p:nvSpPr>
-          <p:cNvPr id="207" name="Rectangle 206"/>
+          <p:cNvPr id="320" name="Rectangle 319"/>
           <p:cNvSpPr/>
           <p:nvPr/>
         </p:nvSpPr>
         <p:spPr>
           <a:xfrm>
-            <a:off x="1807755" y="9156772"/>
+            <a:off x="2464882" y="9156772"/>
             <a:ext cx="1295512" cy="854129"/>
           </a:xfrm>
           <a:prstGeom prst="rect">
@@ -15853,13 +15664,13 @@
       </p:sp>
       <p:sp>
         <p:nvSpPr>
-          <p:cNvPr id="208" name="TextBox 207"/>
+          <p:cNvPr id="321" name="TextBox 320"/>
           <p:cNvSpPr txBox="1"/>
           <p:nvPr/>
         </p:nvSpPr>
         <p:spPr>
           <a:xfrm>
-            <a:off x="1821407" y="9165453"/>
+            <a:off x="2478534" y="9165453"/>
             <a:ext cx="1296144" cy="830997"/>
           </a:xfrm>
           <a:prstGeom prst="rect">
@@ -15980,13 +15791,13 @@
       </p:sp>
       <p:sp>
         <p:nvSpPr>
-          <p:cNvPr id="209" name="TextBox 208"/>
+          <p:cNvPr id="322" name="TextBox 321"/>
           <p:cNvSpPr txBox="1"/>
           <p:nvPr/>
         </p:nvSpPr>
         <p:spPr>
           <a:xfrm>
-            <a:off x="6584633" y="9146234"/>
+            <a:off x="7256552" y="9146234"/>
             <a:ext cx="1150956" cy="276999"/>
           </a:xfrm>
           <a:prstGeom prst="rect">
@@ -16029,13 +15840,13 @@
       </p:sp>
       <p:sp>
         <p:nvSpPr>
-          <p:cNvPr id="210" name="TextBox 209"/>
+          <p:cNvPr id="323" name="TextBox 322"/>
           <p:cNvSpPr txBox="1"/>
           <p:nvPr/>
         </p:nvSpPr>
         <p:spPr>
           <a:xfrm>
-            <a:off x="5323321" y="11272294"/>
+            <a:off x="5995240" y="11272294"/>
             <a:ext cx="834130" cy="123111"/>
           </a:xfrm>
           <a:prstGeom prst="rect">
@@ -16073,13 +15884,13 @@
       </p:sp>
       <p:sp>
         <p:nvSpPr>
-          <p:cNvPr id="211" name="TextBox 210"/>
+          <p:cNvPr id="324" name="TextBox 323"/>
           <p:cNvSpPr txBox="1"/>
           <p:nvPr/>
         </p:nvSpPr>
         <p:spPr>
           <a:xfrm>
-            <a:off x="5401067" y="9326456"/>
+            <a:off x="6072986" y="9326456"/>
             <a:ext cx="678638" cy="123111"/>
           </a:xfrm>
           <a:prstGeom prst="rect">
@@ -16117,13 +15928,13 @@
       </p:sp>
       <p:grpSp>
         <p:nvGrpSpPr>
-          <p:cNvPr id="212" name="Group 211"/>
+          <p:cNvPr id="325" name="Group 324"/>
           <p:cNvGrpSpPr/>
           <p:nvPr/>
         </p:nvGrpSpPr>
         <p:grpSpPr>
           <a:xfrm>
-            <a:off x="7154720" y="10692360"/>
+            <a:off x="7826639" y="10692360"/>
             <a:ext cx="1588981" cy="1672367"/>
             <a:chOff x="7154720" y="10200545"/>
             <a:chExt cx="1588981" cy="1672367"/>
@@ -16131,7 +15942,7 @@
         </p:grpSpPr>
         <p:sp>
           <p:nvSpPr>
-            <p:cNvPr id="213" name="Rectangle 212"/>
+            <p:cNvPr id="326" name="Rectangle 325"/>
             <p:cNvSpPr/>
             <p:nvPr/>
           </p:nvSpPr>
@@ -16188,7 +15999,7 @@
         </p:sp>
         <p:sp>
           <p:nvSpPr>
-            <p:cNvPr id="214" name="TextBox 213"/>
+            <p:cNvPr id="327" name="TextBox 326"/>
             <p:cNvSpPr txBox="1"/>
             <p:nvPr/>
           </p:nvSpPr>
@@ -16297,7 +16108,7 @@
         </p:sp>
         <p:sp>
           <p:nvSpPr>
-            <p:cNvPr id="215" name="TextBox 214"/>
+            <p:cNvPr id="328" name="TextBox 327"/>
             <p:cNvSpPr txBox="1"/>
             <p:nvPr/>
           </p:nvSpPr>
@@ -16347,7 +16158,7 @@
         </p:sp>
         <p:grpSp>
           <p:nvGrpSpPr>
-            <p:cNvPr id="216" name="Group 215"/>
+            <p:cNvPr id="329" name="Group 328"/>
             <p:cNvGrpSpPr/>
             <p:nvPr/>
           </p:nvGrpSpPr>
@@ -16361,7 +16172,7 @@
           </p:grpSpPr>
           <p:sp>
             <p:nvSpPr>
-              <p:cNvPr id="217" name="Rectangle 216"/>
+              <p:cNvPr id="330" name="Rectangle 329"/>
               <p:cNvSpPr/>
               <p:nvPr/>
             </p:nvSpPr>
@@ -16408,7 +16219,7 @@
           </p:sp>
           <p:sp>
             <p:nvSpPr>
-              <p:cNvPr id="218" name="TextBox 217"/>
+              <p:cNvPr id="331" name="TextBox 330"/>
               <p:cNvSpPr txBox="1"/>
               <p:nvPr/>
             </p:nvSpPr>
@@ -16522,13 +16333,13 @@
       </p:grpSp>
       <p:sp>
         <p:nvSpPr>
-          <p:cNvPr id="219" name="TextBox 218"/>
+          <p:cNvPr id="332" name="TextBox 331"/>
           <p:cNvSpPr txBox="1"/>
           <p:nvPr/>
         </p:nvSpPr>
         <p:spPr>
           <a:xfrm>
-            <a:off x="1006276" y="1560134"/>
+            <a:off x="1387449" y="1560134"/>
             <a:ext cx="165567" cy="172758"/>
           </a:xfrm>
           <a:prstGeom prst="roundRect">
@@ -16569,13 +16380,13 @@
       </p:sp>
       <p:sp>
         <p:nvSpPr>
-          <p:cNvPr id="220" name="TextBox 219"/>
+          <p:cNvPr id="333" name="TextBox 332"/>
           <p:cNvSpPr txBox="1"/>
           <p:nvPr/>
         </p:nvSpPr>
         <p:spPr>
           <a:xfrm>
-            <a:off x="1006276" y="2777282"/>
+            <a:off x="1387449" y="2777282"/>
             <a:ext cx="165567" cy="172758"/>
           </a:xfrm>
           <a:prstGeom prst="roundRect">
@@ -16612,13 +16423,13 @@
       </p:sp>
       <p:sp>
         <p:nvSpPr>
-          <p:cNvPr id="221" name="TextBox 220"/>
+          <p:cNvPr id="334" name="TextBox 333"/>
           <p:cNvSpPr txBox="1"/>
           <p:nvPr/>
         </p:nvSpPr>
         <p:spPr>
           <a:xfrm>
-            <a:off x="910645" y="7353089"/>
+            <a:off x="1291818" y="7353089"/>
             <a:ext cx="165567" cy="172758"/>
           </a:xfrm>
           <a:prstGeom prst="roundRect">
@@ -16655,13 +16466,13 @@
       </p:sp>
       <p:sp>
         <p:nvSpPr>
-          <p:cNvPr id="222" name="TextBox 221"/>
+          <p:cNvPr id="335" name="TextBox 334"/>
           <p:cNvSpPr txBox="1"/>
           <p:nvPr/>
         </p:nvSpPr>
         <p:spPr>
           <a:xfrm>
-            <a:off x="4307033" y="3276397"/>
+            <a:off x="4978952" y="3276397"/>
             <a:ext cx="165567" cy="172758"/>
           </a:xfrm>
           <a:prstGeom prst="roundRect">
@@ -16698,13 +16509,13 @@
       </p:sp>
       <p:sp>
         <p:nvSpPr>
-          <p:cNvPr id="223" name="TextBox 222"/>
+          <p:cNvPr id="336" name="TextBox 335"/>
           <p:cNvSpPr txBox="1"/>
           <p:nvPr/>
         </p:nvSpPr>
         <p:spPr>
           <a:xfrm>
-            <a:off x="5291957" y="3435933"/>
+            <a:off x="5963876" y="3435933"/>
             <a:ext cx="165567" cy="172758"/>
           </a:xfrm>
           <a:prstGeom prst="roundRect">
@@ -16741,13 +16552,13 @@
       </p:sp>
       <p:sp>
         <p:nvSpPr>
-          <p:cNvPr id="224" name="TextBox 223"/>
+          <p:cNvPr id="337" name="TextBox 336"/>
           <p:cNvSpPr txBox="1"/>
           <p:nvPr/>
         </p:nvSpPr>
         <p:spPr>
           <a:xfrm>
-            <a:off x="6217084" y="3373423"/>
+            <a:off x="6889003" y="3373423"/>
             <a:ext cx="165567" cy="172758"/>
           </a:xfrm>
           <a:prstGeom prst="roundRect">
@@ -16784,13 +16595,13 @@
       </p:sp>
       <p:sp>
         <p:nvSpPr>
-          <p:cNvPr id="225" name="TextBox 224"/>
+          <p:cNvPr id="338" name="TextBox 337"/>
           <p:cNvSpPr txBox="1"/>
           <p:nvPr/>
         </p:nvSpPr>
         <p:spPr>
           <a:xfrm>
-            <a:off x="2142853" y="8561302"/>
+            <a:off x="2814772" y="8561302"/>
             <a:ext cx="165567" cy="172758"/>
           </a:xfrm>
           <a:prstGeom prst="roundRect">
@@ -16827,13 +16638,13 @@
       </p:sp>
       <p:sp>
         <p:nvSpPr>
-          <p:cNvPr id="226" name="TextBox 225"/>
+          <p:cNvPr id="339" name="TextBox 338"/>
           <p:cNvSpPr txBox="1"/>
           <p:nvPr/>
         </p:nvSpPr>
         <p:spPr>
           <a:xfrm>
-            <a:off x="8046893" y="9307712"/>
+            <a:off x="8718812" y="9307712"/>
             <a:ext cx="165567" cy="172758"/>
           </a:xfrm>
           <a:prstGeom prst="roundRect">
@@ -16870,13 +16681,13 @@
       </p:sp>
       <p:sp>
         <p:nvSpPr>
-          <p:cNvPr id="227" name="TextBox 226"/>
+          <p:cNvPr id="340" name="TextBox 339"/>
           <p:cNvSpPr txBox="1"/>
           <p:nvPr/>
         </p:nvSpPr>
         <p:spPr>
           <a:xfrm>
-            <a:off x="2142853" y="11249076"/>
+            <a:off x="2814772" y="11249076"/>
             <a:ext cx="165567" cy="172758"/>
           </a:xfrm>
           <a:prstGeom prst="roundRect">
@@ -16913,13 +16724,13 @@
       </p:sp>
       <p:sp>
         <p:nvSpPr>
-          <p:cNvPr id="228" name="TextBox 227"/>
+          <p:cNvPr id="341" name="TextBox 340"/>
           <p:cNvSpPr txBox="1"/>
           <p:nvPr/>
         </p:nvSpPr>
         <p:spPr>
           <a:xfrm>
-            <a:off x="7039392" y="8042929"/>
+            <a:off x="7711311" y="8042929"/>
             <a:ext cx="795637" cy="215444"/>
           </a:xfrm>
           <a:prstGeom prst="rect">
@@ -16971,7 +16782,7 @@
       </p:sp>
       <p:sp>
         <p:nvSpPr>
-          <p:cNvPr id="229" name="TextBox 228"/>
+          <p:cNvPr id="342" name="TextBox 341"/>
           <p:cNvSpPr txBox="1"/>
           <p:nvPr/>
         </p:nvSpPr>
@@ -17008,14 +16819,14 @@
       </p:sp>
       <p:cxnSp>
         <p:nvCxnSpPr>
-          <p:cNvPr id="230" name="Straight Arrow Connector 229"/>
+          <p:cNvPr id="343" name="Straight Arrow Connector 342"/>
           <p:cNvCxnSpPr/>
           <p:nvPr/>
         </p:nvCxnSpPr>
         <p:spPr>
           <a:xfrm flipV="1">
             <a:off x="463053" y="5021752"/>
-            <a:ext cx="2448000" cy="701"/>
+            <a:ext cx="3114000" cy="701"/>
           </a:xfrm>
           <a:prstGeom prst="straightConnector1">
             <a:avLst/>
@@ -17043,6 +16854,195 @@
           </a:fontRef>
         </p:style>
       </p:cxnSp>
+      <p:sp>
+        <p:nvSpPr>
+          <p:cNvPr id="347" name="Rounded Rectangle 346"/>
+          <p:cNvSpPr/>
+          <p:nvPr/>
+        </p:nvSpPr>
+        <p:spPr>
+          <a:xfrm>
+            <a:off x="1428261" y="436242"/>
+            <a:ext cx="1962000" cy="421772"/>
+          </a:xfrm>
+          <a:prstGeom prst="roundRect">
+            <a:avLst/>
+          </a:prstGeom>
+          <a:solidFill>
+            <a:schemeClr val="bg1"/>
+          </a:solidFill>
+          <a:ln w="3175">
+            <a:solidFill>
+              <a:schemeClr val="bg1">
+                <a:lumMod val="50000"/>
+              </a:schemeClr>
+            </a:solidFill>
+          </a:ln>
+          <a:effectLst>
+            <a:innerShdw blurRad="114300">
+              <a:schemeClr val="accent6">
+                <a:lumMod val="75000"/>
+              </a:schemeClr>
+            </a:innerShdw>
+          </a:effectLst>
+        </p:spPr>
+        <p:style>
+          <a:lnRef idx="2">
+            <a:schemeClr val="accent1">
+              <a:shade val="50000"/>
+            </a:schemeClr>
+          </a:lnRef>
+          <a:fillRef idx="1">
+            <a:schemeClr val="accent1"/>
+          </a:fillRef>
+          <a:effectRef idx="0">
+            <a:schemeClr val="accent1"/>
+          </a:effectRef>
+          <a:fontRef idx="minor">
+            <a:schemeClr val="lt1"/>
+          </a:fontRef>
+        </p:style>
+        <p:txBody>
+          <a:bodyPr lIns="36000" rIns="36000" rtlCol="0" anchor="ctr"/>
+          <a:lstStyle/>
+          <a:p>
+            <a:pPr algn="ctr">
+              <a:spcAft>
+                <a:spcPts val="600"/>
+              </a:spcAft>
+            </a:pPr>
+            <a:r>
+              <a:rPr lang="en-US" sz="900" dirty="0">
+                <a:solidFill>
+                  <a:schemeClr val="tx1"/>
+                </a:solidFill>
+                <a:latin typeface="Arial" panose="020B0604020202020204" pitchFamily="34" charset="0"/>
+                <a:cs typeface="Arial" panose="020B0604020202020204" pitchFamily="34" charset="0"/>
+              </a:rPr>
+              <a:t>Merchant </a:t>
+            </a:r>
+            <a:r>
+              <a:rPr lang="en-US" sz="900" dirty="0" smtClean="0">
+                <a:solidFill>
+                  <a:schemeClr val="tx1"/>
+                </a:solidFill>
+                <a:latin typeface="Arial" panose="020B0604020202020204" pitchFamily="34" charset="0"/>
+                <a:cs typeface="Arial" panose="020B0604020202020204" pitchFamily="34" charset="0"/>
+              </a:rPr>
+              <a:t>Web Application</a:t>
+            </a:r>
+            <a:br>
+              <a:rPr lang="en-US" sz="900" dirty="0" smtClean="0">
+                <a:solidFill>
+                  <a:schemeClr val="tx1"/>
+                </a:solidFill>
+                <a:latin typeface="Arial" panose="020B0604020202020204" pitchFamily="34" charset="0"/>
+                <a:cs typeface="Arial" panose="020B0604020202020204" pitchFamily="34" charset="0"/>
+              </a:rPr>
+            </a:br>
+            <a:r>
+              <a:rPr lang="en-US" sz="700" dirty="0" smtClean="0">
+                <a:solidFill>
+                  <a:schemeClr val="tx1"/>
+                </a:solidFill>
+                <a:latin typeface="Arial" panose="020B0604020202020204" pitchFamily="34" charset="0"/>
+                <a:cs typeface="Arial" panose="020B0604020202020204" pitchFamily="34" charset="0"/>
+              </a:rPr>
+              <a:t>(Payee)</a:t>
+            </a:r>
+            <a:endParaRPr lang="en-US" sz="700" dirty="0">
+              <a:solidFill>
+                <a:schemeClr val="tx1"/>
+              </a:solidFill>
+              <a:latin typeface="Arial" panose="020B0604020202020204" pitchFamily="34" charset="0"/>
+              <a:cs typeface="Arial" panose="020B0604020202020204" pitchFamily="34" charset="0"/>
+            </a:endParaRPr>
+          </a:p>
+        </p:txBody>
+      </p:sp>
+      <p:sp>
+        <p:nvSpPr>
+          <p:cNvPr id="348" name="TextBox 347"/>
+          <p:cNvSpPr txBox="1"/>
+          <p:nvPr/>
+        </p:nvSpPr>
+        <p:spPr>
+          <a:xfrm>
+            <a:off x="1514385" y="697383"/>
+            <a:ext cx="336681" cy="125898"/>
+          </a:xfrm>
+          <a:prstGeom prst="rect">
+            <a:avLst/>
+          </a:prstGeom>
+          <a:noFill/>
+          <a:ln w="3175">
+            <a:solidFill>
+              <a:schemeClr val="tx1"/>
+            </a:solidFill>
+          </a:ln>
+        </p:spPr>
+        <p:txBody>
+          <a:bodyPr wrap="none" lIns="54000" tIns="0" rIns="54000" bIns="18000" rtlCol="0" anchor="ctr" anchorCtr="1">
+            <a:spAutoFit/>
+          </a:bodyPr>
+          <a:lstStyle/>
+          <a:p>
+            <a:r>
+              <a:rPr lang="en-US" sz="700" dirty="0" smtClean="0">
+                <a:latin typeface="Arial" panose="020B0604020202020204" pitchFamily="34" charset="0"/>
+                <a:cs typeface="Arial" panose="020B0604020202020204" pitchFamily="34" charset="0"/>
+              </a:rPr>
+              <a:t>Client</a:t>
+            </a:r>
+            <a:endParaRPr lang="en-US" sz="700" dirty="0">
+              <a:latin typeface="Arial" panose="020B0604020202020204" pitchFamily="34" charset="0"/>
+              <a:cs typeface="Arial" panose="020B0604020202020204" pitchFamily="34" charset="0"/>
+            </a:endParaRPr>
+          </a:p>
+        </p:txBody>
+      </p:sp>
+      <p:sp>
+        <p:nvSpPr>
+          <p:cNvPr id="349" name="TextBox 348"/>
+          <p:cNvSpPr txBox="1"/>
+          <p:nvPr/>
+        </p:nvSpPr>
+        <p:spPr>
+          <a:xfrm>
+            <a:off x="2904061" y="697383"/>
+            <a:ext cx="409902" cy="125898"/>
+          </a:xfrm>
+          <a:prstGeom prst="rect">
+            <a:avLst/>
+          </a:prstGeom>
+          <a:noFill/>
+          <a:ln w="3175">
+            <a:solidFill>
+              <a:schemeClr val="tx1"/>
+            </a:solidFill>
+          </a:ln>
+        </p:spPr>
+        <p:txBody>
+          <a:bodyPr wrap="none" lIns="72000" tIns="0" rIns="72000" bIns="18000" rtlCol="0" anchor="ctr" anchorCtr="1">
+            <a:spAutoFit/>
+          </a:bodyPr>
+          <a:lstStyle/>
+          <a:p>
+            <a:pPr algn="r"/>
+            <a:r>
+              <a:rPr lang="en-US" sz="700" dirty="0" smtClean="0">
+                <a:latin typeface="Arial" panose="020B0604020202020204" pitchFamily="34" charset="0"/>
+                <a:cs typeface="Arial" panose="020B0604020202020204" pitchFamily="34" charset="0"/>
+              </a:rPr>
+              <a:t>Server</a:t>
+            </a:r>
+            <a:endParaRPr lang="en-US" sz="700" dirty="0">
+              <a:latin typeface="Arial" panose="020B0604020202020204" pitchFamily="34" charset="0"/>
+              <a:cs typeface="Arial" panose="020B0604020202020204" pitchFamily="34" charset="0"/>
+            </a:endParaRPr>
+          </a:p>
+        </p:txBody>
+      </p:sp>
     </p:spTree>
     <p:extLst>
       <p:ext uri="{BB962C8B-B14F-4D97-AF65-F5344CB8AC3E}">

--- a/webpayment.resources/docs/webpay-account-2-account-direct-debit-statediagram.pptx
+++ b/webpayment.resources/docs/webpay-account-2-account-direct-debit-statediagram.pptx
@@ -14007,8 +14007,8 @@
         </p:nvSpPr>
         <p:spPr>
           <a:xfrm>
-            <a:off x="6671316" y="5764088"/>
-            <a:ext cx="1627466" cy="495866"/>
+            <a:off x="6582990" y="5742856"/>
+            <a:ext cx="1797440" cy="550962"/>
           </a:xfrm>
           <a:prstGeom prst="snip2DiagRect">
             <a:avLst/>
@@ -14038,33 +14038,33 @@
           <a:lstStyle/>
           <a:p>
             <a:r>
-              <a:rPr lang="en-US" sz="700" i="1" dirty="0" smtClean="0">
+              <a:rPr lang="en-US" sz="800" i="1" dirty="0" smtClean="0">
                 <a:latin typeface="Arial" panose="020B0604020202020204" pitchFamily="34" charset="0"/>
                 <a:cs typeface="Arial" panose="020B0604020202020204" pitchFamily="34" charset="0"/>
               </a:rPr>
               <a:t>Encrypt the authorized request</a:t>
             </a:r>
             <a:br>
-              <a:rPr lang="en-US" sz="700" i="1" dirty="0" smtClean="0">
+              <a:rPr lang="en-US" sz="800" i="1" dirty="0" smtClean="0">
                 <a:latin typeface="Arial" panose="020B0604020202020204" pitchFamily="34" charset="0"/>
                 <a:cs typeface="Arial" panose="020B0604020202020204" pitchFamily="34" charset="0"/>
               </a:rPr>
             </a:br>
             <a:r>
-              <a:rPr lang="en-US" sz="700" i="1" dirty="0" smtClean="0">
+              <a:rPr lang="en-US" sz="800" i="1" dirty="0" smtClean="0">
                 <a:latin typeface="Arial" panose="020B0604020202020204" pitchFamily="34" charset="0"/>
                 <a:cs typeface="Arial" panose="020B0604020202020204" pitchFamily="34" charset="0"/>
               </a:rPr>
               <a:t>above using a Payment Provider public RSA or ECDH key </a:t>
             </a:r>
             <a:r>
-              <a:rPr lang="en-US" sz="700" dirty="0" smtClean="0">
+              <a:rPr lang="en-US" sz="800" dirty="0" smtClean="0">
                 <a:latin typeface="Arial" panose="020B0604020202020204" pitchFamily="34" charset="0"/>
                 <a:cs typeface="Arial" panose="020B0604020202020204" pitchFamily="34" charset="0"/>
               </a:rPr>
               <a:t>◄</a:t>
             </a:r>
-            <a:endParaRPr lang="en-US" sz="700" dirty="0">
+            <a:endParaRPr lang="en-US" sz="800" dirty="0">
               <a:latin typeface="Arial" panose="020B0604020202020204" pitchFamily="34" charset="0"/>
               <a:cs typeface="Arial" panose="020B0604020202020204" pitchFamily="34" charset="0"/>
             </a:endParaRPr>

--- a/webpayment.resources/docs/webpay-account-2-account-direct-debit-statediagram.pptx
+++ b/webpayment.resources/docs/webpay-account-2-account-direct-debit-statediagram.pptx
@@ -27568,7 +27568,7 @@
               <a:schemeClr val="tx1"/>
             </a:solidFill>
             <a:prstDash val="lgDash"/>
-            <a:tailEnd type="none" w="sm" len="sm"/>
+            <a:tailEnd type="triangle" w="sm" len="sm"/>
           </a:ln>
         </p:spPr>
         <p:style>
@@ -27651,7 +27651,7 @@
         </p:nvSpPr>
         <p:spPr>
           <a:xfrm rot="16200000">
-            <a:off x="867857" y="2195109"/>
+            <a:off x="867857" y="2339125"/>
             <a:ext cx="562975" cy="195814"/>
           </a:xfrm>
           <a:prstGeom prst="rect">

--- a/webpayment.resources/docs/webpay-account-2-account-direct-debit-statediagram.pptx
+++ b/webpayment.resources/docs/webpay-account-2-account-direct-debit-statediagram.pptx
@@ -192,7 +192,7 @@
           <a:p>
             <a:fld id="{EC8C8056-B549-4FBF-9C23-C3E3767DB98D}" type="datetimeFigureOut">
               <a:rPr lang="en-US" smtClean="0"/>
-              <a:t>2015-09-29</a:t>
+              <a:t>2015-10-01</a:t>
             </a:fld>
             <a:endParaRPr lang="en-US"/>
           </a:p>
@@ -936,7 +936,7 @@
         <p:spPr>
           <a:xfrm>
             <a:off x="472023" y="906290"/>
-            <a:ext cx="0" cy="11700000"/>
+            <a:ext cx="0" cy="11718000"/>
           </a:xfrm>
           <a:prstGeom prst="line">
             <a:avLst/>
@@ -16741,7 +16741,7 @@
         </p:nvSpPr>
         <p:spPr>
           <a:xfrm>
-            <a:off x="7682963" y="12848950"/>
+            <a:off x="8386574" y="12848950"/>
             <a:ext cx="1436776" cy="200055"/>
           </a:xfrm>
           <a:prstGeom prst="rect">

--- a/webpayment.resources/docs/webpay-account-2-account-direct-debit-statediagram.pptx
+++ b/webpayment.resources/docs/webpay-account-2-account-direct-debit-statediagram.pptx
@@ -12920,7 +12920,21 @@
                   <a:latin typeface="Arial" panose="020B0604020202020204" pitchFamily="34" charset="0"/>
                   <a:cs typeface="Arial" panose="020B0604020202020204" pitchFamily="34" charset="0"/>
                 </a:rPr>
-                <a:t>{}</a:t>
+                <a:t>{</a:t>
+              </a:r>
+              <a:r>
+                <a:rPr lang="en-US" sz="400" dirty="0" smtClean="0">
+                  <a:latin typeface="Arial" panose="020B0604020202020204" pitchFamily="34" charset="0"/>
+                  <a:cs typeface="Arial" panose="020B0604020202020204" pitchFamily="34" charset="0"/>
+                </a:rPr>
+                <a:t> </a:t>
+              </a:r>
+              <a:r>
+                <a:rPr lang="en-US" sz="800" dirty="0" smtClean="0">
+                  <a:latin typeface="Arial" panose="020B0604020202020204" pitchFamily="34" charset="0"/>
+                  <a:cs typeface="Arial" panose="020B0604020202020204" pitchFamily="34" charset="0"/>
+                </a:rPr>
+                <a:t>}</a:t>
               </a:r>
               <a:endParaRPr lang="en-US" sz="800" dirty="0">
                 <a:latin typeface="Arial" panose="020B0604020202020204" pitchFamily="34" charset="0"/>
@@ -13218,8 +13232,33 @@
                 <a:latin typeface="Arial" panose="020B0604020202020204" pitchFamily="34" charset="0"/>
                 <a:cs typeface="Arial" panose="020B0604020202020204" pitchFamily="34" charset="0"/>
               </a:rPr>
-              <a:t> {} </a:t>
+              <a:t> </a:t>
             </a:r>
+            <a:r>
+              <a:rPr lang="en-US" sz="800" dirty="0" smtClean="0">
+                <a:latin typeface="Arial" panose="020B0604020202020204" pitchFamily="34" charset="0"/>
+                <a:cs typeface="Arial" panose="020B0604020202020204" pitchFamily="34" charset="0"/>
+              </a:rPr>
+              <a:t>{</a:t>
+            </a:r>
+            <a:r>
+              <a:rPr lang="en-US" sz="400" dirty="0" smtClean="0">
+                <a:latin typeface="Arial" panose="020B0604020202020204" pitchFamily="34" charset="0"/>
+                <a:cs typeface="Arial" panose="020B0604020202020204" pitchFamily="34" charset="0"/>
+              </a:rPr>
+              <a:t> </a:t>
+            </a:r>
+            <a:r>
+              <a:rPr lang="en-US" sz="800" dirty="0" smtClean="0">
+                <a:latin typeface="Arial" panose="020B0604020202020204" pitchFamily="34" charset="0"/>
+                <a:cs typeface="Arial" panose="020B0604020202020204" pitchFamily="34" charset="0"/>
+              </a:rPr>
+              <a:t>} </a:t>
+            </a:r>
+            <a:endParaRPr lang="en-US" sz="800" dirty="0" smtClean="0">
+              <a:latin typeface="Arial" panose="020B0604020202020204" pitchFamily="34" charset="0"/>
+              <a:cs typeface="Arial" panose="020B0604020202020204" pitchFamily="34" charset="0"/>
+            </a:endParaRPr>
           </a:p>
         </p:txBody>
       </p:sp>
@@ -14621,8 +14660,8 @@
         </p:nvSpPr>
         <p:spPr>
           <a:xfrm>
-            <a:off x="4625810" y="2777544"/>
-            <a:ext cx="442179" cy="163867"/>
+            <a:off x="4557242" y="2761571"/>
+            <a:ext cx="587277" cy="195814"/>
           </a:xfrm>
           <a:prstGeom prst="rect">
             <a:avLst/>
@@ -14650,8 +14689,33 @@
                 <a:latin typeface="Arial" panose="020B0604020202020204" pitchFamily="34" charset="0"/>
                 <a:cs typeface="Arial" panose="020B0604020202020204" pitchFamily="34" charset="0"/>
               </a:rPr>
-              <a:t>indow {}</a:t>
+              <a:t>indow </a:t>
             </a:r>
+            <a:r>
+              <a:rPr lang="en-US" sz="800" dirty="0" smtClean="0">
+                <a:latin typeface="Arial" panose="020B0604020202020204" pitchFamily="34" charset="0"/>
+                <a:cs typeface="Arial" panose="020B0604020202020204" pitchFamily="34" charset="0"/>
+              </a:rPr>
+              <a:t>{</a:t>
+            </a:r>
+            <a:r>
+              <a:rPr lang="en-US" sz="400" dirty="0" smtClean="0">
+                <a:latin typeface="Arial" panose="020B0604020202020204" pitchFamily="34" charset="0"/>
+                <a:cs typeface="Arial" panose="020B0604020202020204" pitchFamily="34" charset="0"/>
+              </a:rPr>
+              <a:t> </a:t>
+            </a:r>
+            <a:r>
+              <a:rPr lang="en-US" sz="800" dirty="0" smtClean="0">
+                <a:latin typeface="Arial" panose="020B0604020202020204" pitchFamily="34" charset="0"/>
+                <a:cs typeface="Arial" panose="020B0604020202020204" pitchFamily="34" charset="0"/>
+              </a:rPr>
+              <a:t>}</a:t>
+            </a:r>
+            <a:endParaRPr lang="en-US" sz="800" dirty="0" smtClean="0">
+              <a:latin typeface="Arial" panose="020B0604020202020204" pitchFamily="34" charset="0"/>
+              <a:cs typeface="Arial" panose="020B0604020202020204" pitchFamily="34" charset="0"/>
+            </a:endParaRPr>
           </a:p>
         </p:txBody>
       </p:sp>
@@ -14965,16 +15029,16 @@
       </p:pic>
       <p:grpSp>
         <p:nvGrpSpPr>
-          <p:cNvPr id="308" name="Group 307"/>
+          <p:cNvPr id="2" name="Group 1"/>
           <p:cNvGrpSpPr/>
           <p:nvPr/>
         </p:nvGrpSpPr>
         <p:grpSpPr>
           <a:xfrm>
-            <a:off x="6895340" y="3766482"/>
-            <a:ext cx="1208789" cy="1579005"/>
-            <a:chOff x="5899829" y="2890175"/>
-            <a:chExt cx="1208789" cy="1579005"/>
+            <a:off x="6890577" y="3812929"/>
+            <a:ext cx="1208789" cy="1519893"/>
+            <a:chOff x="6895340" y="3766482"/>
+            <a:chExt cx="1208789" cy="1519893"/>
           </a:xfrm>
         </p:grpSpPr>
         <p:sp>
@@ -14985,8 +15049,8 @@
           </p:nvSpPr>
           <p:spPr>
             <a:xfrm>
-              <a:off x="5899829" y="2890175"/>
-              <a:ext cx="1208789" cy="1579005"/>
+              <a:off x="6895340" y="3766482"/>
+              <a:ext cx="1208789" cy="1519893"/>
             </a:xfrm>
             <a:prstGeom prst="rect">
               <a:avLst/>
@@ -15042,8 +15106,8 @@
           </p:nvSpPr>
           <p:spPr>
             <a:xfrm>
-              <a:off x="5899830" y="3929410"/>
-              <a:ext cx="1071127" cy="500137"/>
+              <a:off x="6895341" y="4805717"/>
+              <a:ext cx="1085554" cy="461665"/>
             </a:xfrm>
             <a:prstGeom prst="rect">
               <a:avLst/>
@@ -15068,7 +15132,35 @@
                   <a:latin typeface="Arial" panose="020B0604020202020204" pitchFamily="34" charset="0"/>
                   <a:cs typeface="Arial" panose="020B0604020202020204" pitchFamily="34" charset="0"/>
                 </a:rPr>
-                <a:t> {}  ◄</a:t>
+                <a:t> </a:t>
+              </a:r>
+              <a:r>
+                <a:rPr lang="en-US" sz="800" dirty="0" smtClean="0">
+                  <a:latin typeface="Arial" panose="020B0604020202020204" pitchFamily="34" charset="0"/>
+                  <a:cs typeface="Arial" panose="020B0604020202020204" pitchFamily="34" charset="0"/>
+                </a:rPr>
+                <a:t>{</a:t>
+              </a:r>
+              <a:r>
+                <a:rPr lang="en-US" sz="400" dirty="0" smtClean="0">
+                  <a:latin typeface="Arial" panose="020B0604020202020204" pitchFamily="34" charset="0"/>
+                  <a:cs typeface="Arial" panose="020B0604020202020204" pitchFamily="34" charset="0"/>
+                </a:rPr>
+                <a:t> </a:t>
+              </a:r>
+              <a:r>
+                <a:rPr lang="en-US" sz="800" dirty="0" smtClean="0">
+                  <a:latin typeface="Arial" panose="020B0604020202020204" pitchFamily="34" charset="0"/>
+                  <a:cs typeface="Arial" panose="020B0604020202020204" pitchFamily="34" charset="0"/>
+                </a:rPr>
+                <a:t>}  </a:t>
+              </a:r>
+              <a:r>
+                <a:rPr lang="en-US" sz="800" dirty="0" smtClean="0">
+                  <a:latin typeface="Arial" panose="020B0604020202020204" pitchFamily="34" charset="0"/>
+                  <a:cs typeface="Arial" panose="020B0604020202020204" pitchFamily="34" charset="0"/>
+                </a:rPr>
+                <a:t>◄</a:t>
               </a:r>
             </a:p>
             <a:p>
@@ -15092,11 +15184,6 @@
               </a:endParaRPr>
             </a:p>
             <a:p>
-              <a:pPr>
-                <a:spcBef>
-                  <a:spcPts val="300"/>
-                </a:spcBef>
-              </a:pPr>
               <a:r>
                 <a:rPr lang="en-US" sz="800" b="1" dirty="0" smtClean="0">
                   <a:solidFill>
@@ -15112,7 +15199,35 @@
                   <a:latin typeface="Arial" panose="020B0604020202020204" pitchFamily="34" charset="0"/>
                   <a:cs typeface="Arial" panose="020B0604020202020204" pitchFamily="34" charset="0"/>
                 </a:rPr>
-                <a:t> {} ◄</a:t>
+                <a:t> </a:t>
+              </a:r>
+              <a:r>
+                <a:rPr lang="en-US" sz="800" dirty="0" smtClean="0">
+                  <a:latin typeface="Arial" panose="020B0604020202020204" pitchFamily="34" charset="0"/>
+                  <a:cs typeface="Arial" panose="020B0604020202020204" pitchFamily="34" charset="0"/>
+                </a:rPr>
+                <a:t>{</a:t>
+              </a:r>
+              <a:r>
+                <a:rPr lang="en-US" sz="400" dirty="0" smtClean="0">
+                  <a:latin typeface="Arial" panose="020B0604020202020204" pitchFamily="34" charset="0"/>
+                  <a:cs typeface="Arial" panose="020B0604020202020204" pitchFamily="34" charset="0"/>
+                </a:rPr>
+                <a:t> </a:t>
+              </a:r>
+              <a:r>
+                <a:rPr lang="en-US" sz="800" dirty="0" smtClean="0">
+                  <a:latin typeface="Arial" panose="020B0604020202020204" pitchFamily="34" charset="0"/>
+                  <a:cs typeface="Arial" panose="020B0604020202020204" pitchFamily="34" charset="0"/>
+                </a:rPr>
+                <a:t>} </a:t>
+              </a:r>
+              <a:r>
+                <a:rPr lang="en-US" sz="800" dirty="0" smtClean="0">
+                  <a:latin typeface="Arial" panose="020B0604020202020204" pitchFamily="34" charset="0"/>
+                  <a:cs typeface="Arial" panose="020B0604020202020204" pitchFamily="34" charset="0"/>
+                </a:rPr>
+                <a:t>◄</a:t>
               </a:r>
               <a:endParaRPr lang="en-US" sz="800" dirty="0">
                 <a:latin typeface="Arial" panose="020B0604020202020204" pitchFamily="34" charset="0"/>
@@ -15129,7 +15244,7 @@
           </p:nvSpPr>
           <p:spPr>
             <a:xfrm>
-              <a:off x="5899830" y="2906554"/>
+              <a:off x="6895341" y="3782861"/>
               <a:ext cx="1027845" cy="215444"/>
             </a:xfrm>
             <a:prstGeom prst="rect">
@@ -15179,7 +15294,7 @@
           </p:nvGrpSpPr>
           <p:grpSpPr>
             <a:xfrm>
-              <a:off x="6044773" y="3142626"/>
+              <a:off x="7040284" y="4018933"/>
               <a:ext cx="845610" cy="724495"/>
               <a:chOff x="625283" y="3209330"/>
               <a:chExt cx="845610" cy="724495"/>
@@ -15335,7 +15450,28 @@
                     <a:latin typeface="Arial" panose="020B0604020202020204" pitchFamily="34" charset="0"/>
                     <a:cs typeface="Arial" panose="020B0604020202020204" pitchFamily="34" charset="0"/>
                   </a:rPr>
-                  <a:t> {}</a:t>
+                  <a:t> </a:t>
+                </a:r>
+                <a:r>
+                  <a:rPr lang="en-US" sz="800" dirty="0" smtClean="0">
+                    <a:latin typeface="Arial" panose="020B0604020202020204" pitchFamily="34" charset="0"/>
+                    <a:cs typeface="Arial" panose="020B0604020202020204" pitchFamily="34" charset="0"/>
+                  </a:rPr>
+                  <a:t>{</a:t>
+                </a:r>
+                <a:r>
+                  <a:rPr lang="en-US" sz="400" dirty="0" smtClean="0">
+                    <a:latin typeface="Arial" panose="020B0604020202020204" pitchFamily="34" charset="0"/>
+                    <a:cs typeface="Arial" panose="020B0604020202020204" pitchFamily="34" charset="0"/>
+                  </a:rPr>
+                  <a:t> </a:t>
+                </a:r>
+                <a:r>
+                  <a:rPr lang="en-US" sz="800" dirty="0" smtClean="0">
+                    <a:latin typeface="Arial" panose="020B0604020202020204" pitchFamily="34" charset="0"/>
+                    <a:cs typeface="Arial" panose="020B0604020202020204" pitchFamily="34" charset="0"/>
+                  </a:rPr>
+                  <a:t>}</a:t>
                 </a:r>
                 <a:endParaRPr lang="en-US" sz="800" dirty="0">
                   <a:latin typeface="Arial" panose="020B0604020202020204" pitchFamily="34" charset="0"/>
@@ -15426,7 +15562,7 @@
           <p:spPr>
             <a:xfrm>
               <a:off x="6878502" y="6953746"/>
-              <a:ext cx="1289135" cy="707886"/>
+              <a:ext cx="1317990" cy="707886"/>
             </a:xfrm>
             <a:prstGeom prst="rect">
               <a:avLst/>
@@ -15484,8 +15620,26 @@
                   <a:latin typeface="Arial" panose="020B0604020202020204" pitchFamily="34" charset="0"/>
                   <a:cs typeface="Arial" panose="020B0604020202020204" pitchFamily="34" charset="0"/>
                 </a:rPr>
-                <a:t>{}</a:t>
+                <a:t>{</a:t>
               </a:r>
+              <a:r>
+                <a:rPr lang="en-US" sz="400" dirty="0" smtClean="0">
+                  <a:latin typeface="Arial" panose="020B0604020202020204" pitchFamily="34" charset="0"/>
+                  <a:cs typeface="Arial" panose="020B0604020202020204" pitchFamily="34" charset="0"/>
+                </a:rPr>
+                <a:t> </a:t>
+              </a:r>
+              <a:r>
+                <a:rPr lang="en-US" sz="800" dirty="0" smtClean="0">
+                  <a:latin typeface="Arial" panose="020B0604020202020204" pitchFamily="34" charset="0"/>
+                  <a:cs typeface="Arial" panose="020B0604020202020204" pitchFamily="34" charset="0"/>
+                </a:rPr>
+                <a:t>}</a:t>
+              </a:r>
+              <a:endParaRPr lang="en-US" sz="800" dirty="0" smtClean="0">
+                <a:latin typeface="Arial" panose="020B0604020202020204" pitchFamily="34" charset="0"/>
+                <a:cs typeface="Arial" panose="020B0604020202020204" pitchFamily="34" charset="0"/>
+              </a:endParaRPr>
             </a:p>
             <a:p>
               <a:r>
@@ -15519,7 +15673,28 @@
                   <a:latin typeface="Arial" panose="020B0604020202020204" pitchFamily="34" charset="0"/>
                   <a:cs typeface="Arial" panose="020B0604020202020204" pitchFamily="34" charset="0"/>
                 </a:rPr>
-                <a:t> {}</a:t>
+                <a:t> </a:t>
+              </a:r>
+              <a:r>
+                <a:rPr lang="en-US" sz="800" dirty="0" smtClean="0">
+                  <a:latin typeface="Arial" panose="020B0604020202020204" pitchFamily="34" charset="0"/>
+                  <a:cs typeface="Arial" panose="020B0604020202020204" pitchFamily="34" charset="0"/>
+                </a:rPr>
+                <a:t>{</a:t>
+              </a:r>
+              <a:r>
+                <a:rPr lang="en-US" sz="400" dirty="0" smtClean="0">
+                  <a:latin typeface="Arial" panose="020B0604020202020204" pitchFamily="34" charset="0"/>
+                  <a:cs typeface="Arial" panose="020B0604020202020204" pitchFamily="34" charset="0"/>
+                </a:rPr>
+                <a:t> </a:t>
+              </a:r>
+              <a:r>
+                <a:rPr lang="en-US" sz="800" dirty="0" smtClean="0">
+                  <a:latin typeface="Arial" panose="020B0604020202020204" pitchFamily="34" charset="0"/>
+                  <a:cs typeface="Arial" panose="020B0604020202020204" pitchFamily="34" charset="0"/>
+                </a:rPr>
+                <a:t>}</a:t>
               </a:r>
               <a:endParaRPr lang="en-US" sz="800" dirty="0">
                 <a:latin typeface="Arial" panose="020B0604020202020204" pitchFamily="34" charset="0"/>
@@ -15696,8 +15871,33 @@
                 <a:latin typeface="Arial" panose="020B0604020202020204" pitchFamily="34" charset="0"/>
                 <a:cs typeface="Arial" panose="020B0604020202020204" pitchFamily="34" charset="0"/>
               </a:rPr>
-              <a:t> {}</a:t>
+              <a:t> </a:t>
             </a:r>
+            <a:r>
+              <a:rPr lang="en-US" sz="800" dirty="0" smtClean="0">
+                <a:latin typeface="Arial" panose="020B0604020202020204" pitchFamily="34" charset="0"/>
+                <a:cs typeface="Arial" panose="020B0604020202020204" pitchFamily="34" charset="0"/>
+              </a:rPr>
+              <a:t>{</a:t>
+            </a:r>
+            <a:r>
+              <a:rPr lang="en-US" sz="400" dirty="0" smtClean="0">
+                <a:latin typeface="Arial" panose="020B0604020202020204" pitchFamily="34" charset="0"/>
+                <a:cs typeface="Arial" panose="020B0604020202020204" pitchFamily="34" charset="0"/>
+              </a:rPr>
+              <a:t> </a:t>
+            </a:r>
+            <a:r>
+              <a:rPr lang="en-US" sz="800" dirty="0" smtClean="0">
+                <a:latin typeface="Arial" panose="020B0604020202020204" pitchFamily="34" charset="0"/>
+                <a:cs typeface="Arial" panose="020B0604020202020204" pitchFamily="34" charset="0"/>
+              </a:rPr>
+              <a:t>}</a:t>
+            </a:r>
+            <a:endParaRPr lang="en-US" sz="800" dirty="0" smtClean="0">
+              <a:latin typeface="Arial" panose="020B0604020202020204" pitchFamily="34" charset="0"/>
+              <a:cs typeface="Arial" panose="020B0604020202020204" pitchFamily="34" charset="0"/>
+            </a:endParaRPr>
           </a:p>
           <a:p>
             <a:r>
@@ -15712,8 +15912,33 @@
                 <a:latin typeface="Arial" panose="020B0604020202020204" pitchFamily="34" charset="0"/>
                 <a:cs typeface="Arial" panose="020B0604020202020204" pitchFamily="34" charset="0"/>
               </a:rPr>
-              <a:t> {}</a:t>
+              <a:t> </a:t>
             </a:r>
+            <a:r>
+              <a:rPr lang="en-US" sz="800" dirty="0" smtClean="0">
+                <a:latin typeface="Arial" panose="020B0604020202020204" pitchFamily="34" charset="0"/>
+                <a:cs typeface="Arial" panose="020B0604020202020204" pitchFamily="34" charset="0"/>
+              </a:rPr>
+              <a:t>{</a:t>
+            </a:r>
+            <a:r>
+              <a:rPr lang="en-US" sz="400" dirty="0" smtClean="0">
+                <a:latin typeface="Arial" panose="020B0604020202020204" pitchFamily="34" charset="0"/>
+                <a:cs typeface="Arial" panose="020B0604020202020204" pitchFamily="34" charset="0"/>
+              </a:rPr>
+              <a:t> </a:t>
+            </a:r>
+            <a:r>
+              <a:rPr lang="en-US" sz="800" dirty="0" smtClean="0">
+                <a:latin typeface="Arial" panose="020B0604020202020204" pitchFamily="34" charset="0"/>
+                <a:cs typeface="Arial" panose="020B0604020202020204" pitchFamily="34" charset="0"/>
+              </a:rPr>
+              <a:t>}</a:t>
+            </a:r>
+            <a:endParaRPr lang="en-US" sz="800" dirty="0" smtClean="0">
+              <a:latin typeface="Arial" panose="020B0604020202020204" pitchFamily="34" charset="0"/>
+              <a:cs typeface="Arial" panose="020B0604020202020204" pitchFamily="34" charset="0"/>
+            </a:endParaRPr>
           </a:p>
           <a:p>
             <a:r>
@@ -15742,6 +15967,27 @@
                 <a:cs typeface="Arial" panose="020B0604020202020204" pitchFamily="34" charset="0"/>
               </a:rPr>
               <a:t>payeeAccounts</a:t>
+            </a:r>
+            <a:r>
+              <a:rPr lang="en-US" sz="800" dirty="0" smtClean="0">
+                <a:latin typeface="Arial" panose="020B0604020202020204" pitchFamily="34" charset="0"/>
+                <a:cs typeface="Arial" panose="020B0604020202020204" pitchFamily="34" charset="0"/>
+              </a:rPr>
+              <a:t> [{</a:t>
+            </a:r>
+            <a:r>
+              <a:rPr lang="en-US" sz="400" dirty="0" smtClean="0">
+                <a:latin typeface="Arial" panose="020B0604020202020204" pitchFamily="34" charset="0"/>
+                <a:cs typeface="Arial" panose="020B0604020202020204" pitchFamily="34" charset="0"/>
+              </a:rPr>
+              <a:t> </a:t>
+            </a:r>
+            <a:r>
+              <a:rPr lang="en-US" sz="800" dirty="0" smtClean="0">
+                <a:latin typeface="Arial" panose="020B0604020202020204" pitchFamily="34" charset="0"/>
+                <a:cs typeface="Arial" panose="020B0604020202020204" pitchFamily="34" charset="0"/>
+              </a:rPr>
+              <a:t>},…]</a:t>
             </a:r>
             <a:endParaRPr lang="en-US" sz="800" dirty="0" smtClean="0">
               <a:latin typeface="Arial" panose="020B0604020202020204" pitchFamily="34" charset="0"/>
@@ -15780,7 +16026,28 @@
                 <a:latin typeface="Arial" panose="020B0604020202020204" pitchFamily="34" charset="0"/>
                 <a:cs typeface="Arial" panose="020B0604020202020204" pitchFamily="34" charset="0"/>
               </a:rPr>
-              <a:t> {} </a:t>
+              <a:t> </a:t>
+            </a:r>
+            <a:r>
+              <a:rPr lang="en-US" sz="800" dirty="0" smtClean="0">
+                <a:latin typeface="Arial" panose="020B0604020202020204" pitchFamily="34" charset="0"/>
+                <a:cs typeface="Arial" panose="020B0604020202020204" pitchFamily="34" charset="0"/>
+              </a:rPr>
+              <a:t>{</a:t>
+            </a:r>
+            <a:r>
+              <a:rPr lang="en-US" sz="400" dirty="0" smtClean="0">
+                <a:latin typeface="Arial" panose="020B0604020202020204" pitchFamily="34" charset="0"/>
+                <a:cs typeface="Arial" panose="020B0604020202020204" pitchFamily="34" charset="0"/>
+              </a:rPr>
+              <a:t> </a:t>
+            </a:r>
+            <a:r>
+              <a:rPr lang="en-US" sz="800" dirty="0" smtClean="0">
+                <a:latin typeface="Arial" panose="020B0604020202020204" pitchFamily="34" charset="0"/>
+                <a:cs typeface="Arial" panose="020B0604020202020204" pitchFamily="34" charset="0"/>
+              </a:rPr>
+              <a:t>} </a:t>
             </a:r>
             <a:endParaRPr lang="en-US" sz="800" dirty="0">
               <a:latin typeface="Arial" panose="020B0604020202020204" pitchFamily="34" charset="0"/>
@@ -16057,6 +16324,27 @@
                 </a:rPr>
                 <a:t>payeeAccount</a:t>
               </a:r>
+              <a:r>
+                <a:rPr lang="en-US" sz="800" dirty="0" smtClean="0">
+                  <a:latin typeface="Arial" panose="020B0604020202020204" pitchFamily="34" charset="0"/>
+                  <a:cs typeface="Arial" panose="020B0604020202020204" pitchFamily="34" charset="0"/>
+                </a:rPr>
+                <a:t> {</a:t>
+              </a:r>
+              <a:r>
+                <a:rPr lang="en-US" sz="400" dirty="0" smtClean="0">
+                  <a:latin typeface="Arial" panose="020B0604020202020204" pitchFamily="34" charset="0"/>
+                  <a:cs typeface="Arial" panose="020B0604020202020204" pitchFamily="34" charset="0"/>
+                </a:rPr>
+                <a:t> </a:t>
+              </a:r>
+              <a:r>
+                <a:rPr lang="en-US" sz="800" dirty="0" smtClean="0">
+                  <a:latin typeface="Arial" panose="020B0604020202020204" pitchFamily="34" charset="0"/>
+                  <a:cs typeface="Arial" panose="020B0604020202020204" pitchFamily="34" charset="0"/>
+                </a:rPr>
+                <a:t>}</a:t>
+              </a:r>
               <a:endParaRPr lang="en-US" sz="800" dirty="0" smtClean="0">
                 <a:latin typeface="Arial" panose="020B0604020202020204" pitchFamily="34" charset="0"/>
                 <a:cs typeface="Arial" panose="020B0604020202020204" pitchFamily="34" charset="0"/>
@@ -16097,7 +16385,21 @@
                   <a:latin typeface="Arial" panose="020B0604020202020204" pitchFamily="34" charset="0"/>
                   <a:cs typeface="Arial" panose="020B0604020202020204" pitchFamily="34" charset="0"/>
                 </a:rPr>
-                <a:t>{} </a:t>
+                <a:t>{</a:t>
+              </a:r>
+              <a:r>
+                <a:rPr lang="en-US" sz="400" dirty="0" smtClean="0">
+                  <a:latin typeface="Arial" panose="020B0604020202020204" pitchFamily="34" charset="0"/>
+                  <a:cs typeface="Arial" panose="020B0604020202020204" pitchFamily="34" charset="0"/>
+                </a:rPr>
+                <a:t> </a:t>
+              </a:r>
+              <a:r>
+                <a:rPr lang="en-US" sz="800" dirty="0" smtClean="0">
+                  <a:latin typeface="Arial" panose="020B0604020202020204" pitchFamily="34" charset="0"/>
+                  <a:cs typeface="Arial" panose="020B0604020202020204" pitchFamily="34" charset="0"/>
+                </a:rPr>
+                <a:t>} </a:t>
               </a:r>
               <a:endParaRPr lang="en-US" sz="800" dirty="0">
                 <a:latin typeface="Arial" panose="020B0604020202020204" pitchFamily="34" charset="0"/>
@@ -16320,7 +16622,28 @@
                     <a:latin typeface="Arial" panose="020B0604020202020204" pitchFamily="34" charset="0"/>
                     <a:cs typeface="Arial" panose="020B0604020202020204" pitchFamily="34" charset="0"/>
                   </a:rPr>
-                  <a:t> {}</a:t>
+                  <a:t> </a:t>
+                </a:r>
+                <a:r>
+                  <a:rPr lang="en-US" sz="800" dirty="0" smtClean="0">
+                    <a:latin typeface="Arial" panose="020B0604020202020204" pitchFamily="34" charset="0"/>
+                    <a:cs typeface="Arial" panose="020B0604020202020204" pitchFamily="34" charset="0"/>
+                  </a:rPr>
+                  <a:t>{</a:t>
+                </a:r>
+                <a:r>
+                  <a:rPr lang="en-US" sz="400" dirty="0" smtClean="0">
+                    <a:latin typeface="Arial" panose="020B0604020202020204" pitchFamily="34" charset="0"/>
+                    <a:cs typeface="Arial" panose="020B0604020202020204" pitchFamily="34" charset="0"/>
+                  </a:rPr>
+                  <a:t> </a:t>
+                </a:r>
+                <a:r>
+                  <a:rPr lang="en-US" sz="800" dirty="0" smtClean="0">
+                    <a:latin typeface="Arial" panose="020B0604020202020204" pitchFamily="34" charset="0"/>
+                    <a:cs typeface="Arial" panose="020B0604020202020204" pitchFamily="34" charset="0"/>
+                  </a:rPr>
+                  <a:t>}</a:t>
                 </a:r>
                 <a:endParaRPr lang="en-US" sz="800" dirty="0">
                   <a:latin typeface="Arial" panose="020B0604020202020204" pitchFamily="34" charset="0"/>
@@ -16761,7 +17084,14 @@
                 <a:latin typeface="Arial" panose="020B0604020202020204" pitchFamily="34" charset="0"/>
                 <a:cs typeface="Arial" panose="020B0604020202020204" pitchFamily="34" charset="0"/>
               </a:rPr>
-              <a:t>WebPKI.org/AR 20150929</a:t>
+              <a:t>WebPKI.org/AR </a:t>
+            </a:r>
+            <a:r>
+              <a:rPr lang="en-US" sz="700" dirty="0" smtClean="0">
+                <a:latin typeface="Arial" panose="020B0604020202020204" pitchFamily="34" charset="0"/>
+                <a:cs typeface="Arial" panose="020B0604020202020204" pitchFamily="34" charset="0"/>
+              </a:rPr>
+              <a:t>20151001</a:t>
             </a:r>
             <a:endParaRPr lang="en-US" sz="700" dirty="0">
               <a:latin typeface="Arial" panose="020B0604020202020204" pitchFamily="34" charset="0"/>

--- a/webpayment.resources/docs/webpay-account-2-account-direct-debit-statediagram.pptx
+++ b/webpayment.resources/docs/webpay-account-2-account-direct-debit-statediagram.pptx
@@ -192,7 +192,7 @@
           <a:p>
             <a:fld id="{EC8C8056-B549-4FBF-9C23-C3E3767DB98D}" type="datetimeFigureOut">
               <a:rPr lang="en-US" smtClean="0"/>
-              <a:t>2015-10-01</a:t>
+              <a:t>2015-10-03</a:t>
             </a:fld>
             <a:endParaRPr lang="en-US"/>
           </a:p>
@@ -936,7 +936,7 @@
         <p:spPr>
           <a:xfrm>
             <a:off x="472023" y="906290"/>
-            <a:ext cx="0" cy="11718000"/>
+            <a:ext cx="0" cy="11358000"/>
           </a:xfrm>
           <a:prstGeom prst="line">
             <a:avLst/>
@@ -13232,14 +13232,7 @@
                 <a:latin typeface="Arial" panose="020B0604020202020204" pitchFamily="34" charset="0"/>
                 <a:cs typeface="Arial" panose="020B0604020202020204" pitchFamily="34" charset="0"/>
               </a:rPr>
-              <a:t> </a:t>
-            </a:r>
-            <a:r>
-              <a:rPr lang="en-US" sz="800" dirty="0" smtClean="0">
-                <a:latin typeface="Arial" panose="020B0604020202020204" pitchFamily="34" charset="0"/>
-                <a:cs typeface="Arial" panose="020B0604020202020204" pitchFamily="34" charset="0"/>
-              </a:rPr>
-              <a:t>{</a:t>
+              <a:t> {</a:t>
             </a:r>
             <a:r>
               <a:rPr lang="en-US" sz="400" dirty="0" smtClean="0">
@@ -13255,10 +13248,6 @@
               </a:rPr>
               <a:t>} </a:t>
             </a:r>
-            <a:endParaRPr lang="en-US" sz="800" dirty="0" smtClean="0">
-              <a:latin typeface="Arial" panose="020B0604020202020204" pitchFamily="34" charset="0"/>
-              <a:cs typeface="Arial" panose="020B0604020202020204" pitchFamily="34" charset="0"/>
-            </a:endParaRPr>
           </a:p>
         </p:txBody>
       </p:sp>
@@ -14689,14 +14678,7 @@
                 <a:latin typeface="Arial" panose="020B0604020202020204" pitchFamily="34" charset="0"/>
                 <a:cs typeface="Arial" panose="020B0604020202020204" pitchFamily="34" charset="0"/>
               </a:rPr>
-              <a:t>indow </a:t>
-            </a:r>
-            <a:r>
-              <a:rPr lang="en-US" sz="800" dirty="0" smtClean="0">
-                <a:latin typeface="Arial" panose="020B0604020202020204" pitchFamily="34" charset="0"/>
-                <a:cs typeface="Arial" panose="020B0604020202020204" pitchFamily="34" charset="0"/>
-              </a:rPr>
-              <a:t>{</a:t>
+              <a:t>indow {</a:t>
             </a:r>
             <a:r>
               <a:rPr lang="en-US" sz="400" dirty="0" smtClean="0">
@@ -14712,10 +14694,6 @@
               </a:rPr>
               <a:t>}</a:t>
             </a:r>
-            <a:endParaRPr lang="en-US" sz="800" dirty="0" smtClean="0">
-              <a:latin typeface="Arial" panose="020B0604020202020204" pitchFamily="34" charset="0"/>
-              <a:cs typeface="Arial" panose="020B0604020202020204" pitchFamily="34" charset="0"/>
-            </a:endParaRPr>
           </a:p>
         </p:txBody>
       </p:sp>
@@ -15132,14 +15110,7 @@
                   <a:latin typeface="Arial" panose="020B0604020202020204" pitchFamily="34" charset="0"/>
                   <a:cs typeface="Arial" panose="020B0604020202020204" pitchFamily="34" charset="0"/>
                 </a:rPr>
-                <a:t> </a:t>
-              </a:r>
-              <a:r>
-                <a:rPr lang="en-US" sz="800" dirty="0" smtClean="0">
-                  <a:latin typeface="Arial" panose="020B0604020202020204" pitchFamily="34" charset="0"/>
-                  <a:cs typeface="Arial" panose="020B0604020202020204" pitchFamily="34" charset="0"/>
-                </a:rPr>
-                <a:t>{</a:t>
+                <a:t> {</a:t>
               </a:r>
               <a:r>
                 <a:rPr lang="en-US" sz="400" dirty="0" smtClean="0">
@@ -15153,14 +15124,7 @@
                   <a:latin typeface="Arial" panose="020B0604020202020204" pitchFamily="34" charset="0"/>
                   <a:cs typeface="Arial" panose="020B0604020202020204" pitchFamily="34" charset="0"/>
                 </a:rPr>
-                <a:t>}  </a:t>
-              </a:r>
-              <a:r>
-                <a:rPr lang="en-US" sz="800" dirty="0" smtClean="0">
-                  <a:latin typeface="Arial" panose="020B0604020202020204" pitchFamily="34" charset="0"/>
-                  <a:cs typeface="Arial" panose="020B0604020202020204" pitchFamily="34" charset="0"/>
-                </a:rPr>
-                <a:t>◄</a:t>
+                <a:t>}  ◄</a:t>
               </a:r>
             </a:p>
             <a:p>
@@ -15199,14 +15163,7 @@
                   <a:latin typeface="Arial" panose="020B0604020202020204" pitchFamily="34" charset="0"/>
                   <a:cs typeface="Arial" panose="020B0604020202020204" pitchFamily="34" charset="0"/>
                 </a:rPr>
-                <a:t> </a:t>
-              </a:r>
-              <a:r>
-                <a:rPr lang="en-US" sz="800" dirty="0" smtClean="0">
-                  <a:latin typeface="Arial" panose="020B0604020202020204" pitchFamily="34" charset="0"/>
-                  <a:cs typeface="Arial" panose="020B0604020202020204" pitchFamily="34" charset="0"/>
-                </a:rPr>
-                <a:t>{</a:t>
+                <a:t> {</a:t>
               </a:r>
               <a:r>
                 <a:rPr lang="en-US" sz="400" dirty="0" smtClean="0">
@@ -15220,14 +15177,7 @@
                   <a:latin typeface="Arial" panose="020B0604020202020204" pitchFamily="34" charset="0"/>
                   <a:cs typeface="Arial" panose="020B0604020202020204" pitchFamily="34" charset="0"/>
                 </a:rPr>
-                <a:t>} </a:t>
-              </a:r>
-              <a:r>
-                <a:rPr lang="en-US" sz="800" dirty="0" smtClean="0">
-                  <a:latin typeface="Arial" panose="020B0604020202020204" pitchFamily="34" charset="0"/>
-                  <a:cs typeface="Arial" panose="020B0604020202020204" pitchFamily="34" charset="0"/>
-                </a:rPr>
-                <a:t>◄</a:t>
+                <a:t>} ◄</a:t>
               </a:r>
               <a:endParaRPr lang="en-US" sz="800" dirty="0">
                 <a:latin typeface="Arial" panose="020B0604020202020204" pitchFamily="34" charset="0"/>
@@ -15450,14 +15400,7 @@
                     <a:latin typeface="Arial" panose="020B0604020202020204" pitchFamily="34" charset="0"/>
                     <a:cs typeface="Arial" panose="020B0604020202020204" pitchFamily="34" charset="0"/>
                   </a:rPr>
-                  <a:t> </a:t>
-                </a:r>
-                <a:r>
-                  <a:rPr lang="en-US" sz="800" dirty="0" smtClean="0">
-                    <a:latin typeface="Arial" panose="020B0604020202020204" pitchFamily="34" charset="0"/>
-                    <a:cs typeface="Arial" panose="020B0604020202020204" pitchFamily="34" charset="0"/>
-                  </a:rPr>
-                  <a:t>{</a:t>
+                  <a:t> {</a:t>
                 </a:r>
                 <a:r>
                   <a:rPr lang="en-US" sz="400" dirty="0" smtClean="0">
@@ -15636,10 +15579,6 @@
                 </a:rPr>
                 <a:t>}</a:t>
               </a:r>
-              <a:endParaRPr lang="en-US" sz="800" dirty="0" smtClean="0">
-                <a:latin typeface="Arial" panose="020B0604020202020204" pitchFamily="34" charset="0"/>
-                <a:cs typeface="Arial" panose="020B0604020202020204" pitchFamily="34" charset="0"/>
-              </a:endParaRPr>
             </a:p>
             <a:p>
               <a:r>
@@ -15673,14 +15612,7 @@
                   <a:latin typeface="Arial" panose="020B0604020202020204" pitchFamily="34" charset="0"/>
                   <a:cs typeface="Arial" panose="020B0604020202020204" pitchFamily="34" charset="0"/>
                 </a:rPr>
-                <a:t> </a:t>
-              </a:r>
-              <a:r>
-                <a:rPr lang="en-US" sz="800" dirty="0" smtClean="0">
-                  <a:latin typeface="Arial" panose="020B0604020202020204" pitchFamily="34" charset="0"/>
-                  <a:cs typeface="Arial" panose="020B0604020202020204" pitchFamily="34" charset="0"/>
-                </a:rPr>
-                <a:t>{</a:t>
+                <a:t> {</a:t>
               </a:r>
               <a:r>
                 <a:rPr lang="en-US" sz="400" dirty="0" smtClean="0">
@@ -15871,14 +15803,7 @@
                 <a:latin typeface="Arial" panose="020B0604020202020204" pitchFamily="34" charset="0"/>
                 <a:cs typeface="Arial" panose="020B0604020202020204" pitchFamily="34" charset="0"/>
               </a:rPr>
-              <a:t> </a:t>
-            </a:r>
-            <a:r>
-              <a:rPr lang="en-US" sz="800" dirty="0" smtClean="0">
-                <a:latin typeface="Arial" panose="020B0604020202020204" pitchFamily="34" charset="0"/>
-                <a:cs typeface="Arial" panose="020B0604020202020204" pitchFamily="34" charset="0"/>
-              </a:rPr>
-              <a:t>{</a:t>
+              <a:t> {</a:t>
             </a:r>
             <a:r>
               <a:rPr lang="en-US" sz="400" dirty="0" smtClean="0">
@@ -15894,10 +15819,6 @@
               </a:rPr>
               <a:t>}</a:t>
             </a:r>
-            <a:endParaRPr lang="en-US" sz="800" dirty="0" smtClean="0">
-              <a:latin typeface="Arial" panose="020B0604020202020204" pitchFamily="34" charset="0"/>
-              <a:cs typeface="Arial" panose="020B0604020202020204" pitchFamily="34" charset="0"/>
-            </a:endParaRPr>
           </a:p>
           <a:p>
             <a:r>
@@ -15912,14 +15833,7 @@
                 <a:latin typeface="Arial" panose="020B0604020202020204" pitchFamily="34" charset="0"/>
                 <a:cs typeface="Arial" panose="020B0604020202020204" pitchFamily="34" charset="0"/>
               </a:rPr>
-              <a:t> </a:t>
-            </a:r>
-            <a:r>
-              <a:rPr lang="en-US" sz="800" dirty="0" smtClean="0">
-                <a:latin typeface="Arial" panose="020B0604020202020204" pitchFamily="34" charset="0"/>
-                <a:cs typeface="Arial" panose="020B0604020202020204" pitchFamily="34" charset="0"/>
-              </a:rPr>
-              <a:t>{</a:t>
+              <a:t> {</a:t>
             </a:r>
             <a:r>
               <a:rPr lang="en-US" sz="400" dirty="0" smtClean="0">
@@ -15935,10 +15849,6 @@
               </a:rPr>
               <a:t>}</a:t>
             </a:r>
-            <a:endParaRPr lang="en-US" sz="800" dirty="0" smtClean="0">
-              <a:latin typeface="Arial" panose="020B0604020202020204" pitchFamily="34" charset="0"/>
-              <a:cs typeface="Arial" panose="020B0604020202020204" pitchFamily="34" charset="0"/>
-            </a:endParaRPr>
           </a:p>
           <a:p>
             <a:r>
@@ -15989,10 +15899,6 @@
               </a:rPr>
               <a:t>},…]</a:t>
             </a:r>
-            <a:endParaRPr lang="en-US" sz="800" dirty="0" smtClean="0">
-              <a:latin typeface="Arial" panose="020B0604020202020204" pitchFamily="34" charset="0"/>
-              <a:cs typeface="Arial" panose="020B0604020202020204" pitchFamily="34" charset="0"/>
-            </a:endParaRPr>
           </a:p>
           <a:p>
             <a:r>
@@ -16026,14 +15932,7 @@
                 <a:latin typeface="Arial" panose="020B0604020202020204" pitchFamily="34" charset="0"/>
                 <a:cs typeface="Arial" panose="020B0604020202020204" pitchFamily="34" charset="0"/>
               </a:rPr>
-              <a:t> </a:t>
-            </a:r>
-            <a:r>
-              <a:rPr lang="en-US" sz="800" dirty="0" smtClean="0">
-                <a:latin typeface="Arial" panose="020B0604020202020204" pitchFamily="34" charset="0"/>
-                <a:cs typeface="Arial" panose="020B0604020202020204" pitchFamily="34" charset="0"/>
-              </a:rPr>
-              <a:t>{</a:t>
+              <a:t> {</a:t>
             </a:r>
             <a:r>
               <a:rPr lang="en-US" sz="400" dirty="0" smtClean="0">
@@ -16345,10 +16244,6 @@
                 </a:rPr>
                 <a:t>}</a:t>
               </a:r>
-              <a:endParaRPr lang="en-US" sz="800" dirty="0" smtClean="0">
-                <a:latin typeface="Arial" panose="020B0604020202020204" pitchFamily="34" charset="0"/>
-                <a:cs typeface="Arial" panose="020B0604020202020204" pitchFamily="34" charset="0"/>
-              </a:endParaRPr>
             </a:p>
             <a:p>
               <a:r>
@@ -16622,14 +16517,7 @@
                     <a:latin typeface="Arial" panose="020B0604020202020204" pitchFamily="34" charset="0"/>
                     <a:cs typeface="Arial" panose="020B0604020202020204" pitchFamily="34" charset="0"/>
                   </a:rPr>
-                  <a:t> </a:t>
-                </a:r>
-                <a:r>
-                  <a:rPr lang="en-US" sz="800" dirty="0" smtClean="0">
-                    <a:latin typeface="Arial" panose="020B0604020202020204" pitchFamily="34" charset="0"/>
-                    <a:cs typeface="Arial" panose="020B0604020202020204" pitchFamily="34" charset="0"/>
-                  </a:rPr>
-                  <a:t>{</a:t>
+                  <a:t> {</a:t>
                 </a:r>
                 <a:r>
                   <a:rPr lang="en-US" sz="400" dirty="0" smtClean="0">
@@ -17084,14 +16972,7 @@
                 <a:latin typeface="Arial" panose="020B0604020202020204" pitchFamily="34" charset="0"/>
                 <a:cs typeface="Arial" panose="020B0604020202020204" pitchFamily="34" charset="0"/>
               </a:rPr>
-              <a:t>WebPKI.org/AR </a:t>
-            </a:r>
-            <a:r>
-              <a:rPr lang="en-US" sz="700" dirty="0" smtClean="0">
-                <a:latin typeface="Arial" panose="020B0604020202020204" pitchFamily="34" charset="0"/>
-                <a:cs typeface="Arial" panose="020B0604020202020204" pitchFamily="34" charset="0"/>
-              </a:rPr>
-              <a:t>20151001</a:t>
+              <a:t>AR-20151003</a:t>
             </a:r>
             <a:endParaRPr lang="en-US" sz="700" dirty="0">
               <a:latin typeface="Arial" panose="020B0604020202020204" pitchFamily="34" charset="0"/>
@@ -28010,6 +27891,36 @@
           </a:p>
         </p:txBody>
       </p:sp>
+      <p:pic>
+        <p:nvPicPr>
+          <p:cNvPr id="3" name="Picture 2"/>
+          <p:cNvPicPr>
+            <a:picLocks noChangeAspect="1"/>
+          </p:cNvPicPr>
+          <p:nvPr/>
+        </p:nvPicPr>
+        <p:blipFill>
+          <a:blip r:embed="rId4" cstate="print">
+            <a:extLst>
+              <a:ext uri="{28A0092B-C50C-407E-A947-70E740481C1C}">
+                <a14:useLocalDpi xmlns:a14="http://schemas.microsoft.com/office/drawing/2010/main" val="0"/>
+              </a:ext>
+            </a:extLst>
+          </a:blip>
+          <a:stretch>
+            <a:fillRect/>
+          </a:stretch>
+        </p:blipFill>
+        <p:spPr>
+          <a:xfrm>
+            <a:off x="174278" y="12460097"/>
+            <a:ext cx="2187585" cy="977760"/>
+          </a:xfrm>
+          <a:prstGeom prst="rect">
+            <a:avLst/>
+          </a:prstGeom>
+        </p:spPr>
+      </p:pic>
     </p:spTree>
     <p:extLst>
       <p:ext uri="{BB962C8B-B14F-4D97-AF65-F5344CB8AC3E}">
